--- a/Presentations/Poster/Poster template 4 columns.pptx
+++ b/Presentations/Poster/Poster template 4 columns.pptx
@@ -6463,10 +6463,10 @@
       </p:grpSpPr>
       <p:sp>
         <p:nvSpPr>
-          <p:cNvPr id="87" name="Text Placeholder 86">
+          <p:cNvPr id="2" name="Text Placeholder 1">
             <a:extLst>
               <a:ext uri="{FF2B5EF4-FFF2-40B4-BE49-F238E27FC236}">
-                <a16:creationId xmlns:a16="http://schemas.microsoft.com/office/drawing/2014/main" id="{B51B601C-AA87-C448-96E5-5B6D1C8B4249}"/>
+                <a16:creationId xmlns:a16="http://schemas.microsoft.com/office/drawing/2014/main" id="{BA494E4F-DC92-69E1-334B-CED101DEA9ED}"/>
               </a:ext>
             </a:extLst>
           </p:cNvPr>
@@ -6482,16 +6482,16 @@
           <a:bodyPr/>
           <a:lstStyle/>
           <a:p>
-            <a:endParaRPr lang="en-US" dirty="0"/>
+            <a:endParaRPr lang="en-US"/>
           </a:p>
         </p:txBody>
       </p:sp>
       <p:sp>
         <p:nvSpPr>
-          <p:cNvPr id="88" name="Text Placeholder 87">
+          <p:cNvPr id="3" name="Text Placeholder 2">
             <a:extLst>
               <a:ext uri="{FF2B5EF4-FFF2-40B4-BE49-F238E27FC236}">
-                <a16:creationId xmlns:a16="http://schemas.microsoft.com/office/drawing/2014/main" id="{ED6BA1F4-974B-AA4D-BF12-3F1211493C26}"/>
+                <a16:creationId xmlns:a16="http://schemas.microsoft.com/office/drawing/2014/main" id="{70BEF31E-234A-68CD-1930-00526DE7E1AE}"/>
               </a:ext>
             </a:extLst>
           </p:cNvPr>
@@ -6507,16 +6507,16 @@
           <a:bodyPr/>
           <a:lstStyle/>
           <a:p>
-            <a:endParaRPr lang="en-US" dirty="0"/>
+            <a:endParaRPr lang="en-US"/>
           </a:p>
         </p:txBody>
       </p:sp>
       <p:sp>
         <p:nvSpPr>
-          <p:cNvPr id="89" name="Text Placeholder 88">
+          <p:cNvPr id="4" name="Text Placeholder 3">
             <a:extLst>
               <a:ext uri="{FF2B5EF4-FFF2-40B4-BE49-F238E27FC236}">
-                <a16:creationId xmlns:a16="http://schemas.microsoft.com/office/drawing/2014/main" id="{52482D9A-DD3A-3E4D-B5A8-692345FB258E}"/>
+                <a16:creationId xmlns:a16="http://schemas.microsoft.com/office/drawing/2014/main" id="{9723C132-4FB0-8933-076B-0E5D733E2A32}"/>
               </a:ext>
             </a:extLst>
           </p:cNvPr>
@@ -6538,10 +6538,10 @@
       </p:sp>
       <p:sp>
         <p:nvSpPr>
-          <p:cNvPr id="90" name="Text Placeholder 89">
+          <p:cNvPr id="5" name="Text Placeholder 4">
             <a:extLst>
               <a:ext uri="{FF2B5EF4-FFF2-40B4-BE49-F238E27FC236}">
-                <a16:creationId xmlns:a16="http://schemas.microsoft.com/office/drawing/2014/main" id="{B20DAE73-7398-3541-9047-3EF06FA94C0B}"/>
+                <a16:creationId xmlns:a16="http://schemas.microsoft.com/office/drawing/2014/main" id="{A988190A-C127-A259-886A-310BB58387A9}"/>
               </a:ext>
             </a:extLst>
           </p:cNvPr>
@@ -6563,10 +6563,10 @@
       </p:sp>
       <p:sp>
         <p:nvSpPr>
-          <p:cNvPr id="91" name="Text Placeholder 90">
+          <p:cNvPr id="6" name="Text Placeholder 5">
             <a:extLst>
               <a:ext uri="{FF2B5EF4-FFF2-40B4-BE49-F238E27FC236}">
-                <a16:creationId xmlns:a16="http://schemas.microsoft.com/office/drawing/2014/main" id="{6A984DC8-C031-724D-9B33-B7D232AE5C5D}"/>
+                <a16:creationId xmlns:a16="http://schemas.microsoft.com/office/drawing/2014/main" id="{F42974FC-912B-8B4E-D682-10248512D36D}"/>
               </a:ext>
             </a:extLst>
           </p:cNvPr>
@@ -6588,10 +6588,10 @@
       </p:sp>
       <p:sp>
         <p:nvSpPr>
-          <p:cNvPr id="92" name="Text Placeholder 91">
+          <p:cNvPr id="7" name="Text Placeholder 6">
             <a:extLst>
               <a:ext uri="{FF2B5EF4-FFF2-40B4-BE49-F238E27FC236}">
-                <a16:creationId xmlns:a16="http://schemas.microsoft.com/office/drawing/2014/main" id="{2EA51318-ADEE-ED41-AE79-D80086567C7D}"/>
+                <a16:creationId xmlns:a16="http://schemas.microsoft.com/office/drawing/2014/main" id="{BE5C1F4B-D2C0-4B13-7998-CBD86752FAEA}"/>
               </a:ext>
             </a:extLst>
           </p:cNvPr>
@@ -6613,10 +6613,10 @@
       </p:sp>
       <p:sp>
         <p:nvSpPr>
-          <p:cNvPr id="93" name="Text Placeholder 92">
+          <p:cNvPr id="8" name="Text Placeholder 7">
             <a:extLst>
               <a:ext uri="{FF2B5EF4-FFF2-40B4-BE49-F238E27FC236}">
-                <a16:creationId xmlns:a16="http://schemas.microsoft.com/office/drawing/2014/main" id="{38D8D04E-BA04-3645-8D54-47AEE765C8B0}"/>
+                <a16:creationId xmlns:a16="http://schemas.microsoft.com/office/drawing/2014/main" id="{BF455FE8-29B6-FE12-F95A-BDFFB22E3017}"/>
               </a:ext>
             </a:extLst>
           </p:cNvPr>
@@ -6638,10 +6638,10 @@
       </p:sp>
       <p:sp>
         <p:nvSpPr>
-          <p:cNvPr id="94" name="Text Placeholder 93">
+          <p:cNvPr id="9" name="Text Placeholder 8">
             <a:extLst>
               <a:ext uri="{FF2B5EF4-FFF2-40B4-BE49-F238E27FC236}">
-                <a16:creationId xmlns:a16="http://schemas.microsoft.com/office/drawing/2014/main" id="{2F97B74B-534C-0842-BE55-AF8FB3442020}"/>
+                <a16:creationId xmlns:a16="http://schemas.microsoft.com/office/drawing/2014/main" id="{42EBE8F7-206A-FE84-C39E-BD0CB16BFE42}"/>
               </a:ext>
             </a:extLst>
           </p:cNvPr>
@@ -6663,10 +6663,10 @@
       </p:sp>
       <p:sp>
         <p:nvSpPr>
-          <p:cNvPr id="95" name="Text Placeholder 94">
+          <p:cNvPr id="10" name="Text Placeholder 9">
             <a:extLst>
               <a:ext uri="{FF2B5EF4-FFF2-40B4-BE49-F238E27FC236}">
-                <a16:creationId xmlns:a16="http://schemas.microsoft.com/office/drawing/2014/main" id="{C425D03E-96C1-804B-9990-78B2B8349537}"/>
+                <a16:creationId xmlns:a16="http://schemas.microsoft.com/office/drawing/2014/main" id="{D1E2D322-788B-4321-5335-BF5341D6BF7F}"/>
               </a:ext>
             </a:extLst>
           </p:cNvPr>
@@ -6688,10 +6688,10 @@
       </p:sp>
       <p:sp>
         <p:nvSpPr>
-          <p:cNvPr id="96" name="Text Placeholder 95">
+          <p:cNvPr id="11" name="Text Placeholder 10">
             <a:extLst>
               <a:ext uri="{FF2B5EF4-FFF2-40B4-BE49-F238E27FC236}">
-                <a16:creationId xmlns:a16="http://schemas.microsoft.com/office/drawing/2014/main" id="{59AA662D-8D39-F746-9987-521130222D8C}"/>
+                <a16:creationId xmlns:a16="http://schemas.microsoft.com/office/drawing/2014/main" id="{F749F5F9-D5BB-3DAF-89DA-25A661FB5DAD}"/>
               </a:ext>
             </a:extLst>
           </p:cNvPr>
@@ -6713,10 +6713,10 @@
       </p:sp>
       <p:sp>
         <p:nvSpPr>
-          <p:cNvPr id="97" name="Text Placeholder 96">
+          <p:cNvPr id="12" name="Text Placeholder 11">
             <a:extLst>
               <a:ext uri="{FF2B5EF4-FFF2-40B4-BE49-F238E27FC236}">
-                <a16:creationId xmlns:a16="http://schemas.microsoft.com/office/drawing/2014/main" id="{C9838796-29D9-8A4D-9392-4C51FAC609C9}"/>
+                <a16:creationId xmlns:a16="http://schemas.microsoft.com/office/drawing/2014/main" id="{BB45A849-7F25-ABCD-1EF0-83787FB1B4F5}"/>
               </a:ext>
             </a:extLst>
           </p:cNvPr>
@@ -6738,10 +6738,10 @@
       </p:sp>
       <p:sp>
         <p:nvSpPr>
-          <p:cNvPr id="98" name="Text Placeholder 97">
+          <p:cNvPr id="13" name="Text Placeholder 12">
             <a:extLst>
               <a:ext uri="{FF2B5EF4-FFF2-40B4-BE49-F238E27FC236}">
-                <a16:creationId xmlns:a16="http://schemas.microsoft.com/office/drawing/2014/main" id="{5FF1C2DE-3A2B-6E4D-A87A-F041F0046A3A}"/>
+                <a16:creationId xmlns:a16="http://schemas.microsoft.com/office/drawing/2014/main" id="{029AEED5-AD9B-3E20-0596-8B746794D084}"/>
               </a:ext>
             </a:extLst>
           </p:cNvPr>
@@ -6763,10 +6763,10 @@
       </p:sp>
       <p:sp>
         <p:nvSpPr>
-          <p:cNvPr id="99" name="Text Placeholder 98">
+          <p:cNvPr id="14" name="Text Placeholder 13">
             <a:extLst>
               <a:ext uri="{FF2B5EF4-FFF2-40B4-BE49-F238E27FC236}">
-                <a16:creationId xmlns:a16="http://schemas.microsoft.com/office/drawing/2014/main" id="{D5A02CF7-A081-4343-8CE7-EA107BE5C7F0}"/>
+                <a16:creationId xmlns:a16="http://schemas.microsoft.com/office/drawing/2014/main" id="{9BA737B8-54F9-B018-01DC-EE21146643BE}"/>
               </a:ext>
             </a:extLst>
           </p:cNvPr>
@@ -6788,10 +6788,10 @@
       </p:sp>
       <p:sp>
         <p:nvSpPr>
-          <p:cNvPr id="100" name="Text Placeholder 99">
+          <p:cNvPr id="15" name="Text Placeholder 14">
             <a:extLst>
               <a:ext uri="{FF2B5EF4-FFF2-40B4-BE49-F238E27FC236}">
-                <a16:creationId xmlns:a16="http://schemas.microsoft.com/office/drawing/2014/main" id="{E1D63EAF-47F9-774B-9E42-7734CFFDC91E}"/>
+                <a16:creationId xmlns:a16="http://schemas.microsoft.com/office/drawing/2014/main" id="{9149E413-2746-0785-40CC-19A0484953AA}"/>
               </a:ext>
             </a:extLst>
           </p:cNvPr>
@@ -6864,23 +6864,7 @@
           <a:p>
             <a:r>
               <a:rPr lang="en-US" sz="6600" dirty="0"/>
-              <a:t>Giulia </a:t>
-            </a:r>
-            <a:r>
-              <a:rPr lang="en-US" sz="6600" dirty="0" err="1"/>
-              <a:t>Bergonzoli</a:t>
-            </a:r>
-            <a:r>
-              <a:rPr lang="en-US" sz="6600" dirty="0"/>
-              <a:t>, Ettore </a:t>
-            </a:r>
-            <a:r>
-              <a:rPr lang="en-US" sz="6600" dirty="0" err="1"/>
-              <a:t>Busani</a:t>
-            </a:r>
-            <a:r>
-              <a:rPr lang="en-US" sz="6600" dirty="0"/>
-              <a:t>, Sebastian Castellano, Lucia Gregorini</a:t>
+              <a:t>Giulia Bergonzoli, Ettore Busani, Sebastian Castellano, Lucia Gregorini</a:t>
             </a:r>
           </a:p>
         </p:txBody>
@@ -6903,8 +6887,8 @@
         </p:nvSpPr>
         <p:spPr>
           <a:xfrm>
-            <a:off x="5237881" y="428411"/>
-            <a:ext cx="32328000" cy="1506452"/>
+            <a:off x="5471881" y="428411"/>
+            <a:ext cx="31860000" cy="1506452"/>
           </a:xfrm>
         </p:spPr>
         <p:txBody>

--- a/Presentations/Poster/Poster template 4 columns.pptx
+++ b/Presentations/Poster/Poster template 4 columns.pptx
@@ -256,7 +256,7 @@
             <a:fld id="{0158C5BC-9A70-462C-B28D-9600239EAC64}" type="datetimeFigureOut">
               <a:rPr lang="en-US" smtClean="0"/>
               <a:pPr/>
-              <a:t>7/19/2022</a:t>
+              <a:t>7/20/2022</a:t>
             </a:fld>
             <a:endParaRPr lang="en-US"/>
           </a:p>
@@ -423,7 +423,7 @@
             <a:fld id="{E6CC2317-6751-4CD4-9995-8782DD78E936}" type="datetimeFigureOut">
               <a:rPr lang="en-US" smtClean="0"/>
               <a:pPr/>
-              <a:t>7/19/2022</a:t>
+              <a:t>7/20/2022</a:t>
             </a:fld>
             <a:endParaRPr lang="en-US" dirty="0"/>
           </a:p>
@@ -1694,6 +1694,2016 @@
 </file>
 
 <file path=ppt/slideLayouts/slideLayout2.xml><?xml version="1.0" encoding="utf-8"?>
+<p:sldLayout xmlns:a="http://schemas.openxmlformats.org/drawingml/2006/main" xmlns:r="http://schemas.openxmlformats.org/officeDocument/2006/relationships" xmlns:p="http://schemas.openxmlformats.org/presentationml/2006/main" userDrawn="1">
+  <p:cSld name="Without guides">
+    <p:spTree>
+      <p:nvGrpSpPr>
+        <p:cNvPr id="1" name=""/>
+        <p:cNvGrpSpPr/>
+        <p:nvPr/>
+      </p:nvGrpSpPr>
+      <p:grpSpPr>
+        <a:xfrm>
+          <a:off x="0" y="0"/>
+          <a:ext cx="0" cy="0"/>
+          <a:chOff x="0" y="0"/>
+          <a:chExt cx="0" cy="0"/>
+        </a:xfrm>
+      </p:grpSpPr>
+      <p:sp>
+        <p:nvSpPr>
+          <p:cNvPr id="4" name="Text Placeholder 3"/>
+          <p:cNvSpPr>
+            <a:spLocks noGrp="1"/>
+          </p:cNvSpPr>
+          <p:nvPr>
+            <p:ph type="body" sz="quarter" idx="10" hasCustomPrompt="1"/>
+          </p:nvPr>
+        </p:nvSpPr>
+        <p:spPr>
+          <a:xfrm>
+            <a:off x="448286" y="5866321"/>
+            <a:ext cx="9807648" cy="815457"/>
+          </a:xfrm>
+          <a:prstGeom prst="rect">
+            <a:avLst/>
+          </a:prstGeom>
+        </p:spPr>
+        <p:txBody>
+          <a:bodyPr wrap="square" lIns="228589" tIns="228589" rIns="228589" bIns="228589">
+            <a:spAutoFit/>
+          </a:bodyPr>
+          <a:lstStyle>
+            <a:lvl1pPr marL="0" indent="0">
+              <a:buNone/>
+              <a:defRPr sz="2299">
+                <a:solidFill>
+                  <a:schemeClr val="accent5">
+                    <a:lumMod val="50000"/>
+                  </a:schemeClr>
+                </a:solidFill>
+                <a:latin typeface="Times New Roman" pitchFamily="18" charset="0"/>
+                <a:cs typeface="Times New Roman" pitchFamily="18" charset="0"/>
+              </a:defRPr>
+            </a:lvl1pPr>
+            <a:lvl2pPr marL="1366513" indent="-525582">
+              <a:defRPr sz="2299">
+                <a:latin typeface="Trebuchet MS" pitchFamily="34" charset="0"/>
+              </a:defRPr>
+            </a:lvl2pPr>
+            <a:lvl3pPr marL="1892096" indent="-525582">
+              <a:defRPr sz="2299">
+                <a:latin typeface="Trebuchet MS" pitchFamily="34" charset="0"/>
+              </a:defRPr>
+            </a:lvl3pPr>
+            <a:lvl4pPr marL="2470237" indent="-578141">
+              <a:defRPr sz="2299">
+                <a:latin typeface="Trebuchet MS" pitchFamily="34" charset="0"/>
+              </a:defRPr>
+            </a:lvl4pPr>
+            <a:lvl5pPr marL="2890703" indent="-420466">
+              <a:defRPr sz="2299">
+                <a:latin typeface="Trebuchet MS" pitchFamily="34" charset="0"/>
+              </a:defRPr>
+            </a:lvl5pPr>
+          </a:lstStyle>
+          <a:p>
+            <a:pPr lvl="0"/>
+            <a:r>
+              <a:rPr lang="en-US" dirty="0"/>
+              <a:t>Type in or paste your text here</a:t>
+            </a:r>
+          </a:p>
+        </p:txBody>
+      </p:sp>
+      <p:sp>
+        <p:nvSpPr>
+          <p:cNvPr id="6" name="Text Placeholder 5"/>
+          <p:cNvSpPr>
+            <a:spLocks noGrp="1"/>
+          </p:cNvSpPr>
+          <p:nvPr>
+            <p:ph type="body" sz="quarter" idx="11" hasCustomPrompt="1"/>
+          </p:nvPr>
+        </p:nvSpPr>
+        <p:spPr>
+          <a:xfrm>
+            <a:off x="465989" y="5095798"/>
+            <a:ext cx="9799907" cy="708327"/>
+          </a:xfrm>
+          <a:prstGeom prst="rect">
+            <a:avLst/>
+          </a:prstGeom>
+          <a:noFill/>
+        </p:spPr>
+        <p:txBody>
+          <a:bodyPr lIns="91436" tIns="91436" rIns="91436" bIns="91436" anchor="ctr" anchorCtr="0">
+            <a:spAutoFit/>
+          </a:bodyPr>
+          <a:lstStyle>
+            <a:lvl1pPr marL="0" indent="0" algn="ctr">
+              <a:buNone/>
+              <a:defRPr sz="3403" b="1" u="sng" baseline="0">
+                <a:solidFill>
+                  <a:schemeClr val="accent5">
+                    <a:lumMod val="50000"/>
+                  </a:schemeClr>
+                </a:solidFill>
+              </a:defRPr>
+            </a:lvl1pPr>
+          </a:lstStyle>
+          <a:p>
+            <a:pPr lvl="0"/>
+            <a:r>
+              <a:rPr lang="en-US" dirty="0"/>
+              <a:t>(click to edit) INTRODUCTION or ABSTRACT</a:t>
+            </a:r>
+          </a:p>
+        </p:txBody>
+      </p:sp>
+      <p:sp>
+        <p:nvSpPr>
+          <p:cNvPr id="20" name="Text Placeholder 5"/>
+          <p:cNvSpPr>
+            <a:spLocks noGrp="1"/>
+          </p:cNvSpPr>
+          <p:nvPr>
+            <p:ph type="body" sz="quarter" idx="20" hasCustomPrompt="1"/>
+          </p:nvPr>
+        </p:nvSpPr>
+        <p:spPr>
+          <a:xfrm>
+            <a:off x="465987" y="13063904"/>
+            <a:ext cx="9801454" cy="708327"/>
+          </a:xfrm>
+          <a:prstGeom prst="rect">
+            <a:avLst/>
+          </a:prstGeom>
+          <a:noFill/>
+        </p:spPr>
+        <p:txBody>
+          <a:bodyPr wrap="square" lIns="91436" tIns="91436" rIns="91436" bIns="91436" anchor="ctr" anchorCtr="0">
+            <a:spAutoFit/>
+          </a:bodyPr>
+          <a:lstStyle>
+            <a:lvl1pPr marL="0" indent="0" algn="ctr">
+              <a:buNone/>
+              <a:defRPr sz="3403" b="1" u="sng" baseline="0">
+                <a:solidFill>
+                  <a:schemeClr val="accent5">
+                    <a:lumMod val="50000"/>
+                  </a:schemeClr>
+                </a:solidFill>
+              </a:defRPr>
+            </a:lvl1pPr>
+          </a:lstStyle>
+          <a:p>
+            <a:pPr lvl="0"/>
+            <a:r>
+              <a:rPr lang="en-US" dirty="0"/>
+              <a:t>(click to edit)  OBJECTIVES</a:t>
+            </a:r>
+          </a:p>
+        </p:txBody>
+      </p:sp>
+      <p:sp>
+        <p:nvSpPr>
+          <p:cNvPr id="21" name="Text Placeholder 3"/>
+          <p:cNvSpPr>
+            <a:spLocks noGrp="1"/>
+          </p:cNvSpPr>
+          <p:nvPr>
+            <p:ph type="body" sz="quarter" idx="21" hasCustomPrompt="1"/>
+          </p:nvPr>
+        </p:nvSpPr>
+        <p:spPr>
+          <a:xfrm>
+            <a:off x="11176227" y="5866321"/>
+            <a:ext cx="9799906" cy="815457"/>
+          </a:xfrm>
+          <a:prstGeom prst="rect">
+            <a:avLst/>
+          </a:prstGeom>
+        </p:spPr>
+        <p:txBody>
+          <a:bodyPr wrap="square" lIns="228589" tIns="228589" rIns="228589" bIns="228589">
+            <a:spAutoFit/>
+          </a:bodyPr>
+          <a:lstStyle>
+            <a:lvl1pPr marL="0" indent="0">
+              <a:buNone/>
+              <a:defRPr sz="2299">
+                <a:solidFill>
+                  <a:schemeClr val="accent5">
+                    <a:lumMod val="50000"/>
+                  </a:schemeClr>
+                </a:solidFill>
+                <a:latin typeface="Times New Roman" pitchFamily="18" charset="0"/>
+                <a:cs typeface="Times New Roman" pitchFamily="18" charset="0"/>
+              </a:defRPr>
+            </a:lvl1pPr>
+            <a:lvl2pPr marL="1366513" indent="-525582">
+              <a:defRPr sz="2299">
+                <a:latin typeface="Trebuchet MS" pitchFamily="34" charset="0"/>
+              </a:defRPr>
+            </a:lvl2pPr>
+            <a:lvl3pPr marL="1892096" indent="-525582">
+              <a:defRPr sz="2299">
+                <a:latin typeface="Trebuchet MS" pitchFamily="34" charset="0"/>
+              </a:defRPr>
+            </a:lvl3pPr>
+            <a:lvl4pPr marL="2470237" indent="-578141">
+              <a:defRPr sz="2299">
+                <a:latin typeface="Trebuchet MS" pitchFamily="34" charset="0"/>
+              </a:defRPr>
+            </a:lvl4pPr>
+            <a:lvl5pPr marL="2890703" indent="-420466">
+              <a:defRPr sz="2299">
+                <a:latin typeface="Trebuchet MS" pitchFamily="34" charset="0"/>
+              </a:defRPr>
+            </a:lvl5pPr>
+          </a:lstStyle>
+          <a:p>
+            <a:pPr lvl="0"/>
+            <a:r>
+              <a:rPr lang="en-US" dirty="0"/>
+              <a:t>Type in or paste your text here</a:t>
+            </a:r>
+          </a:p>
+        </p:txBody>
+      </p:sp>
+      <p:sp>
+        <p:nvSpPr>
+          <p:cNvPr id="22" name="Text Placeholder 5"/>
+          <p:cNvSpPr>
+            <a:spLocks noGrp="1"/>
+          </p:cNvSpPr>
+          <p:nvPr>
+            <p:ph type="body" sz="quarter" idx="22" hasCustomPrompt="1"/>
+          </p:nvPr>
+        </p:nvSpPr>
+        <p:spPr>
+          <a:xfrm>
+            <a:off x="11176228" y="5095798"/>
+            <a:ext cx="9799907" cy="708327"/>
+          </a:xfrm>
+          <a:prstGeom prst="rect">
+            <a:avLst/>
+          </a:prstGeom>
+          <a:noFill/>
+        </p:spPr>
+        <p:txBody>
+          <a:bodyPr lIns="91436" tIns="91436" rIns="91436" bIns="91436" anchor="ctr" anchorCtr="0">
+            <a:spAutoFit/>
+          </a:bodyPr>
+          <a:lstStyle>
+            <a:lvl1pPr marL="0" indent="0" algn="ctr">
+              <a:buNone/>
+              <a:defRPr sz="3403" b="1" u="sng" baseline="0">
+                <a:solidFill>
+                  <a:schemeClr val="accent5">
+                    <a:lumMod val="50000"/>
+                  </a:schemeClr>
+                </a:solidFill>
+              </a:defRPr>
+            </a:lvl1pPr>
+          </a:lstStyle>
+          <a:p>
+            <a:pPr lvl="0"/>
+            <a:r>
+              <a:rPr lang="en-US" dirty="0"/>
+              <a:t>(click to edit)  MATERIALS &amp; METHODS</a:t>
+            </a:r>
+          </a:p>
+        </p:txBody>
+      </p:sp>
+      <p:sp>
+        <p:nvSpPr>
+          <p:cNvPr id="23" name="Text Placeholder 3"/>
+          <p:cNvSpPr>
+            <a:spLocks noGrp="1"/>
+          </p:cNvSpPr>
+          <p:nvPr>
+            <p:ph type="body" sz="quarter" idx="23" hasCustomPrompt="1"/>
+          </p:nvPr>
+        </p:nvSpPr>
+        <p:spPr>
+          <a:xfrm>
+            <a:off x="21830729" y="5866321"/>
+            <a:ext cx="9799906" cy="815457"/>
+          </a:xfrm>
+          <a:prstGeom prst="rect">
+            <a:avLst/>
+          </a:prstGeom>
+        </p:spPr>
+        <p:txBody>
+          <a:bodyPr wrap="square" lIns="228589" tIns="228589" rIns="228589" bIns="228589">
+            <a:spAutoFit/>
+          </a:bodyPr>
+          <a:lstStyle>
+            <a:lvl1pPr marL="0" indent="0">
+              <a:buNone/>
+              <a:defRPr sz="2299">
+                <a:solidFill>
+                  <a:schemeClr val="accent5">
+                    <a:lumMod val="50000"/>
+                  </a:schemeClr>
+                </a:solidFill>
+                <a:latin typeface="Times New Roman" pitchFamily="18" charset="0"/>
+                <a:cs typeface="Times New Roman" pitchFamily="18" charset="0"/>
+              </a:defRPr>
+            </a:lvl1pPr>
+            <a:lvl2pPr marL="1366513" indent="-525582">
+              <a:defRPr sz="2299">
+                <a:latin typeface="Trebuchet MS" pitchFamily="34" charset="0"/>
+              </a:defRPr>
+            </a:lvl2pPr>
+            <a:lvl3pPr marL="1892096" indent="-525582">
+              <a:defRPr sz="2299">
+                <a:latin typeface="Trebuchet MS" pitchFamily="34" charset="0"/>
+              </a:defRPr>
+            </a:lvl3pPr>
+            <a:lvl4pPr marL="2470237" indent="-578141">
+              <a:defRPr sz="2299">
+                <a:latin typeface="Trebuchet MS" pitchFamily="34" charset="0"/>
+              </a:defRPr>
+            </a:lvl4pPr>
+            <a:lvl5pPr marL="2890703" indent="-420466">
+              <a:defRPr sz="2299">
+                <a:latin typeface="Trebuchet MS" pitchFamily="34" charset="0"/>
+              </a:defRPr>
+            </a:lvl5pPr>
+          </a:lstStyle>
+          <a:p>
+            <a:pPr lvl="0"/>
+            <a:r>
+              <a:rPr lang="en-US" dirty="0"/>
+              <a:t>Type in or paste your text here</a:t>
+            </a:r>
+          </a:p>
+        </p:txBody>
+      </p:sp>
+      <p:sp>
+        <p:nvSpPr>
+          <p:cNvPr id="24" name="Text Placeholder 5"/>
+          <p:cNvSpPr>
+            <a:spLocks noGrp="1"/>
+          </p:cNvSpPr>
+          <p:nvPr>
+            <p:ph type="body" sz="quarter" idx="24" hasCustomPrompt="1"/>
+          </p:nvPr>
+        </p:nvSpPr>
+        <p:spPr>
+          <a:xfrm>
+            <a:off x="21822987" y="5095798"/>
+            <a:ext cx="9809196" cy="708327"/>
+          </a:xfrm>
+          <a:prstGeom prst="rect">
+            <a:avLst/>
+          </a:prstGeom>
+          <a:noFill/>
+        </p:spPr>
+        <p:txBody>
+          <a:bodyPr lIns="91436" tIns="91436" rIns="91436" bIns="91436" anchor="ctr" anchorCtr="0">
+            <a:spAutoFit/>
+          </a:bodyPr>
+          <a:lstStyle>
+            <a:lvl1pPr marL="0" indent="0" algn="ctr">
+              <a:buNone/>
+              <a:defRPr sz="3403" b="1" u="sng" baseline="0">
+                <a:solidFill>
+                  <a:schemeClr val="accent5">
+                    <a:lumMod val="50000"/>
+                  </a:schemeClr>
+                </a:solidFill>
+              </a:defRPr>
+            </a:lvl1pPr>
+          </a:lstStyle>
+          <a:p>
+            <a:pPr lvl="0"/>
+            <a:r>
+              <a:rPr lang="en-US" dirty="0"/>
+              <a:t>(click to edit)  RESULTS</a:t>
+            </a:r>
+          </a:p>
+        </p:txBody>
+      </p:sp>
+      <p:sp>
+        <p:nvSpPr>
+          <p:cNvPr id="25" name="Text Placeholder 5"/>
+          <p:cNvSpPr>
+            <a:spLocks noGrp="1"/>
+          </p:cNvSpPr>
+          <p:nvPr>
+            <p:ph type="body" sz="quarter" idx="25" hasCustomPrompt="1"/>
+          </p:nvPr>
+        </p:nvSpPr>
+        <p:spPr>
+          <a:xfrm>
+            <a:off x="32563023" y="5095798"/>
+            <a:ext cx="9798096" cy="708327"/>
+          </a:xfrm>
+          <a:prstGeom prst="rect">
+            <a:avLst/>
+          </a:prstGeom>
+          <a:noFill/>
+        </p:spPr>
+        <p:txBody>
+          <a:bodyPr wrap="square" lIns="91436" tIns="91436" rIns="91436" bIns="91436" anchor="ctr" anchorCtr="0">
+            <a:spAutoFit/>
+          </a:bodyPr>
+          <a:lstStyle>
+            <a:lvl1pPr marL="0" indent="0" algn="ctr">
+              <a:buNone/>
+              <a:defRPr sz="3403" b="1" u="sng" baseline="0">
+                <a:solidFill>
+                  <a:schemeClr val="accent5">
+                    <a:lumMod val="50000"/>
+                  </a:schemeClr>
+                </a:solidFill>
+              </a:defRPr>
+            </a:lvl1pPr>
+          </a:lstStyle>
+          <a:p>
+            <a:pPr lvl="0"/>
+            <a:r>
+              <a:rPr lang="en-US" dirty="0"/>
+              <a:t>(click to edit)  CONCLUSIONS</a:t>
+            </a:r>
+          </a:p>
+        </p:txBody>
+      </p:sp>
+      <p:sp>
+        <p:nvSpPr>
+          <p:cNvPr id="26" name="Text Placeholder 3"/>
+          <p:cNvSpPr>
+            <a:spLocks noGrp="1"/>
+          </p:cNvSpPr>
+          <p:nvPr>
+            <p:ph type="body" sz="quarter" idx="26" hasCustomPrompt="1"/>
+          </p:nvPr>
+        </p:nvSpPr>
+        <p:spPr>
+          <a:xfrm>
+            <a:off x="32563023" y="5866321"/>
+            <a:ext cx="9798096" cy="815457"/>
+          </a:xfrm>
+          <a:prstGeom prst="rect">
+            <a:avLst/>
+          </a:prstGeom>
+        </p:spPr>
+        <p:txBody>
+          <a:bodyPr wrap="square" lIns="228589" tIns="228589" rIns="228589" bIns="228589">
+            <a:spAutoFit/>
+          </a:bodyPr>
+          <a:lstStyle>
+            <a:lvl1pPr marL="0" indent="0">
+              <a:buNone/>
+              <a:defRPr sz="2299">
+                <a:solidFill>
+                  <a:schemeClr val="accent5">
+                    <a:lumMod val="50000"/>
+                  </a:schemeClr>
+                </a:solidFill>
+                <a:latin typeface="Times New Roman" pitchFamily="18" charset="0"/>
+                <a:cs typeface="Times New Roman" pitchFamily="18" charset="0"/>
+              </a:defRPr>
+            </a:lvl1pPr>
+            <a:lvl2pPr marL="1366513" indent="-525582">
+              <a:defRPr sz="2299">
+                <a:latin typeface="Trebuchet MS" pitchFamily="34" charset="0"/>
+              </a:defRPr>
+            </a:lvl2pPr>
+            <a:lvl3pPr marL="1892096" indent="-525582">
+              <a:defRPr sz="2299">
+                <a:latin typeface="Trebuchet MS" pitchFamily="34" charset="0"/>
+              </a:defRPr>
+            </a:lvl3pPr>
+            <a:lvl4pPr marL="2470237" indent="-578141">
+              <a:defRPr sz="2299">
+                <a:latin typeface="Trebuchet MS" pitchFamily="34" charset="0"/>
+              </a:defRPr>
+            </a:lvl4pPr>
+            <a:lvl5pPr marL="2890703" indent="-420466">
+              <a:defRPr sz="2299">
+                <a:latin typeface="Trebuchet MS" pitchFamily="34" charset="0"/>
+              </a:defRPr>
+            </a:lvl5pPr>
+          </a:lstStyle>
+          <a:p>
+            <a:pPr lvl="0"/>
+            <a:r>
+              <a:rPr lang="en-US" dirty="0"/>
+              <a:t>Type in or paste your text here</a:t>
+            </a:r>
+          </a:p>
+        </p:txBody>
+      </p:sp>
+      <p:sp>
+        <p:nvSpPr>
+          <p:cNvPr id="27" name="Text Placeholder 5"/>
+          <p:cNvSpPr>
+            <a:spLocks noGrp="1"/>
+          </p:cNvSpPr>
+          <p:nvPr>
+            <p:ph type="body" sz="quarter" idx="27" hasCustomPrompt="1"/>
+          </p:nvPr>
+        </p:nvSpPr>
+        <p:spPr>
+          <a:xfrm>
+            <a:off x="32563023" y="13119293"/>
+            <a:ext cx="9798096" cy="708327"/>
+          </a:xfrm>
+          <a:prstGeom prst="rect">
+            <a:avLst/>
+          </a:prstGeom>
+          <a:noFill/>
+        </p:spPr>
+        <p:txBody>
+          <a:bodyPr wrap="square" lIns="91436" tIns="91436" rIns="91436" bIns="91436" anchor="ctr" anchorCtr="0">
+            <a:spAutoFit/>
+          </a:bodyPr>
+          <a:lstStyle>
+            <a:lvl1pPr marL="0" indent="0" algn="ctr">
+              <a:buNone/>
+              <a:defRPr sz="3403" b="1" u="sng" baseline="0">
+                <a:solidFill>
+                  <a:schemeClr val="accent5">
+                    <a:lumMod val="50000"/>
+                  </a:schemeClr>
+                </a:solidFill>
+              </a:defRPr>
+            </a:lvl1pPr>
+          </a:lstStyle>
+          <a:p>
+            <a:pPr lvl="0"/>
+            <a:r>
+              <a:rPr lang="en-US" dirty="0"/>
+              <a:t>(click to edit)  REFERENCES</a:t>
+            </a:r>
+          </a:p>
+        </p:txBody>
+      </p:sp>
+      <p:sp>
+        <p:nvSpPr>
+          <p:cNvPr id="28" name="Text Placeholder 3"/>
+          <p:cNvSpPr>
+            <a:spLocks noGrp="1"/>
+          </p:cNvSpPr>
+          <p:nvPr>
+            <p:ph type="body" sz="quarter" idx="28" hasCustomPrompt="1"/>
+          </p:nvPr>
+        </p:nvSpPr>
+        <p:spPr>
+          <a:xfrm>
+            <a:off x="32563023" y="13806060"/>
+            <a:ext cx="9803003" cy="815457"/>
+          </a:xfrm>
+          <a:prstGeom prst="rect">
+            <a:avLst/>
+          </a:prstGeom>
+        </p:spPr>
+        <p:txBody>
+          <a:bodyPr wrap="square" lIns="228589" tIns="228589" rIns="228589" bIns="228589">
+            <a:spAutoFit/>
+          </a:bodyPr>
+          <a:lstStyle>
+            <a:lvl1pPr marL="0" indent="0">
+              <a:buNone/>
+              <a:defRPr sz="2299">
+                <a:solidFill>
+                  <a:schemeClr val="accent5">
+                    <a:lumMod val="50000"/>
+                  </a:schemeClr>
+                </a:solidFill>
+                <a:latin typeface="Times New Roman" pitchFamily="18" charset="0"/>
+                <a:cs typeface="Times New Roman" pitchFamily="18" charset="0"/>
+              </a:defRPr>
+            </a:lvl1pPr>
+            <a:lvl2pPr marL="1366513" indent="-525582">
+              <a:defRPr sz="2299">
+                <a:latin typeface="Trebuchet MS" pitchFamily="34" charset="0"/>
+              </a:defRPr>
+            </a:lvl2pPr>
+            <a:lvl3pPr marL="1892096" indent="-525582">
+              <a:defRPr sz="2299">
+                <a:latin typeface="Trebuchet MS" pitchFamily="34" charset="0"/>
+              </a:defRPr>
+            </a:lvl3pPr>
+            <a:lvl4pPr marL="2470237" indent="-578141">
+              <a:defRPr sz="2299">
+                <a:latin typeface="Trebuchet MS" pitchFamily="34" charset="0"/>
+              </a:defRPr>
+            </a:lvl4pPr>
+            <a:lvl5pPr marL="2890703" indent="-420466">
+              <a:defRPr sz="2299">
+                <a:latin typeface="Trebuchet MS" pitchFamily="34" charset="0"/>
+              </a:defRPr>
+            </a:lvl5pPr>
+          </a:lstStyle>
+          <a:p>
+            <a:pPr lvl="0"/>
+            <a:r>
+              <a:rPr lang="en-US" dirty="0"/>
+              <a:t>Type in or paste your text here</a:t>
+            </a:r>
+          </a:p>
+        </p:txBody>
+      </p:sp>
+      <p:sp>
+        <p:nvSpPr>
+          <p:cNvPr id="29" name="Text Placeholder 5"/>
+          <p:cNvSpPr>
+            <a:spLocks noGrp="1"/>
+          </p:cNvSpPr>
+          <p:nvPr>
+            <p:ph type="body" sz="quarter" idx="29" hasCustomPrompt="1"/>
+          </p:nvPr>
+        </p:nvSpPr>
+        <p:spPr>
+          <a:xfrm>
+            <a:off x="32563023" y="23610057"/>
+            <a:ext cx="9798096" cy="708327"/>
+          </a:xfrm>
+          <a:prstGeom prst="rect">
+            <a:avLst/>
+          </a:prstGeom>
+          <a:noFill/>
+        </p:spPr>
+        <p:txBody>
+          <a:bodyPr wrap="square" lIns="91436" tIns="91436" rIns="91436" bIns="91436" anchor="ctr" anchorCtr="0">
+            <a:spAutoFit/>
+          </a:bodyPr>
+          <a:lstStyle>
+            <a:lvl1pPr marL="0" indent="0" algn="ctr">
+              <a:buNone/>
+              <a:defRPr sz="3403" b="1" u="sng" baseline="0">
+                <a:solidFill>
+                  <a:schemeClr val="accent5">
+                    <a:lumMod val="50000"/>
+                  </a:schemeClr>
+                </a:solidFill>
+              </a:defRPr>
+            </a:lvl1pPr>
+          </a:lstStyle>
+          <a:p>
+            <a:pPr lvl="0"/>
+            <a:r>
+              <a:rPr lang="en-US" dirty="0"/>
+              <a:t>(click to edit)  ACKNOWLEDGEMENTS or  CONTACT</a:t>
+            </a:r>
+          </a:p>
+        </p:txBody>
+      </p:sp>
+      <p:sp>
+        <p:nvSpPr>
+          <p:cNvPr id="30" name="Text Placeholder 3"/>
+          <p:cNvSpPr>
+            <a:spLocks noGrp="1"/>
+          </p:cNvSpPr>
+          <p:nvPr>
+            <p:ph type="body" sz="quarter" idx="30" hasCustomPrompt="1"/>
+          </p:nvPr>
+        </p:nvSpPr>
+        <p:spPr>
+          <a:xfrm>
+            <a:off x="32563023" y="24310970"/>
+            <a:ext cx="9803003" cy="815457"/>
+          </a:xfrm>
+          <a:prstGeom prst="rect">
+            <a:avLst/>
+          </a:prstGeom>
+        </p:spPr>
+        <p:txBody>
+          <a:bodyPr wrap="square" lIns="228589" tIns="228589" rIns="228589" bIns="228589">
+            <a:spAutoFit/>
+          </a:bodyPr>
+          <a:lstStyle>
+            <a:lvl1pPr marL="0" indent="0">
+              <a:buNone/>
+              <a:defRPr sz="2299">
+                <a:solidFill>
+                  <a:schemeClr val="accent5">
+                    <a:lumMod val="50000"/>
+                  </a:schemeClr>
+                </a:solidFill>
+                <a:latin typeface="Times New Roman" pitchFamily="18" charset="0"/>
+                <a:cs typeface="Times New Roman" pitchFamily="18" charset="0"/>
+              </a:defRPr>
+            </a:lvl1pPr>
+            <a:lvl2pPr marL="1366513" indent="-525582">
+              <a:defRPr sz="2299">
+                <a:latin typeface="Trebuchet MS" pitchFamily="34" charset="0"/>
+              </a:defRPr>
+            </a:lvl2pPr>
+            <a:lvl3pPr marL="1892096" indent="-525582">
+              <a:defRPr sz="2299">
+                <a:latin typeface="Trebuchet MS" pitchFamily="34" charset="0"/>
+              </a:defRPr>
+            </a:lvl3pPr>
+            <a:lvl4pPr marL="2470237" indent="-578141">
+              <a:defRPr sz="2299">
+                <a:latin typeface="Trebuchet MS" pitchFamily="34" charset="0"/>
+              </a:defRPr>
+            </a:lvl4pPr>
+            <a:lvl5pPr marL="2890703" indent="-420466">
+              <a:defRPr sz="2299">
+                <a:latin typeface="Trebuchet MS" pitchFamily="34" charset="0"/>
+              </a:defRPr>
+            </a:lvl5pPr>
+          </a:lstStyle>
+          <a:p>
+            <a:pPr lvl="0"/>
+            <a:r>
+              <a:rPr lang="en-US" dirty="0"/>
+              <a:t>Type in or paste your text here</a:t>
+            </a:r>
+          </a:p>
+        </p:txBody>
+      </p:sp>
+      <p:sp>
+        <p:nvSpPr>
+          <p:cNvPr id="60" name="Text Placeholder 3"/>
+          <p:cNvSpPr>
+            <a:spLocks noGrp="1"/>
+          </p:cNvSpPr>
+          <p:nvPr>
+            <p:ph type="body" sz="quarter" idx="96" hasCustomPrompt="1"/>
+          </p:nvPr>
+        </p:nvSpPr>
+        <p:spPr>
+          <a:xfrm>
+            <a:off x="448286" y="13751016"/>
+            <a:ext cx="9807648" cy="815457"/>
+          </a:xfrm>
+          <a:prstGeom prst="rect">
+            <a:avLst/>
+          </a:prstGeom>
+        </p:spPr>
+        <p:txBody>
+          <a:bodyPr wrap="square" lIns="228589" tIns="228589" rIns="228589" bIns="228589">
+            <a:spAutoFit/>
+          </a:bodyPr>
+          <a:lstStyle>
+            <a:lvl1pPr marL="0" indent="0">
+              <a:buNone/>
+              <a:defRPr sz="2299">
+                <a:solidFill>
+                  <a:schemeClr val="accent5">
+                    <a:lumMod val="50000"/>
+                  </a:schemeClr>
+                </a:solidFill>
+                <a:latin typeface="Times New Roman" pitchFamily="18" charset="0"/>
+                <a:cs typeface="Times New Roman" pitchFamily="18" charset="0"/>
+              </a:defRPr>
+            </a:lvl1pPr>
+            <a:lvl2pPr marL="1366513" indent="-525582">
+              <a:defRPr sz="2299">
+                <a:latin typeface="Trebuchet MS" pitchFamily="34" charset="0"/>
+              </a:defRPr>
+            </a:lvl2pPr>
+            <a:lvl3pPr marL="1892096" indent="-525582">
+              <a:defRPr sz="2299">
+                <a:latin typeface="Trebuchet MS" pitchFamily="34" charset="0"/>
+              </a:defRPr>
+            </a:lvl3pPr>
+            <a:lvl4pPr marL="2470237" indent="-578141">
+              <a:defRPr sz="2299">
+                <a:latin typeface="Trebuchet MS" pitchFamily="34" charset="0"/>
+              </a:defRPr>
+            </a:lvl4pPr>
+            <a:lvl5pPr marL="2890703" indent="-420466">
+              <a:defRPr sz="2299">
+                <a:latin typeface="Trebuchet MS" pitchFamily="34" charset="0"/>
+              </a:defRPr>
+            </a:lvl5pPr>
+          </a:lstStyle>
+          <a:p>
+            <a:pPr lvl="0"/>
+            <a:r>
+              <a:rPr lang="en-US" dirty="0"/>
+              <a:t>Type in or paste your text here</a:t>
+            </a:r>
+          </a:p>
+        </p:txBody>
+      </p:sp>
+      <p:sp>
+        <p:nvSpPr>
+          <p:cNvPr id="77" name="Text Placeholder 76"/>
+          <p:cNvSpPr>
+            <a:spLocks noGrp="1"/>
+          </p:cNvSpPr>
+          <p:nvPr>
+            <p:ph type="body" sz="quarter" idx="150" hasCustomPrompt="1"/>
+          </p:nvPr>
+        </p:nvSpPr>
+        <p:spPr>
+          <a:xfrm>
+            <a:off x="5785609" y="3112233"/>
+            <a:ext cx="31206170" cy="1177369"/>
+          </a:xfrm>
+          <a:prstGeom prst="rect">
+            <a:avLst/>
+          </a:prstGeom>
+        </p:spPr>
+        <p:txBody>
+          <a:bodyPr>
+            <a:normAutofit/>
+          </a:bodyPr>
+          <a:lstStyle>
+            <a:lvl1pPr marL="0" indent="0" algn="ctr">
+              <a:buFontTx/>
+              <a:buNone/>
+              <a:defRPr sz="5518">
+                <a:solidFill>
+                  <a:schemeClr val="accent5">
+                    <a:lumMod val="50000"/>
+                  </a:schemeClr>
+                </a:solidFill>
+                <a:latin typeface="+mj-lt"/>
+              </a:defRPr>
+            </a:lvl1pPr>
+            <a:lvl2pPr>
+              <a:buFontTx/>
+              <a:buNone/>
+              <a:defRPr sz="6622"/>
+            </a:lvl2pPr>
+            <a:lvl3pPr>
+              <a:buFontTx/>
+              <a:buNone/>
+              <a:defRPr sz="6622"/>
+            </a:lvl3pPr>
+            <a:lvl4pPr>
+              <a:buFontTx/>
+              <a:buNone/>
+              <a:defRPr sz="6622"/>
+            </a:lvl4pPr>
+            <a:lvl5pPr>
+              <a:buFontTx/>
+              <a:buNone/>
+              <a:defRPr sz="6622"/>
+            </a:lvl5pPr>
+          </a:lstStyle>
+          <a:p>
+            <a:pPr lvl="0"/>
+            <a:r>
+              <a:rPr lang="en-US" dirty="0"/>
+              <a:t>Click here to add affiliations</a:t>
+            </a:r>
+          </a:p>
+        </p:txBody>
+      </p:sp>
+      <p:sp>
+        <p:nvSpPr>
+          <p:cNvPr id="78" name="Text Placeholder 76"/>
+          <p:cNvSpPr>
+            <a:spLocks noGrp="1"/>
+          </p:cNvSpPr>
+          <p:nvPr>
+            <p:ph type="body" sz="quarter" idx="151" hasCustomPrompt="1"/>
+          </p:nvPr>
+        </p:nvSpPr>
+        <p:spPr>
+          <a:xfrm>
+            <a:off x="5785609" y="1934863"/>
+            <a:ext cx="31206170" cy="1177369"/>
+          </a:xfrm>
+          <a:prstGeom prst="rect">
+            <a:avLst/>
+          </a:prstGeom>
+        </p:spPr>
+        <p:txBody>
+          <a:bodyPr anchor="t" anchorCtr="1">
+            <a:normAutofit/>
+          </a:bodyPr>
+          <a:lstStyle>
+            <a:lvl1pPr marL="0" indent="0" algn="ctr">
+              <a:buFontTx/>
+              <a:buNone/>
+              <a:defRPr sz="8093">
+                <a:solidFill>
+                  <a:schemeClr val="accent5">
+                    <a:lumMod val="50000"/>
+                  </a:schemeClr>
+                </a:solidFill>
+                <a:latin typeface="+mj-lt"/>
+              </a:defRPr>
+            </a:lvl1pPr>
+            <a:lvl2pPr>
+              <a:buFontTx/>
+              <a:buNone/>
+              <a:defRPr sz="6622"/>
+            </a:lvl2pPr>
+            <a:lvl3pPr>
+              <a:buFontTx/>
+              <a:buNone/>
+              <a:defRPr sz="6622"/>
+            </a:lvl3pPr>
+            <a:lvl4pPr>
+              <a:buFontTx/>
+              <a:buNone/>
+              <a:defRPr sz="6622"/>
+            </a:lvl4pPr>
+            <a:lvl5pPr>
+              <a:buFontTx/>
+              <a:buNone/>
+              <a:defRPr sz="6622"/>
+            </a:lvl5pPr>
+          </a:lstStyle>
+          <a:p>
+            <a:pPr lvl="0"/>
+            <a:r>
+              <a:rPr lang="en-US" dirty="0"/>
+              <a:t>Click here to add authors</a:t>
+            </a:r>
+          </a:p>
+        </p:txBody>
+      </p:sp>
+      <p:sp>
+        <p:nvSpPr>
+          <p:cNvPr id="79" name="Text Placeholder 76"/>
+          <p:cNvSpPr>
+            <a:spLocks noGrp="1"/>
+          </p:cNvSpPr>
+          <p:nvPr>
+            <p:ph type="body" sz="quarter" idx="153" hasCustomPrompt="1"/>
+          </p:nvPr>
+        </p:nvSpPr>
+        <p:spPr>
+          <a:xfrm>
+            <a:off x="5785609" y="428411"/>
+            <a:ext cx="31206170" cy="1506452"/>
+          </a:xfrm>
+          <a:prstGeom prst="rect">
+            <a:avLst/>
+          </a:prstGeom>
+        </p:spPr>
+        <p:txBody>
+          <a:bodyPr anchor="t" anchorCtr="1">
+            <a:normAutofit/>
+          </a:bodyPr>
+          <a:lstStyle>
+            <a:lvl1pPr marL="0" indent="0" algn="ctr">
+              <a:buFontTx/>
+              <a:buNone/>
+              <a:defRPr sz="10577" b="1">
+                <a:solidFill>
+                  <a:schemeClr val="accent5">
+                    <a:lumMod val="50000"/>
+                  </a:schemeClr>
+                </a:solidFill>
+                <a:latin typeface="+mj-lt"/>
+              </a:defRPr>
+            </a:lvl1pPr>
+            <a:lvl2pPr>
+              <a:buFontTx/>
+              <a:buNone/>
+              <a:defRPr sz="6622"/>
+            </a:lvl2pPr>
+            <a:lvl3pPr>
+              <a:buFontTx/>
+              <a:buNone/>
+              <a:defRPr sz="6622"/>
+            </a:lvl3pPr>
+            <a:lvl4pPr>
+              <a:buFontTx/>
+              <a:buNone/>
+              <a:defRPr sz="6622"/>
+            </a:lvl4pPr>
+            <a:lvl5pPr>
+              <a:buFontTx/>
+              <a:buNone/>
+              <a:defRPr sz="6622"/>
+            </a:lvl5pPr>
+          </a:lstStyle>
+          <a:p>
+            <a:pPr lvl="0"/>
+            <a:r>
+              <a:rPr lang="en-US" dirty="0"/>
+              <a:t>Click here to add title</a:t>
+            </a:r>
+          </a:p>
+        </p:txBody>
+      </p:sp>
+    </p:spTree>
+    <p:extLst>
+      <p:ext uri="{BB962C8B-B14F-4D97-AF65-F5344CB8AC3E}">
+        <p14:creationId xmlns:p14="http://schemas.microsoft.com/office/powerpoint/2010/main" val="4263691306"/>
+      </p:ext>
+    </p:extLst>
+  </p:cSld>
+  <p:clrMapOvr>
+    <a:masterClrMapping/>
+  </p:clrMapOvr>
+</p:sldLayout>
+</file>
+
+<file path=ppt/slideLayouts/slideLayout3.xml><?xml version="1.0" encoding="utf-8"?>
+<p:sldLayout xmlns:a="http://schemas.openxmlformats.org/drawingml/2006/main" xmlns:r="http://schemas.openxmlformats.org/officeDocument/2006/relationships" xmlns:p="http://schemas.openxmlformats.org/presentationml/2006/main" userDrawn="1">
+  <p:cSld name="1_Without guides">
+    <p:spTree>
+      <p:nvGrpSpPr>
+        <p:cNvPr id="1" name=""/>
+        <p:cNvGrpSpPr/>
+        <p:nvPr/>
+      </p:nvGrpSpPr>
+      <p:grpSpPr>
+        <a:xfrm>
+          <a:off x="0" y="0"/>
+          <a:ext cx="0" cy="0"/>
+          <a:chOff x="0" y="0"/>
+          <a:chExt cx="0" cy="0"/>
+        </a:xfrm>
+      </p:grpSpPr>
+      <p:sp>
+        <p:nvSpPr>
+          <p:cNvPr id="4" name="Text Placeholder 3"/>
+          <p:cNvSpPr>
+            <a:spLocks noGrp="1"/>
+          </p:cNvSpPr>
+          <p:nvPr>
+            <p:ph type="body" sz="quarter" idx="10" hasCustomPrompt="1"/>
+          </p:nvPr>
+        </p:nvSpPr>
+        <p:spPr>
+          <a:xfrm>
+            <a:off x="448286" y="5866321"/>
+            <a:ext cx="9807648" cy="815457"/>
+          </a:xfrm>
+          <a:prstGeom prst="rect">
+            <a:avLst/>
+          </a:prstGeom>
+        </p:spPr>
+        <p:txBody>
+          <a:bodyPr wrap="square" lIns="228589" tIns="228589" rIns="228589" bIns="228589">
+            <a:spAutoFit/>
+          </a:bodyPr>
+          <a:lstStyle>
+            <a:lvl1pPr marL="0" indent="0">
+              <a:buNone/>
+              <a:defRPr sz="2299">
+                <a:solidFill>
+                  <a:schemeClr val="accent5">
+                    <a:lumMod val="50000"/>
+                  </a:schemeClr>
+                </a:solidFill>
+                <a:latin typeface="Times New Roman" pitchFamily="18" charset="0"/>
+                <a:cs typeface="Times New Roman" pitchFamily="18" charset="0"/>
+              </a:defRPr>
+            </a:lvl1pPr>
+            <a:lvl2pPr marL="1366513" indent="-525582">
+              <a:defRPr sz="2299">
+                <a:latin typeface="Trebuchet MS" pitchFamily="34" charset="0"/>
+              </a:defRPr>
+            </a:lvl2pPr>
+            <a:lvl3pPr marL="1892096" indent="-525582">
+              <a:defRPr sz="2299">
+                <a:latin typeface="Trebuchet MS" pitchFamily="34" charset="0"/>
+              </a:defRPr>
+            </a:lvl3pPr>
+            <a:lvl4pPr marL="2470237" indent="-578141">
+              <a:defRPr sz="2299">
+                <a:latin typeface="Trebuchet MS" pitchFamily="34" charset="0"/>
+              </a:defRPr>
+            </a:lvl4pPr>
+            <a:lvl5pPr marL="2890703" indent="-420466">
+              <a:defRPr sz="2299">
+                <a:latin typeface="Trebuchet MS" pitchFamily="34" charset="0"/>
+              </a:defRPr>
+            </a:lvl5pPr>
+          </a:lstStyle>
+          <a:p>
+            <a:pPr lvl="0"/>
+            <a:r>
+              <a:rPr lang="en-US" dirty="0"/>
+              <a:t>Type in or paste your text here</a:t>
+            </a:r>
+          </a:p>
+        </p:txBody>
+      </p:sp>
+      <p:sp>
+        <p:nvSpPr>
+          <p:cNvPr id="6" name="Text Placeholder 5"/>
+          <p:cNvSpPr>
+            <a:spLocks noGrp="1"/>
+          </p:cNvSpPr>
+          <p:nvPr>
+            <p:ph type="body" sz="quarter" idx="11" hasCustomPrompt="1"/>
+          </p:nvPr>
+        </p:nvSpPr>
+        <p:spPr>
+          <a:xfrm>
+            <a:off x="465989" y="5095798"/>
+            <a:ext cx="9799907" cy="708327"/>
+          </a:xfrm>
+          <a:prstGeom prst="rect">
+            <a:avLst/>
+          </a:prstGeom>
+          <a:noFill/>
+        </p:spPr>
+        <p:txBody>
+          <a:bodyPr lIns="91436" tIns="91436" rIns="91436" bIns="91436" anchor="ctr" anchorCtr="0">
+            <a:spAutoFit/>
+          </a:bodyPr>
+          <a:lstStyle>
+            <a:lvl1pPr marL="0" indent="0" algn="ctr">
+              <a:buNone/>
+              <a:defRPr sz="3403" b="1" u="sng" baseline="0">
+                <a:solidFill>
+                  <a:schemeClr val="accent5">
+                    <a:lumMod val="50000"/>
+                  </a:schemeClr>
+                </a:solidFill>
+              </a:defRPr>
+            </a:lvl1pPr>
+          </a:lstStyle>
+          <a:p>
+            <a:pPr lvl="0"/>
+            <a:r>
+              <a:rPr lang="en-US" dirty="0"/>
+              <a:t>(click to edit) INTRODUCTION or ABSTRACT</a:t>
+            </a:r>
+          </a:p>
+        </p:txBody>
+      </p:sp>
+      <p:sp>
+        <p:nvSpPr>
+          <p:cNvPr id="20" name="Text Placeholder 5"/>
+          <p:cNvSpPr>
+            <a:spLocks noGrp="1"/>
+          </p:cNvSpPr>
+          <p:nvPr>
+            <p:ph type="body" sz="quarter" idx="20" hasCustomPrompt="1"/>
+          </p:nvPr>
+        </p:nvSpPr>
+        <p:spPr>
+          <a:xfrm>
+            <a:off x="465987" y="13063904"/>
+            <a:ext cx="9801454" cy="708327"/>
+          </a:xfrm>
+          <a:prstGeom prst="rect">
+            <a:avLst/>
+          </a:prstGeom>
+          <a:noFill/>
+        </p:spPr>
+        <p:txBody>
+          <a:bodyPr wrap="square" lIns="91436" tIns="91436" rIns="91436" bIns="91436" anchor="ctr" anchorCtr="0">
+            <a:spAutoFit/>
+          </a:bodyPr>
+          <a:lstStyle>
+            <a:lvl1pPr marL="0" indent="0" algn="ctr">
+              <a:buNone/>
+              <a:defRPr sz="3403" b="1" u="sng" baseline="0">
+                <a:solidFill>
+                  <a:schemeClr val="accent5">
+                    <a:lumMod val="50000"/>
+                  </a:schemeClr>
+                </a:solidFill>
+              </a:defRPr>
+            </a:lvl1pPr>
+          </a:lstStyle>
+          <a:p>
+            <a:pPr lvl="0"/>
+            <a:r>
+              <a:rPr lang="en-US" dirty="0"/>
+              <a:t>(click to edit)  OBJECTIVES</a:t>
+            </a:r>
+          </a:p>
+        </p:txBody>
+      </p:sp>
+      <p:sp>
+        <p:nvSpPr>
+          <p:cNvPr id="21" name="Text Placeholder 3"/>
+          <p:cNvSpPr>
+            <a:spLocks noGrp="1"/>
+          </p:cNvSpPr>
+          <p:nvPr>
+            <p:ph type="body" sz="quarter" idx="21" hasCustomPrompt="1"/>
+          </p:nvPr>
+        </p:nvSpPr>
+        <p:spPr>
+          <a:xfrm>
+            <a:off x="11176227" y="5866321"/>
+            <a:ext cx="9799906" cy="815457"/>
+          </a:xfrm>
+          <a:prstGeom prst="rect">
+            <a:avLst/>
+          </a:prstGeom>
+        </p:spPr>
+        <p:txBody>
+          <a:bodyPr wrap="square" lIns="228589" tIns="228589" rIns="228589" bIns="228589">
+            <a:spAutoFit/>
+          </a:bodyPr>
+          <a:lstStyle>
+            <a:lvl1pPr marL="0" indent="0">
+              <a:buNone/>
+              <a:defRPr sz="2299">
+                <a:solidFill>
+                  <a:schemeClr val="accent5">
+                    <a:lumMod val="50000"/>
+                  </a:schemeClr>
+                </a:solidFill>
+                <a:latin typeface="Times New Roman" pitchFamily="18" charset="0"/>
+                <a:cs typeface="Times New Roman" pitchFamily="18" charset="0"/>
+              </a:defRPr>
+            </a:lvl1pPr>
+            <a:lvl2pPr marL="1366513" indent="-525582">
+              <a:defRPr sz="2299">
+                <a:latin typeface="Trebuchet MS" pitchFamily="34" charset="0"/>
+              </a:defRPr>
+            </a:lvl2pPr>
+            <a:lvl3pPr marL="1892096" indent="-525582">
+              <a:defRPr sz="2299">
+                <a:latin typeface="Trebuchet MS" pitchFamily="34" charset="0"/>
+              </a:defRPr>
+            </a:lvl3pPr>
+            <a:lvl4pPr marL="2470237" indent="-578141">
+              <a:defRPr sz="2299">
+                <a:latin typeface="Trebuchet MS" pitchFamily="34" charset="0"/>
+              </a:defRPr>
+            </a:lvl4pPr>
+            <a:lvl5pPr marL="2890703" indent="-420466">
+              <a:defRPr sz="2299">
+                <a:latin typeface="Trebuchet MS" pitchFamily="34" charset="0"/>
+              </a:defRPr>
+            </a:lvl5pPr>
+          </a:lstStyle>
+          <a:p>
+            <a:pPr lvl="0"/>
+            <a:r>
+              <a:rPr lang="en-US" dirty="0"/>
+              <a:t>Type in or paste your text here</a:t>
+            </a:r>
+          </a:p>
+        </p:txBody>
+      </p:sp>
+      <p:sp>
+        <p:nvSpPr>
+          <p:cNvPr id="22" name="Text Placeholder 5"/>
+          <p:cNvSpPr>
+            <a:spLocks noGrp="1"/>
+          </p:cNvSpPr>
+          <p:nvPr>
+            <p:ph type="body" sz="quarter" idx="22" hasCustomPrompt="1"/>
+          </p:nvPr>
+        </p:nvSpPr>
+        <p:spPr>
+          <a:xfrm>
+            <a:off x="11176228" y="5095798"/>
+            <a:ext cx="9799907" cy="708327"/>
+          </a:xfrm>
+          <a:prstGeom prst="rect">
+            <a:avLst/>
+          </a:prstGeom>
+          <a:noFill/>
+        </p:spPr>
+        <p:txBody>
+          <a:bodyPr lIns="91436" tIns="91436" rIns="91436" bIns="91436" anchor="ctr" anchorCtr="0">
+            <a:spAutoFit/>
+          </a:bodyPr>
+          <a:lstStyle>
+            <a:lvl1pPr marL="0" indent="0" algn="ctr">
+              <a:buNone/>
+              <a:defRPr sz="3403" b="1" u="sng" baseline="0">
+                <a:solidFill>
+                  <a:schemeClr val="accent5">
+                    <a:lumMod val="50000"/>
+                  </a:schemeClr>
+                </a:solidFill>
+              </a:defRPr>
+            </a:lvl1pPr>
+          </a:lstStyle>
+          <a:p>
+            <a:pPr lvl="0"/>
+            <a:r>
+              <a:rPr lang="en-US" dirty="0"/>
+              <a:t>(click to edit)  MATERIALS &amp; METHODS</a:t>
+            </a:r>
+          </a:p>
+        </p:txBody>
+      </p:sp>
+      <p:sp>
+        <p:nvSpPr>
+          <p:cNvPr id="23" name="Text Placeholder 3"/>
+          <p:cNvSpPr>
+            <a:spLocks noGrp="1"/>
+          </p:cNvSpPr>
+          <p:nvPr>
+            <p:ph type="body" sz="quarter" idx="23" hasCustomPrompt="1"/>
+          </p:nvPr>
+        </p:nvSpPr>
+        <p:spPr>
+          <a:xfrm>
+            <a:off x="21830729" y="5866321"/>
+            <a:ext cx="9799906" cy="815457"/>
+          </a:xfrm>
+          <a:prstGeom prst="rect">
+            <a:avLst/>
+          </a:prstGeom>
+        </p:spPr>
+        <p:txBody>
+          <a:bodyPr wrap="square" lIns="228589" tIns="228589" rIns="228589" bIns="228589">
+            <a:spAutoFit/>
+          </a:bodyPr>
+          <a:lstStyle>
+            <a:lvl1pPr marL="0" indent="0">
+              <a:buNone/>
+              <a:defRPr sz="2299">
+                <a:solidFill>
+                  <a:schemeClr val="accent5">
+                    <a:lumMod val="50000"/>
+                  </a:schemeClr>
+                </a:solidFill>
+                <a:latin typeface="Times New Roman" pitchFamily="18" charset="0"/>
+                <a:cs typeface="Times New Roman" pitchFamily="18" charset="0"/>
+              </a:defRPr>
+            </a:lvl1pPr>
+            <a:lvl2pPr marL="1366513" indent="-525582">
+              <a:defRPr sz="2299">
+                <a:latin typeface="Trebuchet MS" pitchFamily="34" charset="0"/>
+              </a:defRPr>
+            </a:lvl2pPr>
+            <a:lvl3pPr marL="1892096" indent="-525582">
+              <a:defRPr sz="2299">
+                <a:latin typeface="Trebuchet MS" pitchFamily="34" charset="0"/>
+              </a:defRPr>
+            </a:lvl3pPr>
+            <a:lvl4pPr marL="2470237" indent="-578141">
+              <a:defRPr sz="2299">
+                <a:latin typeface="Trebuchet MS" pitchFamily="34" charset="0"/>
+              </a:defRPr>
+            </a:lvl4pPr>
+            <a:lvl5pPr marL="2890703" indent="-420466">
+              <a:defRPr sz="2299">
+                <a:latin typeface="Trebuchet MS" pitchFamily="34" charset="0"/>
+              </a:defRPr>
+            </a:lvl5pPr>
+          </a:lstStyle>
+          <a:p>
+            <a:pPr lvl="0"/>
+            <a:r>
+              <a:rPr lang="en-US" dirty="0"/>
+              <a:t>Type in or paste your text here</a:t>
+            </a:r>
+          </a:p>
+        </p:txBody>
+      </p:sp>
+      <p:sp>
+        <p:nvSpPr>
+          <p:cNvPr id="24" name="Text Placeholder 5"/>
+          <p:cNvSpPr>
+            <a:spLocks noGrp="1"/>
+          </p:cNvSpPr>
+          <p:nvPr>
+            <p:ph type="body" sz="quarter" idx="24" hasCustomPrompt="1"/>
+          </p:nvPr>
+        </p:nvSpPr>
+        <p:spPr>
+          <a:xfrm>
+            <a:off x="21822987" y="5095798"/>
+            <a:ext cx="9809196" cy="708327"/>
+          </a:xfrm>
+          <a:prstGeom prst="rect">
+            <a:avLst/>
+          </a:prstGeom>
+          <a:noFill/>
+        </p:spPr>
+        <p:txBody>
+          <a:bodyPr lIns="91436" tIns="91436" rIns="91436" bIns="91436" anchor="ctr" anchorCtr="0">
+            <a:spAutoFit/>
+          </a:bodyPr>
+          <a:lstStyle>
+            <a:lvl1pPr marL="0" indent="0" algn="ctr">
+              <a:buNone/>
+              <a:defRPr sz="3403" b="1" u="sng" baseline="0">
+                <a:solidFill>
+                  <a:schemeClr val="accent5">
+                    <a:lumMod val="50000"/>
+                  </a:schemeClr>
+                </a:solidFill>
+              </a:defRPr>
+            </a:lvl1pPr>
+          </a:lstStyle>
+          <a:p>
+            <a:pPr lvl="0"/>
+            <a:r>
+              <a:rPr lang="en-US" dirty="0"/>
+              <a:t>(click to edit)  RESULTS</a:t>
+            </a:r>
+          </a:p>
+        </p:txBody>
+      </p:sp>
+      <p:sp>
+        <p:nvSpPr>
+          <p:cNvPr id="25" name="Text Placeholder 5"/>
+          <p:cNvSpPr>
+            <a:spLocks noGrp="1"/>
+          </p:cNvSpPr>
+          <p:nvPr>
+            <p:ph type="body" sz="quarter" idx="25" hasCustomPrompt="1"/>
+          </p:nvPr>
+        </p:nvSpPr>
+        <p:spPr>
+          <a:xfrm>
+            <a:off x="32563023" y="5095798"/>
+            <a:ext cx="9798096" cy="708327"/>
+          </a:xfrm>
+          <a:prstGeom prst="rect">
+            <a:avLst/>
+          </a:prstGeom>
+          <a:noFill/>
+        </p:spPr>
+        <p:txBody>
+          <a:bodyPr wrap="square" lIns="91436" tIns="91436" rIns="91436" bIns="91436" anchor="ctr" anchorCtr="0">
+            <a:spAutoFit/>
+          </a:bodyPr>
+          <a:lstStyle>
+            <a:lvl1pPr marL="0" indent="0" algn="ctr">
+              <a:buNone/>
+              <a:defRPr sz="3403" b="1" u="sng" baseline="0">
+                <a:solidFill>
+                  <a:schemeClr val="accent5">
+                    <a:lumMod val="50000"/>
+                  </a:schemeClr>
+                </a:solidFill>
+              </a:defRPr>
+            </a:lvl1pPr>
+          </a:lstStyle>
+          <a:p>
+            <a:pPr lvl="0"/>
+            <a:r>
+              <a:rPr lang="en-US" dirty="0"/>
+              <a:t>(click to edit)  CONCLUSIONS</a:t>
+            </a:r>
+          </a:p>
+        </p:txBody>
+      </p:sp>
+      <p:sp>
+        <p:nvSpPr>
+          <p:cNvPr id="26" name="Text Placeholder 3"/>
+          <p:cNvSpPr>
+            <a:spLocks noGrp="1"/>
+          </p:cNvSpPr>
+          <p:nvPr>
+            <p:ph type="body" sz="quarter" idx="26" hasCustomPrompt="1"/>
+          </p:nvPr>
+        </p:nvSpPr>
+        <p:spPr>
+          <a:xfrm>
+            <a:off x="32563023" y="5866321"/>
+            <a:ext cx="9798096" cy="815457"/>
+          </a:xfrm>
+          <a:prstGeom prst="rect">
+            <a:avLst/>
+          </a:prstGeom>
+        </p:spPr>
+        <p:txBody>
+          <a:bodyPr wrap="square" lIns="228589" tIns="228589" rIns="228589" bIns="228589">
+            <a:spAutoFit/>
+          </a:bodyPr>
+          <a:lstStyle>
+            <a:lvl1pPr marL="0" indent="0">
+              <a:buNone/>
+              <a:defRPr sz="2299">
+                <a:solidFill>
+                  <a:schemeClr val="accent5">
+                    <a:lumMod val="50000"/>
+                  </a:schemeClr>
+                </a:solidFill>
+                <a:latin typeface="Times New Roman" pitchFamily="18" charset="0"/>
+                <a:cs typeface="Times New Roman" pitchFamily="18" charset="0"/>
+              </a:defRPr>
+            </a:lvl1pPr>
+            <a:lvl2pPr marL="1366513" indent="-525582">
+              <a:defRPr sz="2299">
+                <a:latin typeface="Trebuchet MS" pitchFamily="34" charset="0"/>
+              </a:defRPr>
+            </a:lvl2pPr>
+            <a:lvl3pPr marL="1892096" indent="-525582">
+              <a:defRPr sz="2299">
+                <a:latin typeface="Trebuchet MS" pitchFamily="34" charset="0"/>
+              </a:defRPr>
+            </a:lvl3pPr>
+            <a:lvl4pPr marL="2470237" indent="-578141">
+              <a:defRPr sz="2299">
+                <a:latin typeface="Trebuchet MS" pitchFamily="34" charset="0"/>
+              </a:defRPr>
+            </a:lvl4pPr>
+            <a:lvl5pPr marL="2890703" indent="-420466">
+              <a:defRPr sz="2299">
+                <a:latin typeface="Trebuchet MS" pitchFamily="34" charset="0"/>
+              </a:defRPr>
+            </a:lvl5pPr>
+          </a:lstStyle>
+          <a:p>
+            <a:pPr lvl="0"/>
+            <a:r>
+              <a:rPr lang="en-US" dirty="0"/>
+              <a:t>Type in or paste your text here</a:t>
+            </a:r>
+          </a:p>
+        </p:txBody>
+      </p:sp>
+      <p:sp>
+        <p:nvSpPr>
+          <p:cNvPr id="27" name="Text Placeholder 5"/>
+          <p:cNvSpPr>
+            <a:spLocks noGrp="1"/>
+          </p:cNvSpPr>
+          <p:nvPr>
+            <p:ph type="body" sz="quarter" idx="27" hasCustomPrompt="1"/>
+          </p:nvPr>
+        </p:nvSpPr>
+        <p:spPr>
+          <a:xfrm>
+            <a:off x="32563023" y="13119293"/>
+            <a:ext cx="9798096" cy="708327"/>
+          </a:xfrm>
+          <a:prstGeom prst="rect">
+            <a:avLst/>
+          </a:prstGeom>
+          <a:noFill/>
+        </p:spPr>
+        <p:txBody>
+          <a:bodyPr wrap="square" lIns="91436" tIns="91436" rIns="91436" bIns="91436" anchor="ctr" anchorCtr="0">
+            <a:spAutoFit/>
+          </a:bodyPr>
+          <a:lstStyle>
+            <a:lvl1pPr marL="0" indent="0" algn="ctr">
+              <a:buNone/>
+              <a:defRPr sz="3403" b="1" u="sng" baseline="0">
+                <a:solidFill>
+                  <a:schemeClr val="accent5">
+                    <a:lumMod val="50000"/>
+                  </a:schemeClr>
+                </a:solidFill>
+              </a:defRPr>
+            </a:lvl1pPr>
+          </a:lstStyle>
+          <a:p>
+            <a:pPr lvl="0"/>
+            <a:r>
+              <a:rPr lang="en-US" dirty="0"/>
+              <a:t>(click to edit)  REFERENCES</a:t>
+            </a:r>
+          </a:p>
+        </p:txBody>
+      </p:sp>
+      <p:sp>
+        <p:nvSpPr>
+          <p:cNvPr id="28" name="Text Placeholder 3"/>
+          <p:cNvSpPr>
+            <a:spLocks noGrp="1"/>
+          </p:cNvSpPr>
+          <p:nvPr>
+            <p:ph type="body" sz="quarter" idx="28" hasCustomPrompt="1"/>
+          </p:nvPr>
+        </p:nvSpPr>
+        <p:spPr>
+          <a:xfrm>
+            <a:off x="32563023" y="13806060"/>
+            <a:ext cx="9803003" cy="815457"/>
+          </a:xfrm>
+          <a:prstGeom prst="rect">
+            <a:avLst/>
+          </a:prstGeom>
+        </p:spPr>
+        <p:txBody>
+          <a:bodyPr wrap="square" lIns="228589" tIns="228589" rIns="228589" bIns="228589">
+            <a:spAutoFit/>
+          </a:bodyPr>
+          <a:lstStyle>
+            <a:lvl1pPr marL="0" indent="0">
+              <a:buNone/>
+              <a:defRPr sz="2299">
+                <a:solidFill>
+                  <a:schemeClr val="accent5">
+                    <a:lumMod val="50000"/>
+                  </a:schemeClr>
+                </a:solidFill>
+                <a:latin typeface="Times New Roman" pitchFamily="18" charset="0"/>
+                <a:cs typeface="Times New Roman" pitchFamily="18" charset="0"/>
+              </a:defRPr>
+            </a:lvl1pPr>
+            <a:lvl2pPr marL="1366513" indent="-525582">
+              <a:defRPr sz="2299">
+                <a:latin typeface="Trebuchet MS" pitchFamily="34" charset="0"/>
+              </a:defRPr>
+            </a:lvl2pPr>
+            <a:lvl3pPr marL="1892096" indent="-525582">
+              <a:defRPr sz="2299">
+                <a:latin typeface="Trebuchet MS" pitchFamily="34" charset="0"/>
+              </a:defRPr>
+            </a:lvl3pPr>
+            <a:lvl4pPr marL="2470237" indent="-578141">
+              <a:defRPr sz="2299">
+                <a:latin typeface="Trebuchet MS" pitchFamily="34" charset="0"/>
+              </a:defRPr>
+            </a:lvl4pPr>
+            <a:lvl5pPr marL="2890703" indent="-420466">
+              <a:defRPr sz="2299">
+                <a:latin typeface="Trebuchet MS" pitchFamily="34" charset="0"/>
+              </a:defRPr>
+            </a:lvl5pPr>
+          </a:lstStyle>
+          <a:p>
+            <a:pPr lvl="0"/>
+            <a:r>
+              <a:rPr lang="en-US" dirty="0"/>
+              <a:t>Type in or paste your text here</a:t>
+            </a:r>
+          </a:p>
+        </p:txBody>
+      </p:sp>
+      <p:sp>
+        <p:nvSpPr>
+          <p:cNvPr id="29" name="Text Placeholder 5"/>
+          <p:cNvSpPr>
+            <a:spLocks noGrp="1"/>
+          </p:cNvSpPr>
+          <p:nvPr>
+            <p:ph type="body" sz="quarter" idx="29" hasCustomPrompt="1"/>
+          </p:nvPr>
+        </p:nvSpPr>
+        <p:spPr>
+          <a:xfrm>
+            <a:off x="32563023" y="23610057"/>
+            <a:ext cx="9798096" cy="708327"/>
+          </a:xfrm>
+          <a:prstGeom prst="rect">
+            <a:avLst/>
+          </a:prstGeom>
+          <a:noFill/>
+        </p:spPr>
+        <p:txBody>
+          <a:bodyPr wrap="square" lIns="91436" tIns="91436" rIns="91436" bIns="91436" anchor="ctr" anchorCtr="0">
+            <a:spAutoFit/>
+          </a:bodyPr>
+          <a:lstStyle>
+            <a:lvl1pPr marL="0" indent="0" algn="ctr">
+              <a:buNone/>
+              <a:defRPr sz="3403" b="1" u="sng" baseline="0">
+                <a:solidFill>
+                  <a:schemeClr val="accent5">
+                    <a:lumMod val="50000"/>
+                  </a:schemeClr>
+                </a:solidFill>
+              </a:defRPr>
+            </a:lvl1pPr>
+          </a:lstStyle>
+          <a:p>
+            <a:pPr lvl="0"/>
+            <a:r>
+              <a:rPr lang="en-US" dirty="0"/>
+              <a:t>(click to edit)  ACKNOWLEDGEMENTS or  CONTACT</a:t>
+            </a:r>
+          </a:p>
+        </p:txBody>
+      </p:sp>
+      <p:sp>
+        <p:nvSpPr>
+          <p:cNvPr id="30" name="Text Placeholder 3"/>
+          <p:cNvSpPr>
+            <a:spLocks noGrp="1"/>
+          </p:cNvSpPr>
+          <p:nvPr>
+            <p:ph type="body" sz="quarter" idx="30" hasCustomPrompt="1"/>
+          </p:nvPr>
+        </p:nvSpPr>
+        <p:spPr>
+          <a:xfrm>
+            <a:off x="32563023" y="24310970"/>
+            <a:ext cx="9803003" cy="815457"/>
+          </a:xfrm>
+          <a:prstGeom prst="rect">
+            <a:avLst/>
+          </a:prstGeom>
+        </p:spPr>
+        <p:txBody>
+          <a:bodyPr wrap="square" lIns="228589" tIns="228589" rIns="228589" bIns="228589">
+            <a:spAutoFit/>
+          </a:bodyPr>
+          <a:lstStyle>
+            <a:lvl1pPr marL="0" indent="0">
+              <a:buNone/>
+              <a:defRPr sz="2299">
+                <a:solidFill>
+                  <a:schemeClr val="accent5">
+                    <a:lumMod val="50000"/>
+                  </a:schemeClr>
+                </a:solidFill>
+                <a:latin typeface="Times New Roman" pitchFamily="18" charset="0"/>
+                <a:cs typeface="Times New Roman" pitchFamily="18" charset="0"/>
+              </a:defRPr>
+            </a:lvl1pPr>
+            <a:lvl2pPr marL="1366513" indent="-525582">
+              <a:defRPr sz="2299">
+                <a:latin typeface="Trebuchet MS" pitchFamily="34" charset="0"/>
+              </a:defRPr>
+            </a:lvl2pPr>
+            <a:lvl3pPr marL="1892096" indent="-525582">
+              <a:defRPr sz="2299">
+                <a:latin typeface="Trebuchet MS" pitchFamily="34" charset="0"/>
+              </a:defRPr>
+            </a:lvl3pPr>
+            <a:lvl4pPr marL="2470237" indent="-578141">
+              <a:defRPr sz="2299">
+                <a:latin typeface="Trebuchet MS" pitchFamily="34" charset="0"/>
+              </a:defRPr>
+            </a:lvl4pPr>
+            <a:lvl5pPr marL="2890703" indent="-420466">
+              <a:defRPr sz="2299">
+                <a:latin typeface="Trebuchet MS" pitchFamily="34" charset="0"/>
+              </a:defRPr>
+            </a:lvl5pPr>
+          </a:lstStyle>
+          <a:p>
+            <a:pPr lvl="0"/>
+            <a:r>
+              <a:rPr lang="en-US" dirty="0"/>
+              <a:t>Type in or paste your text here</a:t>
+            </a:r>
+          </a:p>
+        </p:txBody>
+      </p:sp>
+      <p:sp>
+        <p:nvSpPr>
+          <p:cNvPr id="60" name="Text Placeholder 3"/>
+          <p:cNvSpPr>
+            <a:spLocks noGrp="1"/>
+          </p:cNvSpPr>
+          <p:nvPr>
+            <p:ph type="body" sz="quarter" idx="96" hasCustomPrompt="1"/>
+          </p:nvPr>
+        </p:nvSpPr>
+        <p:spPr>
+          <a:xfrm>
+            <a:off x="448286" y="13751016"/>
+            <a:ext cx="9807648" cy="815457"/>
+          </a:xfrm>
+          <a:prstGeom prst="rect">
+            <a:avLst/>
+          </a:prstGeom>
+        </p:spPr>
+        <p:txBody>
+          <a:bodyPr wrap="square" lIns="228589" tIns="228589" rIns="228589" bIns="228589">
+            <a:spAutoFit/>
+          </a:bodyPr>
+          <a:lstStyle>
+            <a:lvl1pPr marL="0" indent="0">
+              <a:buNone/>
+              <a:defRPr sz="2299">
+                <a:solidFill>
+                  <a:schemeClr val="accent5">
+                    <a:lumMod val="50000"/>
+                  </a:schemeClr>
+                </a:solidFill>
+                <a:latin typeface="Times New Roman" pitchFamily="18" charset="0"/>
+                <a:cs typeface="Times New Roman" pitchFamily="18" charset="0"/>
+              </a:defRPr>
+            </a:lvl1pPr>
+            <a:lvl2pPr marL="1366513" indent="-525582">
+              <a:defRPr sz="2299">
+                <a:latin typeface="Trebuchet MS" pitchFamily="34" charset="0"/>
+              </a:defRPr>
+            </a:lvl2pPr>
+            <a:lvl3pPr marL="1892096" indent="-525582">
+              <a:defRPr sz="2299">
+                <a:latin typeface="Trebuchet MS" pitchFamily="34" charset="0"/>
+              </a:defRPr>
+            </a:lvl3pPr>
+            <a:lvl4pPr marL="2470237" indent="-578141">
+              <a:defRPr sz="2299">
+                <a:latin typeface="Trebuchet MS" pitchFamily="34" charset="0"/>
+              </a:defRPr>
+            </a:lvl4pPr>
+            <a:lvl5pPr marL="2890703" indent="-420466">
+              <a:defRPr sz="2299">
+                <a:latin typeface="Trebuchet MS" pitchFamily="34" charset="0"/>
+              </a:defRPr>
+            </a:lvl5pPr>
+          </a:lstStyle>
+          <a:p>
+            <a:pPr lvl="0"/>
+            <a:r>
+              <a:rPr lang="en-US" dirty="0"/>
+              <a:t>Type in or paste your text here</a:t>
+            </a:r>
+          </a:p>
+        </p:txBody>
+      </p:sp>
+      <p:sp>
+        <p:nvSpPr>
+          <p:cNvPr id="77" name="Text Placeholder 76"/>
+          <p:cNvSpPr>
+            <a:spLocks noGrp="1"/>
+          </p:cNvSpPr>
+          <p:nvPr>
+            <p:ph type="body" sz="quarter" idx="150" hasCustomPrompt="1"/>
+          </p:nvPr>
+        </p:nvSpPr>
+        <p:spPr>
+          <a:xfrm>
+            <a:off x="5785609" y="3112233"/>
+            <a:ext cx="31206170" cy="1177369"/>
+          </a:xfrm>
+          <a:prstGeom prst="rect">
+            <a:avLst/>
+          </a:prstGeom>
+        </p:spPr>
+        <p:txBody>
+          <a:bodyPr>
+            <a:normAutofit/>
+          </a:bodyPr>
+          <a:lstStyle>
+            <a:lvl1pPr marL="0" indent="0" algn="ctr">
+              <a:buFontTx/>
+              <a:buNone/>
+              <a:defRPr sz="5518">
+                <a:solidFill>
+                  <a:schemeClr val="accent5">
+                    <a:lumMod val="50000"/>
+                  </a:schemeClr>
+                </a:solidFill>
+                <a:latin typeface="+mj-lt"/>
+              </a:defRPr>
+            </a:lvl1pPr>
+            <a:lvl2pPr>
+              <a:buFontTx/>
+              <a:buNone/>
+              <a:defRPr sz="6622"/>
+            </a:lvl2pPr>
+            <a:lvl3pPr>
+              <a:buFontTx/>
+              <a:buNone/>
+              <a:defRPr sz="6622"/>
+            </a:lvl3pPr>
+            <a:lvl4pPr>
+              <a:buFontTx/>
+              <a:buNone/>
+              <a:defRPr sz="6622"/>
+            </a:lvl4pPr>
+            <a:lvl5pPr>
+              <a:buFontTx/>
+              <a:buNone/>
+              <a:defRPr sz="6622"/>
+            </a:lvl5pPr>
+          </a:lstStyle>
+          <a:p>
+            <a:pPr lvl="0"/>
+            <a:r>
+              <a:rPr lang="en-US" dirty="0"/>
+              <a:t>Click here to add affiliations</a:t>
+            </a:r>
+          </a:p>
+        </p:txBody>
+      </p:sp>
+      <p:sp>
+        <p:nvSpPr>
+          <p:cNvPr id="78" name="Text Placeholder 76"/>
+          <p:cNvSpPr>
+            <a:spLocks noGrp="1"/>
+          </p:cNvSpPr>
+          <p:nvPr>
+            <p:ph type="body" sz="quarter" idx="151" hasCustomPrompt="1"/>
+          </p:nvPr>
+        </p:nvSpPr>
+        <p:spPr>
+          <a:xfrm>
+            <a:off x="5785609" y="1934863"/>
+            <a:ext cx="31206170" cy="1177369"/>
+          </a:xfrm>
+          <a:prstGeom prst="rect">
+            <a:avLst/>
+          </a:prstGeom>
+        </p:spPr>
+        <p:txBody>
+          <a:bodyPr anchor="t" anchorCtr="1">
+            <a:normAutofit/>
+          </a:bodyPr>
+          <a:lstStyle>
+            <a:lvl1pPr marL="0" indent="0" algn="ctr">
+              <a:buFontTx/>
+              <a:buNone/>
+              <a:defRPr sz="8093">
+                <a:solidFill>
+                  <a:schemeClr val="accent5">
+                    <a:lumMod val="50000"/>
+                  </a:schemeClr>
+                </a:solidFill>
+                <a:latin typeface="+mj-lt"/>
+              </a:defRPr>
+            </a:lvl1pPr>
+            <a:lvl2pPr>
+              <a:buFontTx/>
+              <a:buNone/>
+              <a:defRPr sz="6622"/>
+            </a:lvl2pPr>
+            <a:lvl3pPr>
+              <a:buFontTx/>
+              <a:buNone/>
+              <a:defRPr sz="6622"/>
+            </a:lvl3pPr>
+            <a:lvl4pPr>
+              <a:buFontTx/>
+              <a:buNone/>
+              <a:defRPr sz="6622"/>
+            </a:lvl4pPr>
+            <a:lvl5pPr>
+              <a:buFontTx/>
+              <a:buNone/>
+              <a:defRPr sz="6622"/>
+            </a:lvl5pPr>
+          </a:lstStyle>
+          <a:p>
+            <a:pPr lvl="0"/>
+            <a:r>
+              <a:rPr lang="en-US" dirty="0"/>
+              <a:t>Click here to add authors</a:t>
+            </a:r>
+          </a:p>
+        </p:txBody>
+      </p:sp>
+      <p:sp>
+        <p:nvSpPr>
+          <p:cNvPr id="79" name="Text Placeholder 76"/>
+          <p:cNvSpPr>
+            <a:spLocks noGrp="1"/>
+          </p:cNvSpPr>
+          <p:nvPr>
+            <p:ph type="body" sz="quarter" idx="153" hasCustomPrompt="1"/>
+          </p:nvPr>
+        </p:nvSpPr>
+        <p:spPr>
+          <a:xfrm>
+            <a:off x="5785609" y="428411"/>
+            <a:ext cx="31206170" cy="1506452"/>
+          </a:xfrm>
+          <a:prstGeom prst="rect">
+            <a:avLst/>
+          </a:prstGeom>
+        </p:spPr>
+        <p:txBody>
+          <a:bodyPr anchor="t" anchorCtr="1">
+            <a:normAutofit/>
+          </a:bodyPr>
+          <a:lstStyle>
+            <a:lvl1pPr marL="0" indent="0" algn="ctr">
+              <a:buFontTx/>
+              <a:buNone/>
+              <a:defRPr sz="10577" b="1">
+                <a:solidFill>
+                  <a:schemeClr val="accent5">
+                    <a:lumMod val="50000"/>
+                  </a:schemeClr>
+                </a:solidFill>
+                <a:latin typeface="+mj-lt"/>
+              </a:defRPr>
+            </a:lvl1pPr>
+            <a:lvl2pPr>
+              <a:buFontTx/>
+              <a:buNone/>
+              <a:defRPr sz="6622"/>
+            </a:lvl2pPr>
+            <a:lvl3pPr>
+              <a:buFontTx/>
+              <a:buNone/>
+              <a:defRPr sz="6622"/>
+            </a:lvl3pPr>
+            <a:lvl4pPr>
+              <a:buFontTx/>
+              <a:buNone/>
+              <a:defRPr sz="6622"/>
+            </a:lvl4pPr>
+            <a:lvl5pPr>
+              <a:buFontTx/>
+              <a:buNone/>
+              <a:defRPr sz="6622"/>
+            </a:lvl5pPr>
+          </a:lstStyle>
+          <a:p>
+            <a:pPr lvl="0"/>
+            <a:r>
+              <a:rPr lang="en-US" dirty="0"/>
+              <a:t>Click here to add title</a:t>
+            </a:r>
+          </a:p>
+        </p:txBody>
+      </p:sp>
+    </p:spTree>
+    <p:extLst>
+      <p:ext uri="{BB962C8B-B14F-4D97-AF65-F5344CB8AC3E}">
+        <p14:creationId xmlns:p14="http://schemas.microsoft.com/office/powerpoint/2010/main" val="2591032560"/>
+      </p:ext>
+    </p:extLst>
+  </p:cSld>
+  <p:clrMapOvr>
+    <a:masterClrMapping/>
+  </p:clrMapOvr>
+</p:sldLayout>
+</file>
+
+<file path=ppt/slideLayouts/slideLayout4.xml><?xml version="1.0" encoding="utf-8"?>
 <p:sldLayout xmlns:a="http://schemas.openxmlformats.org/drawingml/2006/main" xmlns:r="http://schemas.openxmlformats.org/officeDocument/2006/relationships" xmlns:p="http://schemas.openxmlformats.org/presentationml/2006/main" preserve="1" userDrawn="1">
   <p:cSld name="Without guides">
     <p:spTree>
@@ -3423,7 +5433,7 @@
                   </a:txBody>
                   <a:tcPr marL="89175" marR="89175" marT="42049" marB="42049">
                     <a:blipFill rotWithShape="1">
-                      <a:blip r:embed="rId3"/>
+                      <a:blip r:embed="rId5"/>
                       <a:stretch>
                         <a:fillRect/>
                       </a:stretch>
@@ -3672,7 +5682,7 @@
                   </a:txBody>
                   <a:tcPr marL="89175" marR="89175" marT="42049" marB="42049">
                     <a:blipFill rotWithShape="1">
-                      <a:blip r:embed="rId4"/>
+                      <a:blip r:embed="rId6"/>
                       <a:stretch>
                         <a:fillRect/>
                       </a:stretch>
@@ -4060,7 +6070,7 @@
                   </a:txBody>
                   <a:tcPr marL="178349" marR="89175" marT="126147" marB="42049">
                     <a:blipFill rotWithShape="1">
-                      <a:blip r:embed="rId5"/>
+                      <a:blip r:embed="rId7"/>
                       <a:stretch>
                         <a:fillRect/>
                       </a:stretch>
@@ -4218,7 +6228,7 @@
                   </a:txBody>
                   <a:tcPr marL="178349" marR="89175" marT="126147" marB="42049">
                     <a:blipFill rotWithShape="1">
-                      <a:blip r:embed="rId6"/>
+                      <a:blip r:embed="rId8"/>
                       <a:stretch>
                         <a:fillRect/>
                       </a:stretch>
@@ -4422,7 +6432,7 @@
                           <a:solidFill>
                             <a:srgbClr val="FFC000"/>
                           </a:solidFill>
-                          <a:hlinkClick r:id="rId7">
+                          <a:hlinkClick r:id="rId9">
                             <a:extLst>
                               <a:ext uri="{A12FA001-AC4F-418D-AE19-62706E023703}">
                                 <ahyp:hlinkClr xmlns:ahyp="http://schemas.microsoft.com/office/drawing/2018/hyperlinkcolor" val="tx"/>
@@ -4505,7 +6515,7 @@
                   </a:txBody>
                   <a:tcPr marL="182880" marT="137160">
                     <a:blipFill rotWithShape="1">
-                      <a:blip r:embed="rId8"/>
+                      <a:blip r:embed="rId10"/>
                       <a:stretch>
                         <a:fillRect/>
                       </a:stretch>
@@ -4652,7 +6662,7 @@
                   </a:txBody>
                   <a:tcPr marL="182880" marT="137160">
                     <a:blipFill rotWithShape="1">
-                      <a:blip r:embed="rId9"/>
+                      <a:blip r:embed="rId11"/>
                       <a:stretch>
                         <a:fillRect/>
                       </a:stretch>
@@ -4713,7 +6723,7 @@
                   </a:txBody>
                   <a:tcPr marL="178349" marR="89175" marT="126147" marB="42049">
                     <a:blipFill dpi="0" rotWithShape="1">
-                      <a:blip r:embed="rId10">
+                      <a:blip r:embed="rId12">
                         <a:extLst>
                           <a:ext uri="{28A0092B-C50C-407E-A947-70E740481C1C}">
                             <a14:useLocalDpi xmlns:a14="http://schemas.microsoft.com/office/drawing/2010/main" val="0"/>
@@ -5524,7 +7534,7 @@
                   </a:txBody>
                   <a:tcPr marL="178349" marR="89175" marT="126147" marB="42049">
                     <a:blipFill dpi="0" rotWithShape="1">
-                      <a:blip r:embed="rId11">
+                      <a:blip r:embed="rId13">
                         <a:extLst>
                           <a:ext uri="{28A0092B-C50C-407E-A947-70E740481C1C}">
                             <a14:useLocalDpi xmlns:a14="http://schemas.microsoft.com/office/drawing/2010/main" val="0"/>
@@ -5825,6 +7835,8 @@
   <p:clrMap bg1="lt1" tx1="dk1" bg2="lt2" tx2="dk2" accent1="accent1" accent2="accent2" accent3="accent3" accent4="accent4" accent5="accent5" accent6="accent6" hlink="hlink" folHlink="folHlink"/>
   <p:sldLayoutIdLst>
     <p:sldLayoutId id="2147483652" r:id="rId1"/>
+    <p:sldLayoutId id="2147483655" r:id="rId2"/>
+    <p:sldLayoutId id="2147483699" r:id="rId3"/>
   </p:sldLayoutIdLst>
   <p:txStyles>
     <p:titleStyle>
@@ -6841,36 +8853,6 @@
       </p:sp>
       <p:sp>
         <p:nvSpPr>
-          <p:cNvPr id="102" name="Text Placeholder 101">
-            <a:extLst>
-              <a:ext uri="{FF2B5EF4-FFF2-40B4-BE49-F238E27FC236}">
-                <a16:creationId xmlns:a16="http://schemas.microsoft.com/office/drawing/2014/main" id="{54FAC610-AA8B-4244-8F06-6E0DE1A9D297}"/>
-              </a:ext>
-            </a:extLst>
-          </p:cNvPr>
-          <p:cNvSpPr>
-            <a:spLocks noGrp="1"/>
-          </p:cNvSpPr>
-          <p:nvPr>
-            <p:ph type="body" sz="quarter" idx="151"/>
-          </p:nvPr>
-        </p:nvSpPr>
-        <p:spPr/>
-        <p:txBody>
-          <a:bodyPr>
-            <a:normAutofit/>
-          </a:bodyPr>
-          <a:lstStyle/>
-          <a:p>
-            <a:r>
-              <a:rPr lang="en-US" sz="6600" dirty="0"/>
-              <a:t>Giulia Bergonzoli, Ettore Busani, Sebastian Castellano, Lucia Gregorini</a:t>
-            </a:r>
-          </a:p>
-        </p:txBody>
-      </p:sp>
-      <p:sp>
-        <p:nvSpPr>
           <p:cNvPr id="103" name="Text Placeholder 102">
             <a:extLst>
               <a:ext uri="{FF2B5EF4-FFF2-40B4-BE49-F238E27FC236}">
@@ -6887,8 +8869,8 @@
         </p:nvSpPr>
         <p:spPr>
           <a:xfrm>
-            <a:off x="5471881" y="428411"/>
-            <a:ext cx="31860000" cy="1506452"/>
+            <a:off x="4463881" y="428411"/>
+            <a:ext cx="33876000" cy="2700000"/>
           </a:xfrm>
         </p:spPr>
         <p:txBody>
@@ -6899,11 +8881,83 @@
           <a:p>
             <a:r>
               <a:rPr lang="en-US" sz="8800" dirty="0"/>
-              <a:t>The effect of immigration on scholastic scores in European countries</a:t>
+              <a:t>Immigrant students in Europe suffer from lower grades and some social and scholastic features are the key to explain it</a:t>
             </a:r>
           </a:p>
         </p:txBody>
       </p:sp>
+      <p:pic>
+        <p:nvPicPr>
+          <p:cNvPr id="27" name="Immagine 4" descr="Immagine che contiene testo, segnale, calibro&#10;&#10;Descrizione generata automaticamente">
+            <a:extLst>
+              <a:ext uri="{FF2B5EF4-FFF2-40B4-BE49-F238E27FC236}">
+                <a16:creationId xmlns:a16="http://schemas.microsoft.com/office/drawing/2014/main" id="{BB99F4A2-7FC3-8EBC-5451-6F929DBF2832}"/>
+              </a:ext>
+            </a:extLst>
+          </p:cNvPr>
+          <p:cNvPicPr>
+            <a:picLocks noChangeAspect="1"/>
+          </p:cNvPicPr>
+          <p:nvPr/>
+        </p:nvPicPr>
+        <p:blipFill>
+          <a:blip r:embed="rId2">
+            <a:extLst>
+              <a:ext uri="{28A0092B-C50C-407E-A947-70E740481C1C}">
+                <a14:useLocalDpi xmlns:a14="http://schemas.microsoft.com/office/drawing/2010/main" val="0"/>
+              </a:ext>
+            </a:extLst>
+          </a:blip>
+          <a:stretch>
+            <a:fillRect/>
+          </a:stretch>
+        </p:blipFill>
+        <p:spPr>
+          <a:xfrm>
+            <a:off x="35413932" y="2388811"/>
+            <a:ext cx="3600000" cy="1613793"/>
+          </a:xfrm>
+          <a:prstGeom prst="rect">
+            <a:avLst/>
+          </a:prstGeom>
+        </p:spPr>
+      </p:pic>
+      <p:pic>
+        <p:nvPicPr>
+          <p:cNvPr id="23" name="Picture 22" descr="A picture containing logo&#10;&#10;Description automatically generated">
+            <a:extLst>
+              <a:ext uri="{FF2B5EF4-FFF2-40B4-BE49-F238E27FC236}">
+                <a16:creationId xmlns:a16="http://schemas.microsoft.com/office/drawing/2014/main" id="{58B5828A-CCF5-D83B-B7AC-D5D48DA6F232}"/>
+              </a:ext>
+            </a:extLst>
+          </p:cNvPr>
+          <p:cNvPicPr>
+            <a:picLocks noChangeAspect="1"/>
+          </p:cNvPicPr>
+          <p:nvPr/>
+        </p:nvPicPr>
+        <p:blipFill>
+          <a:blip r:embed="rId3">
+            <a:extLst>
+              <a:ext uri="{28A0092B-C50C-407E-A947-70E740481C1C}">
+                <a14:useLocalDpi xmlns:a14="http://schemas.microsoft.com/office/drawing/2010/main" val="0"/>
+              </a:ext>
+            </a:extLst>
+          </a:blip>
+          <a:stretch>
+            <a:fillRect/>
+          </a:stretch>
+        </p:blipFill>
+        <p:spPr>
+          <a:xfrm>
+            <a:off x="2959179" y="1778411"/>
+            <a:ext cx="3600000" cy="2645783"/>
+          </a:xfrm>
+          <a:prstGeom prst="rect">
+            <a:avLst/>
+          </a:prstGeom>
+        </p:spPr>
+      </p:pic>
     </p:spTree>
     <p:extLst>
       <p:ext uri="{BB962C8B-B14F-4D97-AF65-F5344CB8AC3E}">
@@ -7220,7 +9274,7 @@
 <file path=ppt/theme/theme2.xml><?xml version="1.0" encoding="utf-8"?>
 <a:theme xmlns:a="http://schemas.openxmlformats.org/drawingml/2006/main" name="Without guides">
   <a:themeElements>
-    <a:clrScheme name="Office">
+    <a:clrScheme name="Blue Warm">
       <a:dk1>
         <a:sysClr val="windowText" lastClr="000000"/>
       </a:dk1>
@@ -7228,34 +9282,34 @@
         <a:sysClr val="window" lastClr="FFFFFF"/>
       </a:lt1>
       <a:dk2>
-        <a:srgbClr val="44546A"/>
+        <a:srgbClr val="242852"/>
       </a:dk2>
       <a:lt2>
-        <a:srgbClr val="E7E6E6"/>
+        <a:srgbClr val="ACCBF9"/>
       </a:lt2>
       <a:accent1>
-        <a:srgbClr val="5B9BD5"/>
+        <a:srgbClr val="4A66AC"/>
       </a:accent1>
       <a:accent2>
-        <a:srgbClr val="ED7D31"/>
+        <a:srgbClr val="629DD1"/>
       </a:accent2>
       <a:accent3>
-        <a:srgbClr val="A5A5A5"/>
+        <a:srgbClr val="297FD5"/>
       </a:accent3>
       <a:accent4>
-        <a:srgbClr val="FFC000"/>
+        <a:srgbClr val="7F8FA9"/>
       </a:accent4>
       <a:accent5>
-        <a:srgbClr val="4472C4"/>
+        <a:srgbClr val="5AA2AE"/>
       </a:accent5>
       <a:accent6>
-        <a:srgbClr val="70AD47"/>
+        <a:srgbClr val="9D90A0"/>
       </a:accent6>
       <a:hlink>
-        <a:srgbClr val="0563C1"/>
+        <a:srgbClr val="9454C3"/>
       </a:hlink>
       <a:folHlink>
-        <a:srgbClr val="954F72"/>
+        <a:srgbClr val="3EBBF0"/>
       </a:folHlink>
     </a:clrScheme>
     <a:fontScheme name="Office">

--- a/Presentations/Poster/Poster template 4 columns.pptx
+++ b/Presentations/Poster/Poster template 4 columns.pptx
@@ -256,7 +256,7 @@
             <a:fld id="{0158C5BC-9A70-462C-B28D-9600239EAC64}" type="datetimeFigureOut">
               <a:rPr lang="en-US" smtClean="0"/>
               <a:pPr/>
-              <a:t>7/20/2022</a:t>
+              <a:t>7/21/22</a:t>
             </a:fld>
             <a:endParaRPr lang="en-US"/>
           </a:p>
@@ -323,7 +323,7 @@
             <a:fld id="{79C131B7-05CA-4AEE-9267-6D0ED4DC84F3}" type="slidenum">
               <a:rPr lang="en-US" smtClean="0"/>
               <a:pPr/>
-              <a:t>‹#›</a:t>
+              <a:t>‹N›</a:t>
             </a:fld>
             <a:endParaRPr lang="en-US"/>
           </a:p>
@@ -423,7 +423,7 @@
             <a:fld id="{E6CC2317-6751-4CD4-9995-8782DD78E936}" type="datetimeFigureOut">
               <a:rPr lang="en-US" smtClean="0"/>
               <a:pPr/>
-              <a:t>7/20/2022</a:t>
+              <a:t>7/21/22</a:t>
             </a:fld>
             <a:endParaRPr lang="en-US" dirty="0"/>
           </a:p>
@@ -584,7 +584,7 @@
             <a:fld id="{26A1A87D-CAF7-4BDC-A0D3-C0DBEDE81619}" type="slidenum">
               <a:rPr lang="en-US" smtClean="0"/>
               <a:pPr/>
-              <a:t>‹#›</a:t>
+              <a:t>‹N›</a:t>
             </a:fld>
             <a:endParaRPr lang="en-US" dirty="0"/>
           </a:p>
@@ -8489,12 +8489,31 @@
             <p:ph type="body" sz="quarter" idx="10"/>
           </p:nvPr>
         </p:nvSpPr>
-        <p:spPr/>
+        <p:spPr>
+          <a:xfrm>
+            <a:off x="448286" y="5866321"/>
+            <a:ext cx="9807648" cy="4141368"/>
+          </a:xfrm>
+        </p:spPr>
         <p:txBody>
           <a:bodyPr/>
           <a:lstStyle/>
           <a:p>
-            <a:endParaRPr lang="en-US"/>
+            <a:r>
+              <a:rPr lang="en-US" dirty="0"/>
+              <a:t>High School years are a fundamental stage of development for each individual, and it’s in the interest of every country to ensure that all students have access to the best possible education and are well integrated into the social system. In reality, we observe that immigration is a huge factor in denying many foreign students from achieving the same results of their native peers. This trend is common to all countries across Europe but some of them show significantly larger gaps with respect to the others.</a:t>
+            </a:r>
+            <a:endParaRPr lang="it-IT" dirty="0"/>
+          </a:p>
+          <a:p>
+            <a:r>
+              <a:rPr lang="en-US" dirty="0"/>
+              <a:t>In this study we aimed at investigating quantitatively the reasons behind all these differences.</a:t>
+            </a:r>
+            <a:endParaRPr lang="it-IT" dirty="0"/>
+          </a:p>
+          <a:p>
+            <a:endParaRPr lang="en-US" dirty="0"/>
           </a:p>
         </p:txBody>
       </p:sp>
@@ -8519,7 +8538,10 @@
           <a:bodyPr/>
           <a:lstStyle/>
           <a:p>
-            <a:endParaRPr lang="en-US"/>
+            <a:r>
+              <a:rPr lang="en-US" dirty="0"/>
+              <a:t>INTRODUCTION</a:t>
+            </a:r>
           </a:p>
         </p:txBody>
       </p:sp>
@@ -8881,7 +8903,7 @@
           <a:p>
             <a:r>
               <a:rPr lang="en-US" sz="8800" dirty="0"/>
-              <a:t>Immigrant students in Europe suffer from lower grades and some social and scholastic features are the key to explain it</a:t>
+              <a:t>Immigrant students in Europe suffer from lower grades, and some social and scholastic features are the key to explain it</a:t>
             </a:r>
           </a:p>
         </p:txBody>

--- a/Presentations/Poster/Poster template 4 columns.pptx
+++ b/Presentations/Poster/Poster template 4 columns.pptx
@@ -8492,28 +8492,67 @@
         <p:spPr>
           <a:xfrm>
             <a:off x="448286" y="5866321"/>
-            <a:ext cx="9807648" cy="4141368"/>
+            <a:ext cx="9807648" cy="4495183"/>
           </a:xfrm>
         </p:spPr>
         <p:txBody>
           <a:bodyPr/>
           <a:lstStyle/>
           <a:p>
+            <a:pPr algn="just">
+              <a:spcBef>
+                <a:spcPts val="0"/>
+              </a:spcBef>
+            </a:pPr>
             <a:r>
-              <a:rPr lang="en-US" dirty="0"/>
-              <a:t>High School years are a fundamental stage of development for each individual, and it’s in the interest of every country to ensure that all students have access to the best possible education and are well integrated into the social system. In reality, we observe that immigration is a huge factor in denying many foreign students from achieving the same results of their native peers. This trend is common to all countries across Europe but some of them show significantly larger gaps with respect to the others.</a:t>
+              <a:rPr lang="en-US" dirty="0">
+                <a:latin typeface="+mn-lt"/>
+                <a:cs typeface="Arial" panose="020B0604020202020204" pitchFamily="34" charset="0"/>
+              </a:rPr>
+              <a:t>High School years are a fundamental stage of development for each individual, and it’s in the interest of every country to ensure that all students have access to the best possible education and are well integrated into the social system.</a:t>
             </a:r>
-            <a:endParaRPr lang="it-IT" dirty="0"/>
-          </a:p>
-          <a:p>
+          </a:p>
+          <a:p>
+            <a:pPr algn="just">
+              <a:spcBef>
+                <a:spcPts val="0"/>
+              </a:spcBef>
+            </a:pPr>
             <a:r>
-              <a:rPr lang="en-US" dirty="0"/>
+              <a:rPr lang="en-US" dirty="0">
+                <a:latin typeface="+mn-lt"/>
+              </a:rPr>
+              <a:t>We analyze data related to students of 15 year of age coming from European countries among which there’s a significant number of immigrant students. W</a:t>
+            </a:r>
+            <a:r>
+              <a:rPr lang="en-US" dirty="0">
+                <a:latin typeface="+mn-lt"/>
+                <a:cs typeface="Arial" panose="020B0604020202020204" pitchFamily="34" charset="0"/>
+              </a:rPr>
+              <a:t>e observe that immigration is a huge factor in denying many foreign students from achieving the same results of their native peers. This trend is common to all countries across Europe, but some of them show significantly larger gaps with respect to the others.</a:t>
+            </a:r>
+            <a:endParaRPr lang="it-IT" dirty="0">
+              <a:latin typeface="+mn-lt"/>
+              <a:cs typeface="Arial" panose="020B0604020202020204" pitchFamily="34" charset="0"/>
+            </a:endParaRPr>
+          </a:p>
+          <a:p>
+            <a:pPr algn="just">
+              <a:spcBef>
+                <a:spcPts val="0"/>
+              </a:spcBef>
+            </a:pPr>
+            <a:r>
+              <a:rPr lang="en-US" dirty="0">
+                <a:latin typeface="+mn-lt"/>
+                <a:cs typeface="Arial" panose="020B0604020202020204" pitchFamily="34" charset="0"/>
+              </a:rPr>
               <a:t>In this study we aimed at investigating quantitatively the reasons behind all these differences.</a:t>
             </a:r>
-            <a:endParaRPr lang="it-IT" dirty="0"/>
-          </a:p>
-          <a:p>
-            <a:endParaRPr lang="en-US" dirty="0"/>
+            <a:endParaRPr lang="it-IT" dirty="0">
+              <a:latin typeface="+mn-lt"/>
+              <a:cs typeface="Arial" panose="020B0604020202020204" pitchFamily="34" charset="0"/>
+            </a:endParaRPr>
           </a:p>
         </p:txBody>
       </p:sp>
@@ -8540,7 +8579,7 @@
           <a:p>
             <a:r>
               <a:rPr lang="en-US" dirty="0"/>
-              <a:t>INTRODUCTION</a:t>
+              <a:t>ABSTRACT</a:t>
             </a:r>
           </a:p>
         </p:txBody>
@@ -8561,12 +8600,20 @@
             <p:ph type="body" sz="quarter" idx="20"/>
           </p:nvPr>
         </p:nvSpPr>
-        <p:spPr/>
+        <p:spPr>
+          <a:xfrm>
+            <a:off x="448286" y="10423700"/>
+            <a:ext cx="9801454" cy="708327"/>
+          </a:xfrm>
+        </p:spPr>
         <p:txBody>
           <a:bodyPr/>
           <a:lstStyle/>
           <a:p>
-            <a:endParaRPr lang="en-US"/>
+            <a:r>
+              <a:rPr lang="en-US" dirty="0"/>
+              <a:t>INTRODUCTION/OBJECTIVES</a:t>
+            </a:r>
           </a:p>
         </p:txBody>
       </p:sp>
@@ -8586,12 +8633,85 @@
             <p:ph type="body" sz="quarter" idx="21"/>
           </p:nvPr>
         </p:nvSpPr>
-        <p:spPr/>
+        <p:spPr>
+          <a:xfrm>
+            <a:off x="11188322" y="5866321"/>
+            <a:ext cx="9799906" cy="5916597"/>
+          </a:xfrm>
+        </p:spPr>
         <p:txBody>
           <a:bodyPr/>
           <a:lstStyle/>
           <a:p>
-            <a:endParaRPr lang="en-US"/>
+            <a:pPr algn="just">
+              <a:spcBef>
+                <a:spcPts val="0"/>
+              </a:spcBef>
+              <a:spcAft>
+                <a:spcPts val="600"/>
+              </a:spcAft>
+            </a:pPr>
+            <a:r>
+              <a:rPr lang="en-US" b="1" u="sng" dirty="0">
+                <a:latin typeface="+mn-lt"/>
+              </a:rPr>
+              <a:t>Data Selection</a:t>
+            </a:r>
+          </a:p>
+          <a:p>
+            <a:pPr algn="just">
+              <a:spcBef>
+                <a:spcPts val="0"/>
+              </a:spcBef>
+            </a:pPr>
+            <a:r>
+              <a:rPr lang="en-US" dirty="0">
+                <a:latin typeface="+mn-lt"/>
+              </a:rPr>
+              <a:t>Starting from the data of Pisa’ OECD program of 2018, which contains student and school answers to standardized questionnaires, we restricted our analysis to 10 selected countries which had a sufficient sample of immigrant students: Austria, Belgium, Switzerland, Germany, Denmark, Spain, Great Britain, Italy, Luxemburg, Sweden.</a:t>
+            </a:r>
+          </a:p>
+          <a:p>
+            <a:pPr algn="just">
+              <a:spcBef>
+                <a:spcPts val="0"/>
+              </a:spcBef>
+            </a:pPr>
+            <a:r>
+              <a:rPr lang="en-US" dirty="0">
+                <a:latin typeface="+mn-lt"/>
+              </a:rPr>
+              <a:t>Since the number of covariates available was more than 1000 (one for each questionnaire answer), we selected the most relevant ones related to our focus on immigration. Some of the questions answered by the students were already aggregated by Pisa’s group and resulted to be the most complete. </a:t>
+            </a:r>
+            <a:endParaRPr lang="it-IT" dirty="0">
+              <a:latin typeface="+mn-lt"/>
+            </a:endParaRPr>
+          </a:p>
+          <a:p>
+            <a:pPr algn="just">
+              <a:spcBef>
+                <a:spcPts val="0"/>
+              </a:spcBef>
+            </a:pPr>
+            <a:r>
+              <a:rPr lang="en-US" dirty="0">
+                <a:latin typeface="+mn-lt"/>
+              </a:rPr>
+              <a:t>The features selected range over many fields: ESCS status, Immigration status, teacher support, sense of belonging, class size, at home weekly learning time, etc.</a:t>
+            </a:r>
+          </a:p>
+          <a:p>
+            <a:pPr algn="just">
+              <a:spcBef>
+                <a:spcPts val="0"/>
+              </a:spcBef>
+            </a:pPr>
+            <a:endParaRPr lang="it-IT" dirty="0">
+              <a:latin typeface="+mn-lt"/>
+            </a:endParaRPr>
+          </a:p>
+          <a:p>
+            <a:endParaRPr lang="en-US" dirty="0"/>
           </a:p>
         </p:txBody>
       </p:sp>
@@ -8611,12 +8731,20 @@
             <p:ph type="body" sz="quarter" idx="22"/>
           </p:nvPr>
         </p:nvSpPr>
-        <p:spPr/>
+        <p:spPr>
+          <a:xfrm>
+            <a:off x="11196736" y="5095798"/>
+            <a:ext cx="9799907" cy="708327"/>
+          </a:xfrm>
+        </p:spPr>
         <p:txBody>
           <a:bodyPr/>
           <a:lstStyle/>
           <a:p>
-            <a:endParaRPr lang="en-US"/>
+            <a:r>
+              <a:rPr lang="en-US" dirty="0"/>
+              <a:t>MATERIALS &amp; METHODS</a:t>
+            </a:r>
           </a:p>
         </p:txBody>
       </p:sp>
@@ -8636,12 +8764,22 @@
             <p:ph type="body" sz="quarter" idx="23"/>
           </p:nvPr>
         </p:nvSpPr>
-        <p:spPr/>
+        <p:spPr>
+          <a:xfrm>
+            <a:off x="21920616" y="5866321"/>
+            <a:ext cx="9799906" cy="815457"/>
+          </a:xfrm>
+        </p:spPr>
         <p:txBody>
           <a:bodyPr/>
           <a:lstStyle/>
           <a:p>
-            <a:endParaRPr lang="en-US"/>
+            <a:r>
+              <a:rPr lang="en-US" b="1" u="sng" dirty="0">
+                <a:latin typeface="+mn-lt"/>
+              </a:rPr>
+              <a:t>Data Selection</a:t>
+            </a:r>
           </a:p>
         </p:txBody>
       </p:sp>
@@ -8666,7 +8804,10 @@
           <a:bodyPr/>
           <a:lstStyle/>
           <a:p>
-            <a:endParaRPr lang="en-US"/>
+            <a:r>
+              <a:rPr lang="en-US" dirty="0"/>
+              <a:t>PLOTS &amp; RESULTS</a:t>
+            </a:r>
           </a:p>
         </p:txBody>
       </p:sp>
@@ -8836,12 +8977,75 @@
             <p:ph type="body" sz="quarter" idx="96"/>
           </p:nvPr>
         </p:nvSpPr>
-        <p:spPr/>
+        <p:spPr>
+          <a:xfrm>
+            <a:off x="465989" y="11194223"/>
+            <a:ext cx="9807648" cy="6688860"/>
+          </a:xfrm>
+        </p:spPr>
         <p:txBody>
           <a:bodyPr/>
           <a:lstStyle/>
           <a:p>
-            <a:endParaRPr lang="en-US"/>
+            <a:pPr algn="just">
+              <a:spcBef>
+                <a:spcPts val="0"/>
+              </a:spcBef>
+            </a:pPr>
+            <a:r>
+              <a:rPr lang="en-US" dirty="0">
+                <a:latin typeface="+mn-lt"/>
+              </a:rPr>
+              <a:t>The dataset we focused on is based on some tests given to students, their parents and their schools, regarding both scholastic knowledge and social questions.</a:t>
+            </a:r>
+            <a:endParaRPr lang="it-IT" dirty="0">
+              <a:latin typeface="+mn-lt"/>
+            </a:endParaRPr>
+          </a:p>
+          <a:p>
+            <a:pPr algn="just">
+              <a:spcBef>
+                <a:spcPts val="0"/>
+              </a:spcBef>
+            </a:pPr>
+            <a:r>
+              <a:rPr lang="en-US" dirty="0">
+                <a:latin typeface="+mn-lt"/>
+              </a:rPr>
+              <a:t>After a general visualization of the dataset and an analysis of it through MANOVA tests and Clustering methods, we focused on the students’ scores in math and reading noticing that there were differences between native and immigrant students in term of their results. </a:t>
+            </a:r>
+            <a:endParaRPr lang="it-IT" dirty="0">
+              <a:latin typeface="+mn-lt"/>
+            </a:endParaRPr>
+          </a:p>
+          <a:p>
+            <a:pPr algn="just">
+              <a:spcBef>
+                <a:spcPts val="0"/>
+              </a:spcBef>
+            </a:pPr>
+            <a:r>
+              <a:rPr lang="en-US" dirty="0">
+                <a:latin typeface="+mn-lt"/>
+              </a:rPr>
+              <a:t>We proceeded with a deeper analysis and the build of some models, which highlighted that the score of a student is affected by some features as his socioeconomic state, the amount of time he dedicates to study, his class’s size and some others, besides his hard work and study.  The obtained results suggested us some ways to help the lagging students, who most of the times were the immigrant ones, understanding the points that could be improved.</a:t>
+            </a:r>
+            <a:endParaRPr lang="it-IT" dirty="0">
+              <a:latin typeface="+mn-lt"/>
+            </a:endParaRPr>
+          </a:p>
+          <a:p>
+            <a:pPr algn="just">
+              <a:spcBef>
+                <a:spcPts val="0"/>
+              </a:spcBef>
+            </a:pPr>
+            <a:r>
+              <a:rPr lang="en-US" dirty="0">
+                <a:latin typeface="+mn-lt"/>
+              </a:rPr>
+              <a:t>Then, focusing on schools and proceeding with a Multinomial Logistic Regression, we clustered schools with respect to some features that affected the results of their students, highlighting what makes a school the best in terms of results and integration. </a:t>
+            </a:r>
           </a:p>
         </p:txBody>
       </p:sp>
@@ -8980,6 +9184,2061 @@
           </a:prstGeom>
         </p:spPr>
       </p:pic>
+      <p:pic>
+        <p:nvPicPr>
+          <p:cNvPr id="19" name="Immagine 18">
+            <a:extLst>
+              <a:ext uri="{FF2B5EF4-FFF2-40B4-BE49-F238E27FC236}">
+                <a16:creationId xmlns:a16="http://schemas.microsoft.com/office/drawing/2014/main" id="{D16EBA06-E04F-3F60-7613-B83DE940734F}"/>
+              </a:ext>
+            </a:extLst>
+          </p:cNvPr>
+          <p:cNvPicPr>
+            <a:picLocks noChangeAspect="1"/>
+          </p:cNvPicPr>
+          <p:nvPr/>
+        </p:nvPicPr>
+        <p:blipFill>
+          <a:blip r:embed="rId4">
+            <a:extLst>
+              <a:ext uri="{28A0092B-C50C-407E-A947-70E740481C1C}">
+                <a14:useLocalDpi xmlns:a14="http://schemas.microsoft.com/office/drawing/2010/main" val="0"/>
+              </a:ext>
+            </a:extLst>
+          </a:blip>
+          <a:stretch>
+            <a:fillRect/>
+          </a:stretch>
+        </p:blipFill>
+        <p:spPr>
+          <a:xfrm>
+            <a:off x="21920616" y="6871692"/>
+            <a:ext cx="4438080" cy="3312000"/>
+          </a:xfrm>
+          <a:prstGeom prst="rect">
+            <a:avLst/>
+          </a:prstGeom>
+        </p:spPr>
+      </p:pic>
+      <p:sp>
+        <p:nvSpPr>
+          <p:cNvPr id="25" name="Text Placeholder 4">
+            <a:extLst>
+              <a:ext uri="{FF2B5EF4-FFF2-40B4-BE49-F238E27FC236}">
+                <a16:creationId xmlns:a16="http://schemas.microsoft.com/office/drawing/2014/main" id="{D9F59B1B-341E-AB10-939A-A01872BE2024}"/>
+              </a:ext>
+            </a:extLst>
+          </p:cNvPr>
+          <p:cNvSpPr txBox="1">
+            <a:spLocks/>
+          </p:cNvSpPr>
+          <p:nvPr/>
+        </p:nvSpPr>
+        <p:spPr>
+          <a:xfrm>
+            <a:off x="11188322" y="10981188"/>
+            <a:ext cx="9799906" cy="2378449"/>
+          </a:xfrm>
+          <a:prstGeom prst="rect">
+            <a:avLst/>
+          </a:prstGeom>
+        </p:spPr>
+        <p:txBody>
+          <a:bodyPr wrap="square" lIns="228589" tIns="228589" rIns="228589" bIns="228589">
+            <a:spAutoFit/>
+          </a:bodyPr>
+          <a:lstStyle>
+            <a:lvl1pPr marL="0" indent="0" algn="l" defTabSz="4036471" rtl="0" eaLnBrk="1" latinLnBrk="0" hangingPunct="1">
+              <a:spcBef>
+                <a:spcPct val="20000"/>
+              </a:spcBef>
+              <a:buFont typeface="Arial" pitchFamily="34" charset="0"/>
+              <a:buNone/>
+              <a:defRPr sz="2299" kern="1200">
+                <a:solidFill>
+                  <a:schemeClr val="accent5">
+                    <a:lumMod val="50000"/>
+                  </a:schemeClr>
+                </a:solidFill>
+                <a:latin typeface="Times New Roman" pitchFamily="18" charset="0"/>
+                <a:ea typeface="+mn-ea"/>
+                <a:cs typeface="Times New Roman" pitchFamily="18" charset="0"/>
+              </a:defRPr>
+            </a:lvl1pPr>
+            <a:lvl2pPr marL="1366513" indent="-525582" algn="l" defTabSz="4036471" rtl="0" eaLnBrk="1" latinLnBrk="0" hangingPunct="1">
+              <a:spcBef>
+                <a:spcPct val="20000"/>
+              </a:spcBef>
+              <a:buFont typeface="Arial" pitchFamily="34" charset="0"/>
+              <a:buChar char="–"/>
+              <a:defRPr sz="2299" kern="1200">
+                <a:solidFill>
+                  <a:schemeClr val="tx1"/>
+                </a:solidFill>
+                <a:latin typeface="Trebuchet MS" pitchFamily="34" charset="0"/>
+                <a:ea typeface="+mn-ea"/>
+                <a:cs typeface="+mn-cs"/>
+              </a:defRPr>
+            </a:lvl2pPr>
+            <a:lvl3pPr marL="1892096" indent="-525582" algn="l" defTabSz="4036471" rtl="0" eaLnBrk="1" latinLnBrk="0" hangingPunct="1">
+              <a:spcBef>
+                <a:spcPct val="20000"/>
+              </a:spcBef>
+              <a:buFont typeface="Arial" pitchFamily="34" charset="0"/>
+              <a:buChar char="•"/>
+              <a:defRPr sz="2299" kern="1200">
+                <a:solidFill>
+                  <a:schemeClr val="tx1"/>
+                </a:solidFill>
+                <a:latin typeface="Trebuchet MS" pitchFamily="34" charset="0"/>
+                <a:ea typeface="+mn-ea"/>
+                <a:cs typeface="+mn-cs"/>
+              </a:defRPr>
+            </a:lvl3pPr>
+            <a:lvl4pPr marL="2470237" indent="-578141" algn="l" defTabSz="4036471" rtl="0" eaLnBrk="1" latinLnBrk="0" hangingPunct="1">
+              <a:spcBef>
+                <a:spcPct val="20000"/>
+              </a:spcBef>
+              <a:buFont typeface="Arial" pitchFamily="34" charset="0"/>
+              <a:buChar char="–"/>
+              <a:defRPr sz="2299" kern="1200">
+                <a:solidFill>
+                  <a:schemeClr val="tx1"/>
+                </a:solidFill>
+                <a:latin typeface="Trebuchet MS" pitchFamily="34" charset="0"/>
+                <a:ea typeface="+mn-ea"/>
+                <a:cs typeface="+mn-cs"/>
+              </a:defRPr>
+            </a:lvl4pPr>
+            <a:lvl5pPr marL="2890703" indent="-420466" algn="l" defTabSz="4036471" rtl="0" eaLnBrk="1" latinLnBrk="0" hangingPunct="1">
+              <a:spcBef>
+                <a:spcPct val="20000"/>
+              </a:spcBef>
+              <a:buFont typeface="Arial" pitchFamily="34" charset="0"/>
+              <a:buChar char="»"/>
+              <a:defRPr sz="2299" kern="1200">
+                <a:solidFill>
+                  <a:schemeClr val="tx1"/>
+                </a:solidFill>
+                <a:latin typeface="Trebuchet MS" pitchFamily="34" charset="0"/>
+                <a:ea typeface="+mn-ea"/>
+                <a:cs typeface="+mn-cs"/>
+              </a:defRPr>
+            </a:lvl5pPr>
+            <a:lvl6pPr marL="11100298" indent="-1009119" algn="l" defTabSz="4036471" rtl="0" eaLnBrk="1" latinLnBrk="0" hangingPunct="1">
+              <a:spcBef>
+                <a:spcPct val="20000"/>
+              </a:spcBef>
+              <a:buFont typeface="Arial" pitchFamily="34" charset="0"/>
+              <a:buChar char="•"/>
+              <a:defRPr sz="8829" kern="1200">
+                <a:solidFill>
+                  <a:schemeClr val="tx1"/>
+                </a:solidFill>
+                <a:latin typeface="+mn-lt"/>
+                <a:ea typeface="+mn-ea"/>
+                <a:cs typeface="+mn-cs"/>
+              </a:defRPr>
+            </a:lvl6pPr>
+            <a:lvl7pPr marL="13118533" indent="-1009119" algn="l" defTabSz="4036471" rtl="0" eaLnBrk="1" latinLnBrk="0" hangingPunct="1">
+              <a:spcBef>
+                <a:spcPct val="20000"/>
+              </a:spcBef>
+              <a:buFont typeface="Arial" pitchFamily="34" charset="0"/>
+              <a:buChar char="•"/>
+              <a:defRPr sz="8829" kern="1200">
+                <a:solidFill>
+                  <a:schemeClr val="tx1"/>
+                </a:solidFill>
+                <a:latin typeface="+mn-lt"/>
+                <a:ea typeface="+mn-ea"/>
+                <a:cs typeface="+mn-cs"/>
+              </a:defRPr>
+            </a:lvl7pPr>
+            <a:lvl8pPr marL="15136769" indent="-1009119" algn="l" defTabSz="4036471" rtl="0" eaLnBrk="1" latinLnBrk="0" hangingPunct="1">
+              <a:spcBef>
+                <a:spcPct val="20000"/>
+              </a:spcBef>
+              <a:buFont typeface="Arial" pitchFamily="34" charset="0"/>
+              <a:buChar char="•"/>
+              <a:defRPr sz="8829" kern="1200">
+                <a:solidFill>
+                  <a:schemeClr val="tx1"/>
+                </a:solidFill>
+                <a:latin typeface="+mn-lt"/>
+                <a:ea typeface="+mn-ea"/>
+                <a:cs typeface="+mn-cs"/>
+              </a:defRPr>
+            </a:lvl8pPr>
+            <a:lvl9pPr marL="17155005" indent="-1009119" algn="l" defTabSz="4036471" rtl="0" eaLnBrk="1" latinLnBrk="0" hangingPunct="1">
+              <a:spcBef>
+                <a:spcPct val="20000"/>
+              </a:spcBef>
+              <a:buFont typeface="Arial" pitchFamily="34" charset="0"/>
+              <a:buChar char="•"/>
+              <a:defRPr sz="8829" kern="1200">
+                <a:solidFill>
+                  <a:schemeClr val="tx1"/>
+                </a:solidFill>
+                <a:latin typeface="+mn-lt"/>
+                <a:ea typeface="+mn-ea"/>
+                <a:cs typeface="+mn-cs"/>
+              </a:defRPr>
+            </a:lvl9pPr>
+          </a:lstStyle>
+          <a:p>
+            <a:pPr algn="just">
+              <a:spcBef>
+                <a:spcPts val="0"/>
+              </a:spcBef>
+              <a:spcAft>
+                <a:spcPts val="600"/>
+              </a:spcAft>
+            </a:pPr>
+            <a:r>
+              <a:rPr lang="en-US" b="1" u="sng" dirty="0">
+                <a:latin typeface="+mn-lt"/>
+              </a:rPr>
+              <a:t>Clustering</a:t>
+            </a:r>
+          </a:p>
+          <a:p>
+            <a:pPr algn="just"/>
+            <a:r>
+              <a:rPr lang="en-GB" dirty="0">
+                <a:latin typeface="+mn-lt"/>
+              </a:rPr>
+              <a:t>We first qualitatively visualised our dataset trough clustering. Using k-means on the dataset containing the observations of all European students, we came up with three balanced clusters which are not perfectly divided but seem to confirm our hypothesis that immigrants are generally less successful at school.</a:t>
+            </a:r>
+            <a:endParaRPr lang="it-IT" dirty="0">
+              <a:latin typeface="+mn-lt"/>
+            </a:endParaRPr>
+          </a:p>
+        </p:txBody>
+      </p:sp>
+      <p:sp>
+        <p:nvSpPr>
+          <p:cNvPr id="29" name="Text Placeholder 4">
+            <a:extLst>
+              <a:ext uri="{FF2B5EF4-FFF2-40B4-BE49-F238E27FC236}">
+                <a16:creationId xmlns:a16="http://schemas.microsoft.com/office/drawing/2014/main" id="{3B880278-E8D7-367E-14FC-D1BAB63F3C2D}"/>
+              </a:ext>
+            </a:extLst>
+          </p:cNvPr>
+          <p:cNvSpPr txBox="1">
+            <a:spLocks/>
+          </p:cNvSpPr>
+          <p:nvPr/>
+        </p:nvSpPr>
+        <p:spPr>
+          <a:xfrm>
+            <a:off x="11188322" y="13664770"/>
+            <a:ext cx="9799906" cy="2024635"/>
+          </a:xfrm>
+          <a:prstGeom prst="rect">
+            <a:avLst/>
+          </a:prstGeom>
+        </p:spPr>
+        <p:txBody>
+          <a:bodyPr wrap="square" lIns="228589" tIns="228589" rIns="228589" bIns="228589">
+            <a:spAutoFit/>
+          </a:bodyPr>
+          <a:lstStyle>
+            <a:lvl1pPr marL="0" indent="0" algn="l" defTabSz="4036471" rtl="0" eaLnBrk="1" latinLnBrk="0" hangingPunct="1">
+              <a:spcBef>
+                <a:spcPct val="20000"/>
+              </a:spcBef>
+              <a:buFont typeface="Arial" pitchFamily="34" charset="0"/>
+              <a:buNone/>
+              <a:defRPr sz="2299" kern="1200">
+                <a:solidFill>
+                  <a:schemeClr val="accent5">
+                    <a:lumMod val="50000"/>
+                  </a:schemeClr>
+                </a:solidFill>
+                <a:latin typeface="Times New Roman" pitchFamily="18" charset="0"/>
+                <a:ea typeface="+mn-ea"/>
+                <a:cs typeface="Times New Roman" pitchFamily="18" charset="0"/>
+              </a:defRPr>
+            </a:lvl1pPr>
+            <a:lvl2pPr marL="1366513" indent="-525582" algn="l" defTabSz="4036471" rtl="0" eaLnBrk="1" latinLnBrk="0" hangingPunct="1">
+              <a:spcBef>
+                <a:spcPct val="20000"/>
+              </a:spcBef>
+              <a:buFont typeface="Arial" pitchFamily="34" charset="0"/>
+              <a:buChar char="–"/>
+              <a:defRPr sz="2299" kern="1200">
+                <a:solidFill>
+                  <a:schemeClr val="tx1"/>
+                </a:solidFill>
+                <a:latin typeface="Trebuchet MS" pitchFamily="34" charset="0"/>
+                <a:ea typeface="+mn-ea"/>
+                <a:cs typeface="+mn-cs"/>
+              </a:defRPr>
+            </a:lvl2pPr>
+            <a:lvl3pPr marL="1892096" indent="-525582" algn="l" defTabSz="4036471" rtl="0" eaLnBrk="1" latinLnBrk="0" hangingPunct="1">
+              <a:spcBef>
+                <a:spcPct val="20000"/>
+              </a:spcBef>
+              <a:buFont typeface="Arial" pitchFamily="34" charset="0"/>
+              <a:buChar char="•"/>
+              <a:defRPr sz="2299" kern="1200">
+                <a:solidFill>
+                  <a:schemeClr val="tx1"/>
+                </a:solidFill>
+                <a:latin typeface="Trebuchet MS" pitchFamily="34" charset="0"/>
+                <a:ea typeface="+mn-ea"/>
+                <a:cs typeface="+mn-cs"/>
+              </a:defRPr>
+            </a:lvl3pPr>
+            <a:lvl4pPr marL="2470237" indent="-578141" algn="l" defTabSz="4036471" rtl="0" eaLnBrk="1" latinLnBrk="0" hangingPunct="1">
+              <a:spcBef>
+                <a:spcPct val="20000"/>
+              </a:spcBef>
+              <a:buFont typeface="Arial" pitchFamily="34" charset="0"/>
+              <a:buChar char="–"/>
+              <a:defRPr sz="2299" kern="1200">
+                <a:solidFill>
+                  <a:schemeClr val="tx1"/>
+                </a:solidFill>
+                <a:latin typeface="Trebuchet MS" pitchFamily="34" charset="0"/>
+                <a:ea typeface="+mn-ea"/>
+                <a:cs typeface="+mn-cs"/>
+              </a:defRPr>
+            </a:lvl4pPr>
+            <a:lvl5pPr marL="2890703" indent="-420466" algn="l" defTabSz="4036471" rtl="0" eaLnBrk="1" latinLnBrk="0" hangingPunct="1">
+              <a:spcBef>
+                <a:spcPct val="20000"/>
+              </a:spcBef>
+              <a:buFont typeface="Arial" pitchFamily="34" charset="0"/>
+              <a:buChar char="»"/>
+              <a:defRPr sz="2299" kern="1200">
+                <a:solidFill>
+                  <a:schemeClr val="tx1"/>
+                </a:solidFill>
+                <a:latin typeface="Trebuchet MS" pitchFamily="34" charset="0"/>
+                <a:ea typeface="+mn-ea"/>
+                <a:cs typeface="+mn-cs"/>
+              </a:defRPr>
+            </a:lvl5pPr>
+            <a:lvl6pPr marL="11100298" indent="-1009119" algn="l" defTabSz="4036471" rtl="0" eaLnBrk="1" latinLnBrk="0" hangingPunct="1">
+              <a:spcBef>
+                <a:spcPct val="20000"/>
+              </a:spcBef>
+              <a:buFont typeface="Arial" pitchFamily="34" charset="0"/>
+              <a:buChar char="•"/>
+              <a:defRPr sz="8829" kern="1200">
+                <a:solidFill>
+                  <a:schemeClr val="tx1"/>
+                </a:solidFill>
+                <a:latin typeface="+mn-lt"/>
+                <a:ea typeface="+mn-ea"/>
+                <a:cs typeface="+mn-cs"/>
+              </a:defRPr>
+            </a:lvl6pPr>
+            <a:lvl7pPr marL="13118533" indent="-1009119" algn="l" defTabSz="4036471" rtl="0" eaLnBrk="1" latinLnBrk="0" hangingPunct="1">
+              <a:spcBef>
+                <a:spcPct val="20000"/>
+              </a:spcBef>
+              <a:buFont typeface="Arial" pitchFamily="34" charset="0"/>
+              <a:buChar char="•"/>
+              <a:defRPr sz="8829" kern="1200">
+                <a:solidFill>
+                  <a:schemeClr val="tx1"/>
+                </a:solidFill>
+                <a:latin typeface="+mn-lt"/>
+                <a:ea typeface="+mn-ea"/>
+                <a:cs typeface="+mn-cs"/>
+              </a:defRPr>
+            </a:lvl7pPr>
+            <a:lvl8pPr marL="15136769" indent="-1009119" algn="l" defTabSz="4036471" rtl="0" eaLnBrk="1" latinLnBrk="0" hangingPunct="1">
+              <a:spcBef>
+                <a:spcPct val="20000"/>
+              </a:spcBef>
+              <a:buFont typeface="Arial" pitchFamily="34" charset="0"/>
+              <a:buChar char="•"/>
+              <a:defRPr sz="8829" kern="1200">
+                <a:solidFill>
+                  <a:schemeClr val="tx1"/>
+                </a:solidFill>
+                <a:latin typeface="+mn-lt"/>
+                <a:ea typeface="+mn-ea"/>
+                <a:cs typeface="+mn-cs"/>
+              </a:defRPr>
+            </a:lvl8pPr>
+            <a:lvl9pPr marL="17155005" indent="-1009119" algn="l" defTabSz="4036471" rtl="0" eaLnBrk="1" latinLnBrk="0" hangingPunct="1">
+              <a:spcBef>
+                <a:spcPct val="20000"/>
+              </a:spcBef>
+              <a:buFont typeface="Arial" pitchFamily="34" charset="0"/>
+              <a:buChar char="•"/>
+              <a:defRPr sz="8829" kern="1200">
+                <a:solidFill>
+                  <a:schemeClr val="tx1"/>
+                </a:solidFill>
+                <a:latin typeface="+mn-lt"/>
+                <a:ea typeface="+mn-ea"/>
+                <a:cs typeface="+mn-cs"/>
+              </a:defRPr>
+            </a:lvl9pPr>
+          </a:lstStyle>
+          <a:p>
+            <a:pPr algn="just">
+              <a:spcBef>
+                <a:spcPts val="0"/>
+              </a:spcBef>
+              <a:spcAft>
+                <a:spcPts val="600"/>
+              </a:spcAft>
+            </a:pPr>
+            <a:r>
+              <a:rPr lang="en-US" b="1" u="sng" dirty="0">
+                <a:latin typeface="+mn-lt"/>
+              </a:rPr>
+              <a:t>MANOVA</a:t>
+            </a:r>
+          </a:p>
+          <a:p>
+            <a:pPr algn="just"/>
+            <a:r>
+              <a:rPr lang="en-US" dirty="0">
+                <a:latin typeface="+mn-lt"/>
+              </a:rPr>
+              <a:t>We then used MANOVA to get statistical evidence for our hypothesis of there being differences between native and immigrant students in math and reading scores. Then we further investigated other differences between these groups.</a:t>
+            </a:r>
+            <a:endParaRPr lang="it-IT" dirty="0">
+              <a:latin typeface="+mn-lt"/>
+            </a:endParaRPr>
+          </a:p>
+        </p:txBody>
+      </p:sp>
+      <p:sp>
+        <p:nvSpPr>
+          <p:cNvPr id="30" name="Text Placeholder 4">
+            <a:extLst>
+              <a:ext uri="{FF2B5EF4-FFF2-40B4-BE49-F238E27FC236}">
+                <a16:creationId xmlns:a16="http://schemas.microsoft.com/office/drawing/2014/main" id="{CA151401-7CBA-F04E-F8CC-562C6F720D5A}"/>
+              </a:ext>
+            </a:extLst>
+          </p:cNvPr>
+          <p:cNvSpPr txBox="1">
+            <a:spLocks/>
+          </p:cNvSpPr>
+          <p:nvPr/>
+        </p:nvSpPr>
+        <p:spPr>
+          <a:xfrm>
+            <a:off x="11188322" y="16277299"/>
+            <a:ext cx="9799906" cy="3864497"/>
+          </a:xfrm>
+          <a:prstGeom prst="rect">
+            <a:avLst/>
+          </a:prstGeom>
+        </p:spPr>
+        <p:txBody>
+          <a:bodyPr wrap="square" lIns="228589" tIns="228589" rIns="228589" bIns="228589">
+            <a:spAutoFit/>
+          </a:bodyPr>
+          <a:lstStyle>
+            <a:lvl1pPr marL="0" indent="0" algn="l" defTabSz="4036471" rtl="0" eaLnBrk="1" latinLnBrk="0" hangingPunct="1">
+              <a:spcBef>
+                <a:spcPct val="20000"/>
+              </a:spcBef>
+              <a:buFont typeface="Arial" pitchFamily="34" charset="0"/>
+              <a:buNone/>
+              <a:defRPr sz="2299" kern="1200">
+                <a:solidFill>
+                  <a:schemeClr val="accent5">
+                    <a:lumMod val="50000"/>
+                  </a:schemeClr>
+                </a:solidFill>
+                <a:latin typeface="Times New Roman" pitchFamily="18" charset="0"/>
+                <a:ea typeface="+mn-ea"/>
+                <a:cs typeface="Times New Roman" pitchFamily="18" charset="0"/>
+              </a:defRPr>
+            </a:lvl1pPr>
+            <a:lvl2pPr marL="1366513" indent="-525582" algn="l" defTabSz="4036471" rtl="0" eaLnBrk="1" latinLnBrk="0" hangingPunct="1">
+              <a:spcBef>
+                <a:spcPct val="20000"/>
+              </a:spcBef>
+              <a:buFont typeface="Arial" pitchFamily="34" charset="0"/>
+              <a:buChar char="–"/>
+              <a:defRPr sz="2299" kern="1200">
+                <a:solidFill>
+                  <a:schemeClr val="tx1"/>
+                </a:solidFill>
+                <a:latin typeface="Trebuchet MS" pitchFamily="34" charset="0"/>
+                <a:ea typeface="+mn-ea"/>
+                <a:cs typeface="+mn-cs"/>
+              </a:defRPr>
+            </a:lvl2pPr>
+            <a:lvl3pPr marL="1892096" indent="-525582" algn="l" defTabSz="4036471" rtl="0" eaLnBrk="1" latinLnBrk="0" hangingPunct="1">
+              <a:spcBef>
+                <a:spcPct val="20000"/>
+              </a:spcBef>
+              <a:buFont typeface="Arial" pitchFamily="34" charset="0"/>
+              <a:buChar char="•"/>
+              <a:defRPr sz="2299" kern="1200">
+                <a:solidFill>
+                  <a:schemeClr val="tx1"/>
+                </a:solidFill>
+                <a:latin typeface="Trebuchet MS" pitchFamily="34" charset="0"/>
+                <a:ea typeface="+mn-ea"/>
+                <a:cs typeface="+mn-cs"/>
+              </a:defRPr>
+            </a:lvl3pPr>
+            <a:lvl4pPr marL="2470237" indent="-578141" algn="l" defTabSz="4036471" rtl="0" eaLnBrk="1" latinLnBrk="0" hangingPunct="1">
+              <a:spcBef>
+                <a:spcPct val="20000"/>
+              </a:spcBef>
+              <a:buFont typeface="Arial" pitchFamily="34" charset="0"/>
+              <a:buChar char="–"/>
+              <a:defRPr sz="2299" kern="1200">
+                <a:solidFill>
+                  <a:schemeClr val="tx1"/>
+                </a:solidFill>
+                <a:latin typeface="Trebuchet MS" pitchFamily="34" charset="0"/>
+                <a:ea typeface="+mn-ea"/>
+                <a:cs typeface="+mn-cs"/>
+              </a:defRPr>
+            </a:lvl4pPr>
+            <a:lvl5pPr marL="2890703" indent="-420466" algn="l" defTabSz="4036471" rtl="0" eaLnBrk="1" latinLnBrk="0" hangingPunct="1">
+              <a:spcBef>
+                <a:spcPct val="20000"/>
+              </a:spcBef>
+              <a:buFont typeface="Arial" pitchFamily="34" charset="0"/>
+              <a:buChar char="»"/>
+              <a:defRPr sz="2299" kern="1200">
+                <a:solidFill>
+                  <a:schemeClr val="tx1"/>
+                </a:solidFill>
+                <a:latin typeface="Trebuchet MS" pitchFamily="34" charset="0"/>
+                <a:ea typeface="+mn-ea"/>
+                <a:cs typeface="+mn-cs"/>
+              </a:defRPr>
+            </a:lvl5pPr>
+            <a:lvl6pPr marL="11100298" indent="-1009119" algn="l" defTabSz="4036471" rtl="0" eaLnBrk="1" latinLnBrk="0" hangingPunct="1">
+              <a:spcBef>
+                <a:spcPct val="20000"/>
+              </a:spcBef>
+              <a:buFont typeface="Arial" pitchFamily="34" charset="0"/>
+              <a:buChar char="•"/>
+              <a:defRPr sz="8829" kern="1200">
+                <a:solidFill>
+                  <a:schemeClr val="tx1"/>
+                </a:solidFill>
+                <a:latin typeface="+mn-lt"/>
+                <a:ea typeface="+mn-ea"/>
+                <a:cs typeface="+mn-cs"/>
+              </a:defRPr>
+            </a:lvl6pPr>
+            <a:lvl7pPr marL="13118533" indent="-1009119" algn="l" defTabSz="4036471" rtl="0" eaLnBrk="1" latinLnBrk="0" hangingPunct="1">
+              <a:spcBef>
+                <a:spcPct val="20000"/>
+              </a:spcBef>
+              <a:buFont typeface="Arial" pitchFamily="34" charset="0"/>
+              <a:buChar char="•"/>
+              <a:defRPr sz="8829" kern="1200">
+                <a:solidFill>
+                  <a:schemeClr val="tx1"/>
+                </a:solidFill>
+                <a:latin typeface="+mn-lt"/>
+                <a:ea typeface="+mn-ea"/>
+                <a:cs typeface="+mn-cs"/>
+              </a:defRPr>
+            </a:lvl7pPr>
+            <a:lvl8pPr marL="15136769" indent="-1009119" algn="l" defTabSz="4036471" rtl="0" eaLnBrk="1" latinLnBrk="0" hangingPunct="1">
+              <a:spcBef>
+                <a:spcPct val="20000"/>
+              </a:spcBef>
+              <a:buFont typeface="Arial" pitchFamily="34" charset="0"/>
+              <a:buChar char="•"/>
+              <a:defRPr sz="8829" kern="1200">
+                <a:solidFill>
+                  <a:schemeClr val="tx1"/>
+                </a:solidFill>
+                <a:latin typeface="+mn-lt"/>
+                <a:ea typeface="+mn-ea"/>
+                <a:cs typeface="+mn-cs"/>
+              </a:defRPr>
+            </a:lvl8pPr>
+            <a:lvl9pPr marL="17155005" indent="-1009119" algn="l" defTabSz="4036471" rtl="0" eaLnBrk="1" latinLnBrk="0" hangingPunct="1">
+              <a:spcBef>
+                <a:spcPct val="20000"/>
+              </a:spcBef>
+              <a:buFont typeface="Arial" pitchFamily="34" charset="0"/>
+              <a:buChar char="•"/>
+              <a:defRPr sz="8829" kern="1200">
+                <a:solidFill>
+                  <a:schemeClr val="tx1"/>
+                </a:solidFill>
+                <a:latin typeface="+mn-lt"/>
+                <a:ea typeface="+mn-ea"/>
+                <a:cs typeface="+mn-cs"/>
+              </a:defRPr>
+            </a:lvl9pPr>
+          </a:lstStyle>
+          <a:p>
+            <a:pPr algn="just">
+              <a:spcBef>
+                <a:spcPts val="0"/>
+              </a:spcBef>
+              <a:spcAft>
+                <a:spcPts val="600"/>
+              </a:spcAft>
+            </a:pPr>
+            <a:r>
+              <a:rPr lang="en-US" b="1" u="sng" dirty="0">
+                <a:latin typeface="+mn-lt"/>
+              </a:rPr>
+              <a:t>Linear Models</a:t>
+            </a:r>
+          </a:p>
+          <a:p>
+            <a:pPr algn="just">
+              <a:spcBef>
+                <a:spcPts val="0"/>
+              </a:spcBef>
+            </a:pPr>
+            <a:r>
+              <a:rPr lang="en-US" dirty="0">
+                <a:latin typeface="+mn-lt"/>
+              </a:rPr>
+              <a:t>After assessing the presence of differences in scores between immigrants and natives we tried to understand which features are most important for a student’s scholastic success, to find the optimal way for schools to help lagging students and to have a better integration system.</a:t>
+            </a:r>
+            <a:endParaRPr lang="it-IT" dirty="0">
+              <a:latin typeface="+mn-lt"/>
+            </a:endParaRPr>
+          </a:p>
+          <a:p>
+            <a:pPr algn="just">
+              <a:spcBef>
+                <a:spcPts val="0"/>
+              </a:spcBef>
+            </a:pPr>
+            <a:r>
+              <a:rPr lang="en-US" dirty="0">
+                <a:latin typeface="+mn-lt"/>
+              </a:rPr>
+              <a:t>By focusing our aim on three datasets (European aggregated dataset, Great Britain as the most performing country with respect to integration, and Denmark as the worst one) and using as our target variable the scores of math and reading, we selected the best model through backward selection.</a:t>
+            </a:r>
+            <a:endParaRPr lang="it-IT" dirty="0">
+              <a:latin typeface="+mn-lt"/>
+            </a:endParaRPr>
+          </a:p>
+        </p:txBody>
+      </p:sp>
+      <p:sp>
+        <p:nvSpPr>
+          <p:cNvPr id="32" name="Text Placeholder 4">
+            <a:extLst>
+              <a:ext uri="{FF2B5EF4-FFF2-40B4-BE49-F238E27FC236}">
+                <a16:creationId xmlns:a16="http://schemas.microsoft.com/office/drawing/2014/main" id="{8467A902-5C0E-6A70-75BD-C4BBAC4F6A58}"/>
+              </a:ext>
+            </a:extLst>
+          </p:cNvPr>
+          <p:cNvSpPr txBox="1">
+            <a:spLocks/>
+          </p:cNvSpPr>
+          <p:nvPr/>
+        </p:nvSpPr>
+        <p:spPr>
+          <a:xfrm>
+            <a:off x="11188322" y="20141796"/>
+            <a:ext cx="9799906" cy="4218312"/>
+          </a:xfrm>
+          <a:prstGeom prst="rect">
+            <a:avLst/>
+          </a:prstGeom>
+        </p:spPr>
+        <p:txBody>
+          <a:bodyPr wrap="square" lIns="228589" tIns="228589" rIns="228589" bIns="228589">
+            <a:spAutoFit/>
+          </a:bodyPr>
+          <a:lstStyle>
+            <a:lvl1pPr marL="0" indent="0" algn="l" defTabSz="4036471" rtl="0" eaLnBrk="1" latinLnBrk="0" hangingPunct="1">
+              <a:spcBef>
+                <a:spcPct val="20000"/>
+              </a:spcBef>
+              <a:buFont typeface="Arial" pitchFamily="34" charset="0"/>
+              <a:buNone/>
+              <a:defRPr sz="2299" kern="1200">
+                <a:solidFill>
+                  <a:schemeClr val="accent5">
+                    <a:lumMod val="50000"/>
+                  </a:schemeClr>
+                </a:solidFill>
+                <a:latin typeface="Times New Roman" pitchFamily="18" charset="0"/>
+                <a:ea typeface="+mn-ea"/>
+                <a:cs typeface="Times New Roman" pitchFamily="18" charset="0"/>
+              </a:defRPr>
+            </a:lvl1pPr>
+            <a:lvl2pPr marL="1366513" indent="-525582" algn="l" defTabSz="4036471" rtl="0" eaLnBrk="1" latinLnBrk="0" hangingPunct="1">
+              <a:spcBef>
+                <a:spcPct val="20000"/>
+              </a:spcBef>
+              <a:buFont typeface="Arial" pitchFamily="34" charset="0"/>
+              <a:buChar char="–"/>
+              <a:defRPr sz="2299" kern="1200">
+                <a:solidFill>
+                  <a:schemeClr val="tx1"/>
+                </a:solidFill>
+                <a:latin typeface="Trebuchet MS" pitchFamily="34" charset="0"/>
+                <a:ea typeface="+mn-ea"/>
+                <a:cs typeface="+mn-cs"/>
+              </a:defRPr>
+            </a:lvl2pPr>
+            <a:lvl3pPr marL="1892096" indent="-525582" algn="l" defTabSz="4036471" rtl="0" eaLnBrk="1" latinLnBrk="0" hangingPunct="1">
+              <a:spcBef>
+                <a:spcPct val="20000"/>
+              </a:spcBef>
+              <a:buFont typeface="Arial" pitchFamily="34" charset="0"/>
+              <a:buChar char="•"/>
+              <a:defRPr sz="2299" kern="1200">
+                <a:solidFill>
+                  <a:schemeClr val="tx1"/>
+                </a:solidFill>
+                <a:latin typeface="Trebuchet MS" pitchFamily="34" charset="0"/>
+                <a:ea typeface="+mn-ea"/>
+                <a:cs typeface="+mn-cs"/>
+              </a:defRPr>
+            </a:lvl3pPr>
+            <a:lvl4pPr marL="2470237" indent="-578141" algn="l" defTabSz="4036471" rtl="0" eaLnBrk="1" latinLnBrk="0" hangingPunct="1">
+              <a:spcBef>
+                <a:spcPct val="20000"/>
+              </a:spcBef>
+              <a:buFont typeface="Arial" pitchFamily="34" charset="0"/>
+              <a:buChar char="–"/>
+              <a:defRPr sz="2299" kern="1200">
+                <a:solidFill>
+                  <a:schemeClr val="tx1"/>
+                </a:solidFill>
+                <a:latin typeface="Trebuchet MS" pitchFamily="34" charset="0"/>
+                <a:ea typeface="+mn-ea"/>
+                <a:cs typeface="+mn-cs"/>
+              </a:defRPr>
+            </a:lvl4pPr>
+            <a:lvl5pPr marL="2890703" indent="-420466" algn="l" defTabSz="4036471" rtl="0" eaLnBrk="1" latinLnBrk="0" hangingPunct="1">
+              <a:spcBef>
+                <a:spcPct val="20000"/>
+              </a:spcBef>
+              <a:buFont typeface="Arial" pitchFamily="34" charset="0"/>
+              <a:buChar char="»"/>
+              <a:defRPr sz="2299" kern="1200">
+                <a:solidFill>
+                  <a:schemeClr val="tx1"/>
+                </a:solidFill>
+                <a:latin typeface="Trebuchet MS" pitchFamily="34" charset="0"/>
+                <a:ea typeface="+mn-ea"/>
+                <a:cs typeface="+mn-cs"/>
+              </a:defRPr>
+            </a:lvl5pPr>
+            <a:lvl6pPr marL="11100298" indent="-1009119" algn="l" defTabSz="4036471" rtl="0" eaLnBrk="1" latinLnBrk="0" hangingPunct="1">
+              <a:spcBef>
+                <a:spcPct val="20000"/>
+              </a:spcBef>
+              <a:buFont typeface="Arial" pitchFamily="34" charset="0"/>
+              <a:buChar char="•"/>
+              <a:defRPr sz="8829" kern="1200">
+                <a:solidFill>
+                  <a:schemeClr val="tx1"/>
+                </a:solidFill>
+                <a:latin typeface="+mn-lt"/>
+                <a:ea typeface="+mn-ea"/>
+                <a:cs typeface="+mn-cs"/>
+              </a:defRPr>
+            </a:lvl6pPr>
+            <a:lvl7pPr marL="13118533" indent="-1009119" algn="l" defTabSz="4036471" rtl="0" eaLnBrk="1" latinLnBrk="0" hangingPunct="1">
+              <a:spcBef>
+                <a:spcPct val="20000"/>
+              </a:spcBef>
+              <a:buFont typeface="Arial" pitchFamily="34" charset="0"/>
+              <a:buChar char="•"/>
+              <a:defRPr sz="8829" kern="1200">
+                <a:solidFill>
+                  <a:schemeClr val="tx1"/>
+                </a:solidFill>
+                <a:latin typeface="+mn-lt"/>
+                <a:ea typeface="+mn-ea"/>
+                <a:cs typeface="+mn-cs"/>
+              </a:defRPr>
+            </a:lvl7pPr>
+            <a:lvl8pPr marL="15136769" indent="-1009119" algn="l" defTabSz="4036471" rtl="0" eaLnBrk="1" latinLnBrk="0" hangingPunct="1">
+              <a:spcBef>
+                <a:spcPct val="20000"/>
+              </a:spcBef>
+              <a:buFont typeface="Arial" pitchFamily="34" charset="0"/>
+              <a:buChar char="•"/>
+              <a:defRPr sz="8829" kern="1200">
+                <a:solidFill>
+                  <a:schemeClr val="tx1"/>
+                </a:solidFill>
+                <a:latin typeface="+mn-lt"/>
+                <a:ea typeface="+mn-ea"/>
+                <a:cs typeface="+mn-cs"/>
+              </a:defRPr>
+            </a:lvl8pPr>
+            <a:lvl9pPr marL="17155005" indent="-1009119" algn="l" defTabSz="4036471" rtl="0" eaLnBrk="1" latinLnBrk="0" hangingPunct="1">
+              <a:spcBef>
+                <a:spcPct val="20000"/>
+              </a:spcBef>
+              <a:buFont typeface="Arial" pitchFamily="34" charset="0"/>
+              <a:buChar char="•"/>
+              <a:defRPr sz="8829" kern="1200">
+                <a:solidFill>
+                  <a:schemeClr val="tx1"/>
+                </a:solidFill>
+                <a:latin typeface="+mn-lt"/>
+                <a:ea typeface="+mn-ea"/>
+                <a:cs typeface="+mn-cs"/>
+              </a:defRPr>
+            </a:lvl9pPr>
+          </a:lstStyle>
+          <a:p>
+            <a:pPr algn="just">
+              <a:spcBef>
+                <a:spcPts val="0"/>
+              </a:spcBef>
+              <a:spcAft>
+                <a:spcPts val="600"/>
+              </a:spcAft>
+            </a:pPr>
+            <a:r>
+              <a:rPr lang="en-US" b="1" u="sng" dirty="0">
+                <a:latin typeface="+mn-lt"/>
+              </a:rPr>
+              <a:t>Linear Mixed Models</a:t>
+            </a:r>
+          </a:p>
+          <a:p>
+            <a:pPr algn="just">
+              <a:spcBef>
+                <a:spcPts val="0"/>
+              </a:spcBef>
+            </a:pPr>
+            <a:r>
+              <a:rPr lang="en-GB" dirty="0">
+                <a:latin typeface="+mn-lt"/>
+              </a:rPr>
+              <a:t>To measure the effect of living in a certain country on the students’ performance, we implemented a linear mixed model aggregating the observations through countries, keeping as target variables math and reading scores. To better focus on the aim of our analysis we also added a random effect associated with the variable immigration.</a:t>
+            </a:r>
+            <a:endParaRPr lang="it-IT" dirty="0">
+              <a:latin typeface="+mn-lt"/>
+            </a:endParaRPr>
+          </a:p>
+          <a:p>
+            <a:pPr algn="just">
+              <a:spcBef>
+                <a:spcPts val="0"/>
+              </a:spcBef>
+            </a:pPr>
+            <a:r>
+              <a:rPr lang="en-GB" dirty="0">
+                <a:latin typeface="+mn-lt"/>
+              </a:rPr>
+              <a:t>We performed two other mixed models in order to emphasize the differences across schools in Great Britain and Denmark. Indeed, we aggregated the students through their schools trying to detect the main reasons why Great Britain is an effective model of integration as opposed to Denmark.</a:t>
+            </a:r>
+            <a:endParaRPr lang="it-IT" dirty="0">
+              <a:latin typeface="+mn-lt"/>
+            </a:endParaRPr>
+          </a:p>
+        </p:txBody>
+      </p:sp>
+      <p:sp>
+        <p:nvSpPr>
+          <p:cNvPr id="33" name="Text Placeholder 4">
+            <a:extLst>
+              <a:ext uri="{FF2B5EF4-FFF2-40B4-BE49-F238E27FC236}">
+                <a16:creationId xmlns:a16="http://schemas.microsoft.com/office/drawing/2014/main" id="{BA76CFA9-F1A6-1C21-A9EF-929276DD2E20}"/>
+              </a:ext>
+            </a:extLst>
+          </p:cNvPr>
+          <p:cNvSpPr txBox="1">
+            <a:spLocks/>
+          </p:cNvSpPr>
+          <p:nvPr/>
+        </p:nvSpPr>
+        <p:spPr>
+          <a:xfrm>
+            <a:off x="11196737" y="25301520"/>
+            <a:ext cx="9799906" cy="3722920"/>
+          </a:xfrm>
+          <a:prstGeom prst="rect">
+            <a:avLst/>
+          </a:prstGeom>
+        </p:spPr>
+        <p:txBody>
+          <a:bodyPr wrap="square" lIns="228589" tIns="228589" rIns="228589" bIns="228589">
+            <a:spAutoFit/>
+          </a:bodyPr>
+          <a:lstStyle>
+            <a:lvl1pPr marL="0" indent="0" algn="l" defTabSz="4036471" rtl="0" eaLnBrk="1" latinLnBrk="0" hangingPunct="1">
+              <a:spcBef>
+                <a:spcPct val="20000"/>
+              </a:spcBef>
+              <a:buFont typeface="Arial" pitchFamily="34" charset="0"/>
+              <a:buNone/>
+              <a:defRPr sz="2299" kern="1200">
+                <a:solidFill>
+                  <a:schemeClr val="accent5">
+                    <a:lumMod val="50000"/>
+                  </a:schemeClr>
+                </a:solidFill>
+                <a:latin typeface="Times New Roman" pitchFamily="18" charset="0"/>
+                <a:ea typeface="+mn-ea"/>
+                <a:cs typeface="Times New Roman" pitchFamily="18" charset="0"/>
+              </a:defRPr>
+            </a:lvl1pPr>
+            <a:lvl2pPr marL="1366513" indent="-525582" algn="l" defTabSz="4036471" rtl="0" eaLnBrk="1" latinLnBrk="0" hangingPunct="1">
+              <a:spcBef>
+                <a:spcPct val="20000"/>
+              </a:spcBef>
+              <a:buFont typeface="Arial" pitchFamily="34" charset="0"/>
+              <a:buChar char="–"/>
+              <a:defRPr sz="2299" kern="1200">
+                <a:solidFill>
+                  <a:schemeClr val="tx1"/>
+                </a:solidFill>
+                <a:latin typeface="Trebuchet MS" pitchFamily="34" charset="0"/>
+                <a:ea typeface="+mn-ea"/>
+                <a:cs typeface="+mn-cs"/>
+              </a:defRPr>
+            </a:lvl2pPr>
+            <a:lvl3pPr marL="1892096" indent="-525582" algn="l" defTabSz="4036471" rtl="0" eaLnBrk="1" latinLnBrk="0" hangingPunct="1">
+              <a:spcBef>
+                <a:spcPct val="20000"/>
+              </a:spcBef>
+              <a:buFont typeface="Arial" pitchFamily="34" charset="0"/>
+              <a:buChar char="•"/>
+              <a:defRPr sz="2299" kern="1200">
+                <a:solidFill>
+                  <a:schemeClr val="tx1"/>
+                </a:solidFill>
+                <a:latin typeface="Trebuchet MS" pitchFamily="34" charset="0"/>
+                <a:ea typeface="+mn-ea"/>
+                <a:cs typeface="+mn-cs"/>
+              </a:defRPr>
+            </a:lvl3pPr>
+            <a:lvl4pPr marL="2470237" indent="-578141" algn="l" defTabSz="4036471" rtl="0" eaLnBrk="1" latinLnBrk="0" hangingPunct="1">
+              <a:spcBef>
+                <a:spcPct val="20000"/>
+              </a:spcBef>
+              <a:buFont typeface="Arial" pitchFamily="34" charset="0"/>
+              <a:buChar char="–"/>
+              <a:defRPr sz="2299" kern="1200">
+                <a:solidFill>
+                  <a:schemeClr val="tx1"/>
+                </a:solidFill>
+                <a:latin typeface="Trebuchet MS" pitchFamily="34" charset="0"/>
+                <a:ea typeface="+mn-ea"/>
+                <a:cs typeface="+mn-cs"/>
+              </a:defRPr>
+            </a:lvl4pPr>
+            <a:lvl5pPr marL="2890703" indent="-420466" algn="l" defTabSz="4036471" rtl="0" eaLnBrk="1" latinLnBrk="0" hangingPunct="1">
+              <a:spcBef>
+                <a:spcPct val="20000"/>
+              </a:spcBef>
+              <a:buFont typeface="Arial" pitchFamily="34" charset="0"/>
+              <a:buChar char="»"/>
+              <a:defRPr sz="2299" kern="1200">
+                <a:solidFill>
+                  <a:schemeClr val="tx1"/>
+                </a:solidFill>
+                <a:latin typeface="Trebuchet MS" pitchFamily="34" charset="0"/>
+                <a:ea typeface="+mn-ea"/>
+                <a:cs typeface="+mn-cs"/>
+              </a:defRPr>
+            </a:lvl5pPr>
+            <a:lvl6pPr marL="11100298" indent="-1009119" algn="l" defTabSz="4036471" rtl="0" eaLnBrk="1" latinLnBrk="0" hangingPunct="1">
+              <a:spcBef>
+                <a:spcPct val="20000"/>
+              </a:spcBef>
+              <a:buFont typeface="Arial" pitchFamily="34" charset="0"/>
+              <a:buChar char="•"/>
+              <a:defRPr sz="8829" kern="1200">
+                <a:solidFill>
+                  <a:schemeClr val="tx1"/>
+                </a:solidFill>
+                <a:latin typeface="+mn-lt"/>
+                <a:ea typeface="+mn-ea"/>
+                <a:cs typeface="+mn-cs"/>
+              </a:defRPr>
+            </a:lvl6pPr>
+            <a:lvl7pPr marL="13118533" indent="-1009119" algn="l" defTabSz="4036471" rtl="0" eaLnBrk="1" latinLnBrk="0" hangingPunct="1">
+              <a:spcBef>
+                <a:spcPct val="20000"/>
+              </a:spcBef>
+              <a:buFont typeface="Arial" pitchFamily="34" charset="0"/>
+              <a:buChar char="•"/>
+              <a:defRPr sz="8829" kern="1200">
+                <a:solidFill>
+                  <a:schemeClr val="tx1"/>
+                </a:solidFill>
+                <a:latin typeface="+mn-lt"/>
+                <a:ea typeface="+mn-ea"/>
+                <a:cs typeface="+mn-cs"/>
+              </a:defRPr>
+            </a:lvl7pPr>
+            <a:lvl8pPr marL="15136769" indent="-1009119" algn="l" defTabSz="4036471" rtl="0" eaLnBrk="1" latinLnBrk="0" hangingPunct="1">
+              <a:spcBef>
+                <a:spcPct val="20000"/>
+              </a:spcBef>
+              <a:buFont typeface="Arial" pitchFamily="34" charset="0"/>
+              <a:buChar char="•"/>
+              <a:defRPr sz="8829" kern="1200">
+                <a:solidFill>
+                  <a:schemeClr val="tx1"/>
+                </a:solidFill>
+                <a:latin typeface="+mn-lt"/>
+                <a:ea typeface="+mn-ea"/>
+                <a:cs typeface="+mn-cs"/>
+              </a:defRPr>
+            </a:lvl8pPr>
+            <a:lvl9pPr marL="17155005" indent="-1009119" algn="l" defTabSz="4036471" rtl="0" eaLnBrk="1" latinLnBrk="0" hangingPunct="1">
+              <a:spcBef>
+                <a:spcPct val="20000"/>
+              </a:spcBef>
+              <a:buFont typeface="Arial" pitchFamily="34" charset="0"/>
+              <a:buChar char="•"/>
+              <a:defRPr sz="8829" kern="1200">
+                <a:solidFill>
+                  <a:schemeClr val="tx1"/>
+                </a:solidFill>
+                <a:latin typeface="+mn-lt"/>
+                <a:ea typeface="+mn-ea"/>
+                <a:cs typeface="+mn-cs"/>
+              </a:defRPr>
+            </a:lvl9pPr>
+          </a:lstStyle>
+          <a:p>
+            <a:pPr algn="just">
+              <a:spcBef>
+                <a:spcPts val="0"/>
+              </a:spcBef>
+              <a:spcAft>
+                <a:spcPts val="600"/>
+              </a:spcAft>
+            </a:pPr>
+            <a:r>
+              <a:rPr lang="en-US" b="1" u="sng" dirty="0">
+                <a:latin typeface="+mn-lt"/>
+              </a:rPr>
+              <a:t>Multinomial Logistic Regression</a:t>
+            </a:r>
+          </a:p>
+          <a:p>
+            <a:pPr algn="just">
+              <a:spcBef>
+                <a:spcPts val="0"/>
+              </a:spcBef>
+            </a:pPr>
+            <a:r>
+              <a:rPr lang="en-GB" dirty="0">
+                <a:latin typeface="+mn-lt"/>
+              </a:rPr>
+              <a:t>Once implemented the two mixed models for the schools of Great Britain and Denmark</a:t>
+            </a:r>
+            <a:r>
+              <a:rPr lang="en-US" dirty="0">
+                <a:latin typeface="+mn-lt"/>
+              </a:rPr>
+              <a:t> we divided the schools in three clusters, ranked trough the effect on the scores as pointed out by the mixed models.</a:t>
+            </a:r>
+            <a:endParaRPr lang="it-IT" dirty="0">
+              <a:latin typeface="+mn-lt"/>
+            </a:endParaRPr>
+          </a:p>
+          <a:p>
+            <a:pPr algn="just">
+              <a:spcBef>
+                <a:spcPts val="0"/>
+              </a:spcBef>
+            </a:pPr>
+            <a:r>
+              <a:rPr lang="en-GB" dirty="0">
+                <a:latin typeface="+mn-lt"/>
+              </a:rPr>
+              <a:t>To explore a posteriori these clusters we applied a multinomial logistic model, which allowed us to identify the different characteristics of the best and worst schools. Indeed, the output of these models assign at each covariate a coefficient which increments or decrements the probability of being assigned to the best or worst schools class.</a:t>
+            </a:r>
+            <a:endParaRPr lang="it-IT" dirty="0">
+              <a:latin typeface="+mn-lt"/>
+            </a:endParaRPr>
+          </a:p>
+        </p:txBody>
+      </p:sp>
+      <p:sp>
+        <p:nvSpPr>
+          <p:cNvPr id="34" name="Text Placeholder 4">
+            <a:extLst>
+              <a:ext uri="{FF2B5EF4-FFF2-40B4-BE49-F238E27FC236}">
+                <a16:creationId xmlns:a16="http://schemas.microsoft.com/office/drawing/2014/main" id="{B98A2825-5B52-9DBE-37F4-C64D5D38DD64}"/>
+              </a:ext>
+            </a:extLst>
+          </p:cNvPr>
+          <p:cNvSpPr txBox="1">
+            <a:spLocks/>
+          </p:cNvSpPr>
+          <p:nvPr/>
+        </p:nvSpPr>
+        <p:spPr>
+          <a:xfrm>
+            <a:off x="21920616" y="10981188"/>
+            <a:ext cx="9799906" cy="2732264"/>
+          </a:xfrm>
+          <a:prstGeom prst="rect">
+            <a:avLst/>
+          </a:prstGeom>
+        </p:spPr>
+        <p:txBody>
+          <a:bodyPr wrap="square" lIns="228589" tIns="228589" rIns="228589" bIns="228589">
+            <a:spAutoFit/>
+          </a:bodyPr>
+          <a:lstStyle>
+            <a:lvl1pPr marL="0" indent="0" algn="l" defTabSz="4036471" rtl="0" eaLnBrk="1" latinLnBrk="0" hangingPunct="1">
+              <a:spcBef>
+                <a:spcPct val="20000"/>
+              </a:spcBef>
+              <a:buFont typeface="Arial" pitchFamily="34" charset="0"/>
+              <a:buNone/>
+              <a:defRPr sz="2299" kern="1200">
+                <a:solidFill>
+                  <a:schemeClr val="accent5">
+                    <a:lumMod val="50000"/>
+                  </a:schemeClr>
+                </a:solidFill>
+                <a:latin typeface="Times New Roman" pitchFamily="18" charset="0"/>
+                <a:ea typeface="+mn-ea"/>
+                <a:cs typeface="Times New Roman" pitchFamily="18" charset="0"/>
+              </a:defRPr>
+            </a:lvl1pPr>
+            <a:lvl2pPr marL="1366513" indent="-525582" algn="l" defTabSz="4036471" rtl="0" eaLnBrk="1" latinLnBrk="0" hangingPunct="1">
+              <a:spcBef>
+                <a:spcPct val="20000"/>
+              </a:spcBef>
+              <a:buFont typeface="Arial" pitchFamily="34" charset="0"/>
+              <a:buChar char="–"/>
+              <a:defRPr sz="2299" kern="1200">
+                <a:solidFill>
+                  <a:schemeClr val="tx1"/>
+                </a:solidFill>
+                <a:latin typeface="Trebuchet MS" pitchFamily="34" charset="0"/>
+                <a:ea typeface="+mn-ea"/>
+                <a:cs typeface="+mn-cs"/>
+              </a:defRPr>
+            </a:lvl2pPr>
+            <a:lvl3pPr marL="1892096" indent="-525582" algn="l" defTabSz="4036471" rtl="0" eaLnBrk="1" latinLnBrk="0" hangingPunct="1">
+              <a:spcBef>
+                <a:spcPct val="20000"/>
+              </a:spcBef>
+              <a:buFont typeface="Arial" pitchFamily="34" charset="0"/>
+              <a:buChar char="•"/>
+              <a:defRPr sz="2299" kern="1200">
+                <a:solidFill>
+                  <a:schemeClr val="tx1"/>
+                </a:solidFill>
+                <a:latin typeface="Trebuchet MS" pitchFamily="34" charset="0"/>
+                <a:ea typeface="+mn-ea"/>
+                <a:cs typeface="+mn-cs"/>
+              </a:defRPr>
+            </a:lvl3pPr>
+            <a:lvl4pPr marL="2470237" indent="-578141" algn="l" defTabSz="4036471" rtl="0" eaLnBrk="1" latinLnBrk="0" hangingPunct="1">
+              <a:spcBef>
+                <a:spcPct val="20000"/>
+              </a:spcBef>
+              <a:buFont typeface="Arial" pitchFamily="34" charset="0"/>
+              <a:buChar char="–"/>
+              <a:defRPr sz="2299" kern="1200">
+                <a:solidFill>
+                  <a:schemeClr val="tx1"/>
+                </a:solidFill>
+                <a:latin typeface="Trebuchet MS" pitchFamily="34" charset="0"/>
+                <a:ea typeface="+mn-ea"/>
+                <a:cs typeface="+mn-cs"/>
+              </a:defRPr>
+            </a:lvl4pPr>
+            <a:lvl5pPr marL="2890703" indent="-420466" algn="l" defTabSz="4036471" rtl="0" eaLnBrk="1" latinLnBrk="0" hangingPunct="1">
+              <a:spcBef>
+                <a:spcPct val="20000"/>
+              </a:spcBef>
+              <a:buFont typeface="Arial" pitchFamily="34" charset="0"/>
+              <a:buChar char="»"/>
+              <a:defRPr sz="2299" kern="1200">
+                <a:solidFill>
+                  <a:schemeClr val="tx1"/>
+                </a:solidFill>
+                <a:latin typeface="Trebuchet MS" pitchFamily="34" charset="0"/>
+                <a:ea typeface="+mn-ea"/>
+                <a:cs typeface="+mn-cs"/>
+              </a:defRPr>
+            </a:lvl5pPr>
+            <a:lvl6pPr marL="11100298" indent="-1009119" algn="l" defTabSz="4036471" rtl="0" eaLnBrk="1" latinLnBrk="0" hangingPunct="1">
+              <a:spcBef>
+                <a:spcPct val="20000"/>
+              </a:spcBef>
+              <a:buFont typeface="Arial" pitchFamily="34" charset="0"/>
+              <a:buChar char="•"/>
+              <a:defRPr sz="8829" kern="1200">
+                <a:solidFill>
+                  <a:schemeClr val="tx1"/>
+                </a:solidFill>
+                <a:latin typeface="+mn-lt"/>
+                <a:ea typeface="+mn-ea"/>
+                <a:cs typeface="+mn-cs"/>
+              </a:defRPr>
+            </a:lvl6pPr>
+            <a:lvl7pPr marL="13118533" indent="-1009119" algn="l" defTabSz="4036471" rtl="0" eaLnBrk="1" latinLnBrk="0" hangingPunct="1">
+              <a:spcBef>
+                <a:spcPct val="20000"/>
+              </a:spcBef>
+              <a:buFont typeface="Arial" pitchFamily="34" charset="0"/>
+              <a:buChar char="•"/>
+              <a:defRPr sz="8829" kern="1200">
+                <a:solidFill>
+                  <a:schemeClr val="tx1"/>
+                </a:solidFill>
+                <a:latin typeface="+mn-lt"/>
+                <a:ea typeface="+mn-ea"/>
+                <a:cs typeface="+mn-cs"/>
+              </a:defRPr>
+            </a:lvl7pPr>
+            <a:lvl8pPr marL="15136769" indent="-1009119" algn="l" defTabSz="4036471" rtl="0" eaLnBrk="1" latinLnBrk="0" hangingPunct="1">
+              <a:spcBef>
+                <a:spcPct val="20000"/>
+              </a:spcBef>
+              <a:buFont typeface="Arial" pitchFamily="34" charset="0"/>
+              <a:buChar char="•"/>
+              <a:defRPr sz="8829" kern="1200">
+                <a:solidFill>
+                  <a:schemeClr val="tx1"/>
+                </a:solidFill>
+                <a:latin typeface="+mn-lt"/>
+                <a:ea typeface="+mn-ea"/>
+                <a:cs typeface="+mn-cs"/>
+              </a:defRPr>
+            </a:lvl8pPr>
+            <a:lvl9pPr marL="17155005" indent="-1009119" algn="l" defTabSz="4036471" rtl="0" eaLnBrk="1" latinLnBrk="0" hangingPunct="1">
+              <a:spcBef>
+                <a:spcPct val="20000"/>
+              </a:spcBef>
+              <a:buFont typeface="Arial" pitchFamily="34" charset="0"/>
+              <a:buChar char="•"/>
+              <a:defRPr sz="8829" kern="1200">
+                <a:solidFill>
+                  <a:schemeClr val="tx1"/>
+                </a:solidFill>
+                <a:latin typeface="+mn-lt"/>
+                <a:ea typeface="+mn-ea"/>
+                <a:cs typeface="+mn-cs"/>
+              </a:defRPr>
+            </a:lvl9pPr>
+          </a:lstStyle>
+          <a:p>
+            <a:pPr algn="just">
+              <a:spcBef>
+                <a:spcPts val="0"/>
+              </a:spcBef>
+              <a:spcAft>
+                <a:spcPts val="600"/>
+              </a:spcAft>
+            </a:pPr>
+            <a:r>
+              <a:rPr lang="en-US" b="1" u="sng" dirty="0">
+                <a:latin typeface="+mn-lt"/>
+              </a:rPr>
+              <a:t>Clustering</a:t>
+            </a:r>
+          </a:p>
+          <a:p>
+            <a:pPr algn="just"/>
+            <a:r>
+              <a:rPr lang="en-GB" dirty="0">
+                <a:latin typeface="+mn-lt"/>
+              </a:rPr>
+              <a:t>The cluster linked to the best performances contains only the 23% of the total number of immigrants, while the worst one contains the 54% of them. Moreover, from the analysis of the other features of the clusters it’s clear that immigrants often attend poorer schools with a shortage of material and staff, where there is generally a school climate that hinders learning.</a:t>
+            </a:r>
+            <a:endParaRPr lang="it-IT" dirty="0">
+              <a:latin typeface="+mn-lt"/>
+            </a:endParaRPr>
+          </a:p>
+        </p:txBody>
+      </p:sp>
+      <p:sp>
+        <p:nvSpPr>
+          <p:cNvPr id="35" name="Text Placeholder 4">
+            <a:extLst>
+              <a:ext uri="{FF2B5EF4-FFF2-40B4-BE49-F238E27FC236}">
+                <a16:creationId xmlns:a16="http://schemas.microsoft.com/office/drawing/2014/main" id="{A0C8C973-948B-686A-B1A6-66D28078176A}"/>
+              </a:ext>
+            </a:extLst>
+          </p:cNvPr>
+          <p:cNvSpPr txBox="1">
+            <a:spLocks/>
+          </p:cNvSpPr>
+          <p:nvPr/>
+        </p:nvSpPr>
+        <p:spPr>
+          <a:xfrm>
+            <a:off x="21920616" y="13806060"/>
+            <a:ext cx="9799906" cy="815457"/>
+          </a:xfrm>
+          <a:prstGeom prst="rect">
+            <a:avLst/>
+          </a:prstGeom>
+        </p:spPr>
+        <p:txBody>
+          <a:bodyPr wrap="square" lIns="228589" tIns="228589" rIns="228589" bIns="228589">
+            <a:spAutoFit/>
+          </a:bodyPr>
+          <a:lstStyle>
+            <a:lvl1pPr marL="0" indent="0" algn="l" defTabSz="4036471" rtl="0" eaLnBrk="1" latinLnBrk="0" hangingPunct="1">
+              <a:spcBef>
+                <a:spcPct val="20000"/>
+              </a:spcBef>
+              <a:buFont typeface="Arial" pitchFamily="34" charset="0"/>
+              <a:buNone/>
+              <a:defRPr sz="2299" kern="1200">
+                <a:solidFill>
+                  <a:schemeClr val="accent5">
+                    <a:lumMod val="50000"/>
+                  </a:schemeClr>
+                </a:solidFill>
+                <a:latin typeface="Times New Roman" pitchFamily="18" charset="0"/>
+                <a:ea typeface="+mn-ea"/>
+                <a:cs typeface="Times New Roman" pitchFamily="18" charset="0"/>
+              </a:defRPr>
+            </a:lvl1pPr>
+            <a:lvl2pPr marL="1366513" indent="-525582" algn="l" defTabSz="4036471" rtl="0" eaLnBrk="1" latinLnBrk="0" hangingPunct="1">
+              <a:spcBef>
+                <a:spcPct val="20000"/>
+              </a:spcBef>
+              <a:buFont typeface="Arial" pitchFamily="34" charset="0"/>
+              <a:buChar char="–"/>
+              <a:defRPr sz="2299" kern="1200">
+                <a:solidFill>
+                  <a:schemeClr val="tx1"/>
+                </a:solidFill>
+                <a:latin typeface="Trebuchet MS" pitchFamily="34" charset="0"/>
+                <a:ea typeface="+mn-ea"/>
+                <a:cs typeface="+mn-cs"/>
+              </a:defRPr>
+            </a:lvl2pPr>
+            <a:lvl3pPr marL="1892096" indent="-525582" algn="l" defTabSz="4036471" rtl="0" eaLnBrk="1" latinLnBrk="0" hangingPunct="1">
+              <a:spcBef>
+                <a:spcPct val="20000"/>
+              </a:spcBef>
+              <a:buFont typeface="Arial" pitchFamily="34" charset="0"/>
+              <a:buChar char="•"/>
+              <a:defRPr sz="2299" kern="1200">
+                <a:solidFill>
+                  <a:schemeClr val="tx1"/>
+                </a:solidFill>
+                <a:latin typeface="Trebuchet MS" pitchFamily="34" charset="0"/>
+                <a:ea typeface="+mn-ea"/>
+                <a:cs typeface="+mn-cs"/>
+              </a:defRPr>
+            </a:lvl3pPr>
+            <a:lvl4pPr marL="2470237" indent="-578141" algn="l" defTabSz="4036471" rtl="0" eaLnBrk="1" latinLnBrk="0" hangingPunct="1">
+              <a:spcBef>
+                <a:spcPct val="20000"/>
+              </a:spcBef>
+              <a:buFont typeface="Arial" pitchFamily="34" charset="0"/>
+              <a:buChar char="–"/>
+              <a:defRPr sz="2299" kern="1200">
+                <a:solidFill>
+                  <a:schemeClr val="tx1"/>
+                </a:solidFill>
+                <a:latin typeface="Trebuchet MS" pitchFamily="34" charset="0"/>
+                <a:ea typeface="+mn-ea"/>
+                <a:cs typeface="+mn-cs"/>
+              </a:defRPr>
+            </a:lvl4pPr>
+            <a:lvl5pPr marL="2890703" indent="-420466" algn="l" defTabSz="4036471" rtl="0" eaLnBrk="1" latinLnBrk="0" hangingPunct="1">
+              <a:spcBef>
+                <a:spcPct val="20000"/>
+              </a:spcBef>
+              <a:buFont typeface="Arial" pitchFamily="34" charset="0"/>
+              <a:buChar char="»"/>
+              <a:defRPr sz="2299" kern="1200">
+                <a:solidFill>
+                  <a:schemeClr val="tx1"/>
+                </a:solidFill>
+                <a:latin typeface="Trebuchet MS" pitchFamily="34" charset="0"/>
+                <a:ea typeface="+mn-ea"/>
+                <a:cs typeface="+mn-cs"/>
+              </a:defRPr>
+            </a:lvl5pPr>
+            <a:lvl6pPr marL="11100298" indent="-1009119" algn="l" defTabSz="4036471" rtl="0" eaLnBrk="1" latinLnBrk="0" hangingPunct="1">
+              <a:spcBef>
+                <a:spcPct val="20000"/>
+              </a:spcBef>
+              <a:buFont typeface="Arial" pitchFamily="34" charset="0"/>
+              <a:buChar char="•"/>
+              <a:defRPr sz="8829" kern="1200">
+                <a:solidFill>
+                  <a:schemeClr val="tx1"/>
+                </a:solidFill>
+                <a:latin typeface="+mn-lt"/>
+                <a:ea typeface="+mn-ea"/>
+                <a:cs typeface="+mn-cs"/>
+              </a:defRPr>
+            </a:lvl6pPr>
+            <a:lvl7pPr marL="13118533" indent="-1009119" algn="l" defTabSz="4036471" rtl="0" eaLnBrk="1" latinLnBrk="0" hangingPunct="1">
+              <a:spcBef>
+                <a:spcPct val="20000"/>
+              </a:spcBef>
+              <a:buFont typeface="Arial" pitchFamily="34" charset="0"/>
+              <a:buChar char="•"/>
+              <a:defRPr sz="8829" kern="1200">
+                <a:solidFill>
+                  <a:schemeClr val="tx1"/>
+                </a:solidFill>
+                <a:latin typeface="+mn-lt"/>
+                <a:ea typeface="+mn-ea"/>
+                <a:cs typeface="+mn-cs"/>
+              </a:defRPr>
+            </a:lvl7pPr>
+            <a:lvl8pPr marL="15136769" indent="-1009119" algn="l" defTabSz="4036471" rtl="0" eaLnBrk="1" latinLnBrk="0" hangingPunct="1">
+              <a:spcBef>
+                <a:spcPct val="20000"/>
+              </a:spcBef>
+              <a:buFont typeface="Arial" pitchFamily="34" charset="0"/>
+              <a:buChar char="•"/>
+              <a:defRPr sz="8829" kern="1200">
+                <a:solidFill>
+                  <a:schemeClr val="tx1"/>
+                </a:solidFill>
+                <a:latin typeface="+mn-lt"/>
+                <a:ea typeface="+mn-ea"/>
+                <a:cs typeface="+mn-cs"/>
+              </a:defRPr>
+            </a:lvl8pPr>
+            <a:lvl9pPr marL="17155005" indent="-1009119" algn="l" defTabSz="4036471" rtl="0" eaLnBrk="1" latinLnBrk="0" hangingPunct="1">
+              <a:spcBef>
+                <a:spcPct val="20000"/>
+              </a:spcBef>
+              <a:buFont typeface="Arial" pitchFamily="34" charset="0"/>
+              <a:buChar char="•"/>
+              <a:defRPr sz="8829" kern="1200">
+                <a:solidFill>
+                  <a:schemeClr val="tx1"/>
+                </a:solidFill>
+                <a:latin typeface="+mn-lt"/>
+                <a:ea typeface="+mn-ea"/>
+                <a:cs typeface="+mn-cs"/>
+              </a:defRPr>
+            </a:lvl9pPr>
+          </a:lstStyle>
+          <a:p>
+            <a:pPr algn="just">
+              <a:spcBef>
+                <a:spcPts val="0"/>
+              </a:spcBef>
+              <a:spcAft>
+                <a:spcPts val="600"/>
+              </a:spcAft>
+            </a:pPr>
+            <a:r>
+              <a:rPr lang="en-US" b="1" u="sng" dirty="0">
+                <a:latin typeface="+mn-lt"/>
+              </a:rPr>
+              <a:t>MANOVA</a:t>
+            </a:r>
+          </a:p>
+        </p:txBody>
+      </p:sp>
+      <p:sp>
+        <p:nvSpPr>
+          <p:cNvPr id="36" name="Text Placeholder 4">
+            <a:extLst>
+              <a:ext uri="{FF2B5EF4-FFF2-40B4-BE49-F238E27FC236}">
+                <a16:creationId xmlns:a16="http://schemas.microsoft.com/office/drawing/2014/main" id="{3AD595BB-DEF0-0F27-6A80-8EEA519187D2}"/>
+              </a:ext>
+            </a:extLst>
+          </p:cNvPr>
+          <p:cNvSpPr txBox="1">
+            <a:spLocks/>
+          </p:cNvSpPr>
+          <p:nvPr/>
+        </p:nvSpPr>
+        <p:spPr>
+          <a:xfrm>
+            <a:off x="21920616" y="16277299"/>
+            <a:ext cx="9799906" cy="815457"/>
+          </a:xfrm>
+          <a:prstGeom prst="rect">
+            <a:avLst/>
+          </a:prstGeom>
+        </p:spPr>
+        <p:txBody>
+          <a:bodyPr wrap="square" lIns="228589" tIns="228589" rIns="228589" bIns="228589">
+            <a:spAutoFit/>
+          </a:bodyPr>
+          <a:lstStyle>
+            <a:lvl1pPr marL="0" indent="0" algn="l" defTabSz="4036471" rtl="0" eaLnBrk="1" latinLnBrk="0" hangingPunct="1">
+              <a:spcBef>
+                <a:spcPct val="20000"/>
+              </a:spcBef>
+              <a:buFont typeface="Arial" pitchFamily="34" charset="0"/>
+              <a:buNone/>
+              <a:defRPr sz="2299" kern="1200">
+                <a:solidFill>
+                  <a:schemeClr val="accent5">
+                    <a:lumMod val="50000"/>
+                  </a:schemeClr>
+                </a:solidFill>
+                <a:latin typeface="Times New Roman" pitchFamily="18" charset="0"/>
+                <a:ea typeface="+mn-ea"/>
+                <a:cs typeface="Times New Roman" pitchFamily="18" charset="0"/>
+              </a:defRPr>
+            </a:lvl1pPr>
+            <a:lvl2pPr marL="1366513" indent="-525582" algn="l" defTabSz="4036471" rtl="0" eaLnBrk="1" latinLnBrk="0" hangingPunct="1">
+              <a:spcBef>
+                <a:spcPct val="20000"/>
+              </a:spcBef>
+              <a:buFont typeface="Arial" pitchFamily="34" charset="0"/>
+              <a:buChar char="–"/>
+              <a:defRPr sz="2299" kern="1200">
+                <a:solidFill>
+                  <a:schemeClr val="tx1"/>
+                </a:solidFill>
+                <a:latin typeface="Trebuchet MS" pitchFamily="34" charset="0"/>
+                <a:ea typeface="+mn-ea"/>
+                <a:cs typeface="+mn-cs"/>
+              </a:defRPr>
+            </a:lvl2pPr>
+            <a:lvl3pPr marL="1892096" indent="-525582" algn="l" defTabSz="4036471" rtl="0" eaLnBrk="1" latinLnBrk="0" hangingPunct="1">
+              <a:spcBef>
+                <a:spcPct val="20000"/>
+              </a:spcBef>
+              <a:buFont typeface="Arial" pitchFamily="34" charset="0"/>
+              <a:buChar char="•"/>
+              <a:defRPr sz="2299" kern="1200">
+                <a:solidFill>
+                  <a:schemeClr val="tx1"/>
+                </a:solidFill>
+                <a:latin typeface="Trebuchet MS" pitchFamily="34" charset="0"/>
+                <a:ea typeface="+mn-ea"/>
+                <a:cs typeface="+mn-cs"/>
+              </a:defRPr>
+            </a:lvl3pPr>
+            <a:lvl4pPr marL="2470237" indent="-578141" algn="l" defTabSz="4036471" rtl="0" eaLnBrk="1" latinLnBrk="0" hangingPunct="1">
+              <a:spcBef>
+                <a:spcPct val="20000"/>
+              </a:spcBef>
+              <a:buFont typeface="Arial" pitchFamily="34" charset="0"/>
+              <a:buChar char="–"/>
+              <a:defRPr sz="2299" kern="1200">
+                <a:solidFill>
+                  <a:schemeClr val="tx1"/>
+                </a:solidFill>
+                <a:latin typeface="Trebuchet MS" pitchFamily="34" charset="0"/>
+                <a:ea typeface="+mn-ea"/>
+                <a:cs typeface="+mn-cs"/>
+              </a:defRPr>
+            </a:lvl4pPr>
+            <a:lvl5pPr marL="2890703" indent="-420466" algn="l" defTabSz="4036471" rtl="0" eaLnBrk="1" latinLnBrk="0" hangingPunct="1">
+              <a:spcBef>
+                <a:spcPct val="20000"/>
+              </a:spcBef>
+              <a:buFont typeface="Arial" pitchFamily="34" charset="0"/>
+              <a:buChar char="»"/>
+              <a:defRPr sz="2299" kern="1200">
+                <a:solidFill>
+                  <a:schemeClr val="tx1"/>
+                </a:solidFill>
+                <a:latin typeface="Trebuchet MS" pitchFamily="34" charset="0"/>
+                <a:ea typeface="+mn-ea"/>
+                <a:cs typeface="+mn-cs"/>
+              </a:defRPr>
+            </a:lvl5pPr>
+            <a:lvl6pPr marL="11100298" indent="-1009119" algn="l" defTabSz="4036471" rtl="0" eaLnBrk="1" latinLnBrk="0" hangingPunct="1">
+              <a:spcBef>
+                <a:spcPct val="20000"/>
+              </a:spcBef>
+              <a:buFont typeface="Arial" pitchFamily="34" charset="0"/>
+              <a:buChar char="•"/>
+              <a:defRPr sz="8829" kern="1200">
+                <a:solidFill>
+                  <a:schemeClr val="tx1"/>
+                </a:solidFill>
+                <a:latin typeface="+mn-lt"/>
+                <a:ea typeface="+mn-ea"/>
+                <a:cs typeface="+mn-cs"/>
+              </a:defRPr>
+            </a:lvl6pPr>
+            <a:lvl7pPr marL="13118533" indent="-1009119" algn="l" defTabSz="4036471" rtl="0" eaLnBrk="1" latinLnBrk="0" hangingPunct="1">
+              <a:spcBef>
+                <a:spcPct val="20000"/>
+              </a:spcBef>
+              <a:buFont typeface="Arial" pitchFamily="34" charset="0"/>
+              <a:buChar char="•"/>
+              <a:defRPr sz="8829" kern="1200">
+                <a:solidFill>
+                  <a:schemeClr val="tx1"/>
+                </a:solidFill>
+                <a:latin typeface="+mn-lt"/>
+                <a:ea typeface="+mn-ea"/>
+                <a:cs typeface="+mn-cs"/>
+              </a:defRPr>
+            </a:lvl7pPr>
+            <a:lvl8pPr marL="15136769" indent="-1009119" algn="l" defTabSz="4036471" rtl="0" eaLnBrk="1" latinLnBrk="0" hangingPunct="1">
+              <a:spcBef>
+                <a:spcPct val="20000"/>
+              </a:spcBef>
+              <a:buFont typeface="Arial" pitchFamily="34" charset="0"/>
+              <a:buChar char="•"/>
+              <a:defRPr sz="8829" kern="1200">
+                <a:solidFill>
+                  <a:schemeClr val="tx1"/>
+                </a:solidFill>
+                <a:latin typeface="+mn-lt"/>
+                <a:ea typeface="+mn-ea"/>
+                <a:cs typeface="+mn-cs"/>
+              </a:defRPr>
+            </a:lvl8pPr>
+            <a:lvl9pPr marL="17155005" indent="-1009119" algn="l" defTabSz="4036471" rtl="0" eaLnBrk="1" latinLnBrk="0" hangingPunct="1">
+              <a:spcBef>
+                <a:spcPct val="20000"/>
+              </a:spcBef>
+              <a:buFont typeface="Arial" pitchFamily="34" charset="0"/>
+              <a:buChar char="•"/>
+              <a:defRPr sz="8829" kern="1200">
+                <a:solidFill>
+                  <a:schemeClr val="tx1"/>
+                </a:solidFill>
+                <a:latin typeface="+mn-lt"/>
+                <a:ea typeface="+mn-ea"/>
+                <a:cs typeface="+mn-cs"/>
+              </a:defRPr>
+            </a:lvl9pPr>
+          </a:lstStyle>
+          <a:p>
+            <a:pPr algn="just">
+              <a:spcBef>
+                <a:spcPts val="0"/>
+              </a:spcBef>
+              <a:spcAft>
+                <a:spcPts val="600"/>
+              </a:spcAft>
+            </a:pPr>
+            <a:r>
+              <a:rPr lang="en-US" b="1" u="sng" dirty="0">
+                <a:latin typeface="+mn-lt"/>
+              </a:rPr>
+              <a:t>Linear Models</a:t>
+            </a:r>
+          </a:p>
+        </p:txBody>
+      </p:sp>
+      <p:sp>
+        <p:nvSpPr>
+          <p:cNvPr id="37" name="Text Placeholder 4">
+            <a:extLst>
+              <a:ext uri="{FF2B5EF4-FFF2-40B4-BE49-F238E27FC236}">
+                <a16:creationId xmlns:a16="http://schemas.microsoft.com/office/drawing/2014/main" id="{46F9EBAD-376C-426A-B4E5-C086C0BB299F}"/>
+              </a:ext>
+            </a:extLst>
+          </p:cNvPr>
+          <p:cNvSpPr txBox="1">
+            <a:spLocks/>
+          </p:cNvSpPr>
+          <p:nvPr/>
+        </p:nvSpPr>
+        <p:spPr>
+          <a:xfrm>
+            <a:off x="21920616" y="20190580"/>
+            <a:ext cx="9799906" cy="4218312"/>
+          </a:xfrm>
+          <a:prstGeom prst="rect">
+            <a:avLst/>
+          </a:prstGeom>
+        </p:spPr>
+        <p:txBody>
+          <a:bodyPr wrap="square" lIns="228589" tIns="228589" rIns="228589" bIns="228589">
+            <a:spAutoFit/>
+          </a:bodyPr>
+          <a:lstStyle>
+            <a:lvl1pPr marL="0" indent="0" algn="l" defTabSz="4036471" rtl="0" eaLnBrk="1" latinLnBrk="0" hangingPunct="1">
+              <a:spcBef>
+                <a:spcPct val="20000"/>
+              </a:spcBef>
+              <a:buFont typeface="Arial" pitchFamily="34" charset="0"/>
+              <a:buNone/>
+              <a:defRPr sz="2299" kern="1200">
+                <a:solidFill>
+                  <a:schemeClr val="accent5">
+                    <a:lumMod val="50000"/>
+                  </a:schemeClr>
+                </a:solidFill>
+                <a:latin typeface="Times New Roman" pitchFamily="18" charset="0"/>
+                <a:ea typeface="+mn-ea"/>
+                <a:cs typeface="Times New Roman" pitchFamily="18" charset="0"/>
+              </a:defRPr>
+            </a:lvl1pPr>
+            <a:lvl2pPr marL="1366513" indent="-525582" algn="l" defTabSz="4036471" rtl="0" eaLnBrk="1" latinLnBrk="0" hangingPunct="1">
+              <a:spcBef>
+                <a:spcPct val="20000"/>
+              </a:spcBef>
+              <a:buFont typeface="Arial" pitchFamily="34" charset="0"/>
+              <a:buChar char="–"/>
+              <a:defRPr sz="2299" kern="1200">
+                <a:solidFill>
+                  <a:schemeClr val="tx1"/>
+                </a:solidFill>
+                <a:latin typeface="Trebuchet MS" pitchFamily="34" charset="0"/>
+                <a:ea typeface="+mn-ea"/>
+                <a:cs typeface="+mn-cs"/>
+              </a:defRPr>
+            </a:lvl2pPr>
+            <a:lvl3pPr marL="1892096" indent="-525582" algn="l" defTabSz="4036471" rtl="0" eaLnBrk="1" latinLnBrk="0" hangingPunct="1">
+              <a:spcBef>
+                <a:spcPct val="20000"/>
+              </a:spcBef>
+              <a:buFont typeface="Arial" pitchFamily="34" charset="0"/>
+              <a:buChar char="•"/>
+              <a:defRPr sz="2299" kern="1200">
+                <a:solidFill>
+                  <a:schemeClr val="tx1"/>
+                </a:solidFill>
+                <a:latin typeface="Trebuchet MS" pitchFamily="34" charset="0"/>
+                <a:ea typeface="+mn-ea"/>
+                <a:cs typeface="+mn-cs"/>
+              </a:defRPr>
+            </a:lvl3pPr>
+            <a:lvl4pPr marL="2470237" indent="-578141" algn="l" defTabSz="4036471" rtl="0" eaLnBrk="1" latinLnBrk="0" hangingPunct="1">
+              <a:spcBef>
+                <a:spcPct val="20000"/>
+              </a:spcBef>
+              <a:buFont typeface="Arial" pitchFamily="34" charset="0"/>
+              <a:buChar char="–"/>
+              <a:defRPr sz="2299" kern="1200">
+                <a:solidFill>
+                  <a:schemeClr val="tx1"/>
+                </a:solidFill>
+                <a:latin typeface="Trebuchet MS" pitchFamily="34" charset="0"/>
+                <a:ea typeface="+mn-ea"/>
+                <a:cs typeface="+mn-cs"/>
+              </a:defRPr>
+            </a:lvl4pPr>
+            <a:lvl5pPr marL="2890703" indent="-420466" algn="l" defTabSz="4036471" rtl="0" eaLnBrk="1" latinLnBrk="0" hangingPunct="1">
+              <a:spcBef>
+                <a:spcPct val="20000"/>
+              </a:spcBef>
+              <a:buFont typeface="Arial" pitchFamily="34" charset="0"/>
+              <a:buChar char="»"/>
+              <a:defRPr sz="2299" kern="1200">
+                <a:solidFill>
+                  <a:schemeClr val="tx1"/>
+                </a:solidFill>
+                <a:latin typeface="Trebuchet MS" pitchFamily="34" charset="0"/>
+                <a:ea typeface="+mn-ea"/>
+                <a:cs typeface="+mn-cs"/>
+              </a:defRPr>
+            </a:lvl5pPr>
+            <a:lvl6pPr marL="11100298" indent="-1009119" algn="l" defTabSz="4036471" rtl="0" eaLnBrk="1" latinLnBrk="0" hangingPunct="1">
+              <a:spcBef>
+                <a:spcPct val="20000"/>
+              </a:spcBef>
+              <a:buFont typeface="Arial" pitchFamily="34" charset="0"/>
+              <a:buChar char="•"/>
+              <a:defRPr sz="8829" kern="1200">
+                <a:solidFill>
+                  <a:schemeClr val="tx1"/>
+                </a:solidFill>
+                <a:latin typeface="+mn-lt"/>
+                <a:ea typeface="+mn-ea"/>
+                <a:cs typeface="+mn-cs"/>
+              </a:defRPr>
+            </a:lvl6pPr>
+            <a:lvl7pPr marL="13118533" indent="-1009119" algn="l" defTabSz="4036471" rtl="0" eaLnBrk="1" latinLnBrk="0" hangingPunct="1">
+              <a:spcBef>
+                <a:spcPct val="20000"/>
+              </a:spcBef>
+              <a:buFont typeface="Arial" pitchFamily="34" charset="0"/>
+              <a:buChar char="•"/>
+              <a:defRPr sz="8829" kern="1200">
+                <a:solidFill>
+                  <a:schemeClr val="tx1"/>
+                </a:solidFill>
+                <a:latin typeface="+mn-lt"/>
+                <a:ea typeface="+mn-ea"/>
+                <a:cs typeface="+mn-cs"/>
+              </a:defRPr>
+            </a:lvl7pPr>
+            <a:lvl8pPr marL="15136769" indent="-1009119" algn="l" defTabSz="4036471" rtl="0" eaLnBrk="1" latinLnBrk="0" hangingPunct="1">
+              <a:spcBef>
+                <a:spcPct val="20000"/>
+              </a:spcBef>
+              <a:buFont typeface="Arial" pitchFamily="34" charset="0"/>
+              <a:buChar char="•"/>
+              <a:defRPr sz="8829" kern="1200">
+                <a:solidFill>
+                  <a:schemeClr val="tx1"/>
+                </a:solidFill>
+                <a:latin typeface="+mn-lt"/>
+                <a:ea typeface="+mn-ea"/>
+                <a:cs typeface="+mn-cs"/>
+              </a:defRPr>
+            </a:lvl8pPr>
+            <a:lvl9pPr marL="17155005" indent="-1009119" algn="l" defTabSz="4036471" rtl="0" eaLnBrk="1" latinLnBrk="0" hangingPunct="1">
+              <a:spcBef>
+                <a:spcPct val="20000"/>
+              </a:spcBef>
+              <a:buFont typeface="Arial" pitchFamily="34" charset="0"/>
+              <a:buChar char="•"/>
+              <a:defRPr sz="8829" kern="1200">
+                <a:solidFill>
+                  <a:schemeClr val="tx1"/>
+                </a:solidFill>
+                <a:latin typeface="+mn-lt"/>
+                <a:ea typeface="+mn-ea"/>
+                <a:cs typeface="+mn-cs"/>
+              </a:defRPr>
+            </a:lvl9pPr>
+          </a:lstStyle>
+          <a:p>
+            <a:pPr algn="just">
+              <a:spcBef>
+                <a:spcPts val="0"/>
+              </a:spcBef>
+              <a:spcAft>
+                <a:spcPts val="600"/>
+              </a:spcAft>
+            </a:pPr>
+            <a:r>
+              <a:rPr lang="en-US" b="1" u="sng" dirty="0">
+                <a:latin typeface="+mn-lt"/>
+              </a:rPr>
+              <a:t>Linear Mixed Models</a:t>
+            </a:r>
+          </a:p>
+          <a:p>
+            <a:pPr algn="just">
+              <a:spcBef>
+                <a:spcPts val="0"/>
+              </a:spcBef>
+            </a:pPr>
+            <a:r>
+              <a:rPr lang="en-GB" dirty="0">
+                <a:latin typeface="+mn-lt"/>
+              </a:rPr>
+              <a:t>The random effect given by the country is significant and increase its relevance once added the immigration random slope, both for math and reading (the Percentage of Variance explained by the Random Effect (PVRE) goes from 2.3% to 4.4% for math and from 1.5% to 4.3% for reading). </a:t>
+            </a:r>
+          </a:p>
+          <a:p>
+            <a:pPr algn="just">
+              <a:spcBef>
+                <a:spcPts val="0"/>
+              </a:spcBef>
+            </a:pPr>
+            <a:r>
+              <a:rPr lang="en-GB" dirty="0">
+                <a:latin typeface="+mn-lt"/>
+              </a:rPr>
+              <a:t>An important result and a confirmation of our previous analyses can be observed in the </a:t>
+            </a:r>
+            <a:r>
+              <a:rPr lang="en-GB" dirty="0" err="1">
+                <a:latin typeface="+mn-lt"/>
+              </a:rPr>
+              <a:t>dotplot</a:t>
+            </a:r>
+            <a:r>
+              <a:rPr lang="en-GB" dirty="0">
+                <a:latin typeface="+mn-lt"/>
+              </a:rPr>
+              <a:t> of the random effects of the two models, indeed it’s clear how, being an immigrant, living in Great Britain has a positive effect with respect to the mean on the school performances while living in Denmark has a negative one.</a:t>
+            </a:r>
+            <a:endParaRPr lang="it-IT" dirty="0">
+              <a:latin typeface="+mn-lt"/>
+            </a:endParaRPr>
+          </a:p>
+        </p:txBody>
+      </p:sp>
+      <p:sp>
+        <p:nvSpPr>
+          <p:cNvPr id="38" name="Text Placeholder 4">
+            <a:extLst>
+              <a:ext uri="{FF2B5EF4-FFF2-40B4-BE49-F238E27FC236}">
+                <a16:creationId xmlns:a16="http://schemas.microsoft.com/office/drawing/2014/main" id="{A69C04C7-3B55-9586-72C0-E21627B105CE}"/>
+              </a:ext>
+            </a:extLst>
+          </p:cNvPr>
+          <p:cNvSpPr txBox="1">
+            <a:spLocks/>
+          </p:cNvSpPr>
+          <p:nvPr/>
+        </p:nvSpPr>
+        <p:spPr>
+          <a:xfrm>
+            <a:off x="21920616" y="25301520"/>
+            <a:ext cx="9799906" cy="815457"/>
+          </a:xfrm>
+          <a:prstGeom prst="rect">
+            <a:avLst/>
+          </a:prstGeom>
+        </p:spPr>
+        <p:txBody>
+          <a:bodyPr wrap="square" lIns="228589" tIns="228589" rIns="228589" bIns="228589">
+            <a:spAutoFit/>
+          </a:bodyPr>
+          <a:lstStyle>
+            <a:lvl1pPr marL="0" indent="0" algn="l" defTabSz="4036471" rtl="0" eaLnBrk="1" latinLnBrk="0" hangingPunct="1">
+              <a:spcBef>
+                <a:spcPct val="20000"/>
+              </a:spcBef>
+              <a:buFont typeface="Arial" pitchFamily="34" charset="0"/>
+              <a:buNone/>
+              <a:defRPr sz="2299" kern="1200">
+                <a:solidFill>
+                  <a:schemeClr val="accent5">
+                    <a:lumMod val="50000"/>
+                  </a:schemeClr>
+                </a:solidFill>
+                <a:latin typeface="Times New Roman" pitchFamily="18" charset="0"/>
+                <a:ea typeface="+mn-ea"/>
+                <a:cs typeface="Times New Roman" pitchFamily="18" charset="0"/>
+              </a:defRPr>
+            </a:lvl1pPr>
+            <a:lvl2pPr marL="1366513" indent="-525582" algn="l" defTabSz="4036471" rtl="0" eaLnBrk="1" latinLnBrk="0" hangingPunct="1">
+              <a:spcBef>
+                <a:spcPct val="20000"/>
+              </a:spcBef>
+              <a:buFont typeface="Arial" pitchFamily="34" charset="0"/>
+              <a:buChar char="–"/>
+              <a:defRPr sz="2299" kern="1200">
+                <a:solidFill>
+                  <a:schemeClr val="tx1"/>
+                </a:solidFill>
+                <a:latin typeface="Trebuchet MS" pitchFamily="34" charset="0"/>
+                <a:ea typeface="+mn-ea"/>
+                <a:cs typeface="+mn-cs"/>
+              </a:defRPr>
+            </a:lvl2pPr>
+            <a:lvl3pPr marL="1892096" indent="-525582" algn="l" defTabSz="4036471" rtl="0" eaLnBrk="1" latinLnBrk="0" hangingPunct="1">
+              <a:spcBef>
+                <a:spcPct val="20000"/>
+              </a:spcBef>
+              <a:buFont typeface="Arial" pitchFamily="34" charset="0"/>
+              <a:buChar char="•"/>
+              <a:defRPr sz="2299" kern="1200">
+                <a:solidFill>
+                  <a:schemeClr val="tx1"/>
+                </a:solidFill>
+                <a:latin typeface="Trebuchet MS" pitchFamily="34" charset="0"/>
+                <a:ea typeface="+mn-ea"/>
+                <a:cs typeface="+mn-cs"/>
+              </a:defRPr>
+            </a:lvl3pPr>
+            <a:lvl4pPr marL="2470237" indent="-578141" algn="l" defTabSz="4036471" rtl="0" eaLnBrk="1" latinLnBrk="0" hangingPunct="1">
+              <a:spcBef>
+                <a:spcPct val="20000"/>
+              </a:spcBef>
+              <a:buFont typeface="Arial" pitchFamily="34" charset="0"/>
+              <a:buChar char="–"/>
+              <a:defRPr sz="2299" kern="1200">
+                <a:solidFill>
+                  <a:schemeClr val="tx1"/>
+                </a:solidFill>
+                <a:latin typeface="Trebuchet MS" pitchFamily="34" charset="0"/>
+                <a:ea typeface="+mn-ea"/>
+                <a:cs typeface="+mn-cs"/>
+              </a:defRPr>
+            </a:lvl4pPr>
+            <a:lvl5pPr marL="2890703" indent="-420466" algn="l" defTabSz="4036471" rtl="0" eaLnBrk="1" latinLnBrk="0" hangingPunct="1">
+              <a:spcBef>
+                <a:spcPct val="20000"/>
+              </a:spcBef>
+              <a:buFont typeface="Arial" pitchFamily="34" charset="0"/>
+              <a:buChar char="»"/>
+              <a:defRPr sz="2299" kern="1200">
+                <a:solidFill>
+                  <a:schemeClr val="tx1"/>
+                </a:solidFill>
+                <a:latin typeface="Trebuchet MS" pitchFamily="34" charset="0"/>
+                <a:ea typeface="+mn-ea"/>
+                <a:cs typeface="+mn-cs"/>
+              </a:defRPr>
+            </a:lvl5pPr>
+            <a:lvl6pPr marL="11100298" indent="-1009119" algn="l" defTabSz="4036471" rtl="0" eaLnBrk="1" latinLnBrk="0" hangingPunct="1">
+              <a:spcBef>
+                <a:spcPct val="20000"/>
+              </a:spcBef>
+              <a:buFont typeface="Arial" pitchFamily="34" charset="0"/>
+              <a:buChar char="•"/>
+              <a:defRPr sz="8829" kern="1200">
+                <a:solidFill>
+                  <a:schemeClr val="tx1"/>
+                </a:solidFill>
+                <a:latin typeface="+mn-lt"/>
+                <a:ea typeface="+mn-ea"/>
+                <a:cs typeface="+mn-cs"/>
+              </a:defRPr>
+            </a:lvl6pPr>
+            <a:lvl7pPr marL="13118533" indent="-1009119" algn="l" defTabSz="4036471" rtl="0" eaLnBrk="1" latinLnBrk="0" hangingPunct="1">
+              <a:spcBef>
+                <a:spcPct val="20000"/>
+              </a:spcBef>
+              <a:buFont typeface="Arial" pitchFamily="34" charset="0"/>
+              <a:buChar char="•"/>
+              <a:defRPr sz="8829" kern="1200">
+                <a:solidFill>
+                  <a:schemeClr val="tx1"/>
+                </a:solidFill>
+                <a:latin typeface="+mn-lt"/>
+                <a:ea typeface="+mn-ea"/>
+                <a:cs typeface="+mn-cs"/>
+              </a:defRPr>
+            </a:lvl7pPr>
+            <a:lvl8pPr marL="15136769" indent="-1009119" algn="l" defTabSz="4036471" rtl="0" eaLnBrk="1" latinLnBrk="0" hangingPunct="1">
+              <a:spcBef>
+                <a:spcPct val="20000"/>
+              </a:spcBef>
+              <a:buFont typeface="Arial" pitchFamily="34" charset="0"/>
+              <a:buChar char="•"/>
+              <a:defRPr sz="8829" kern="1200">
+                <a:solidFill>
+                  <a:schemeClr val="tx1"/>
+                </a:solidFill>
+                <a:latin typeface="+mn-lt"/>
+                <a:ea typeface="+mn-ea"/>
+                <a:cs typeface="+mn-cs"/>
+              </a:defRPr>
+            </a:lvl8pPr>
+            <a:lvl9pPr marL="17155005" indent="-1009119" algn="l" defTabSz="4036471" rtl="0" eaLnBrk="1" latinLnBrk="0" hangingPunct="1">
+              <a:spcBef>
+                <a:spcPct val="20000"/>
+              </a:spcBef>
+              <a:buFont typeface="Arial" pitchFamily="34" charset="0"/>
+              <a:buChar char="•"/>
+              <a:defRPr sz="8829" kern="1200">
+                <a:solidFill>
+                  <a:schemeClr val="tx1"/>
+                </a:solidFill>
+                <a:latin typeface="+mn-lt"/>
+                <a:ea typeface="+mn-ea"/>
+                <a:cs typeface="+mn-cs"/>
+              </a:defRPr>
+            </a:lvl9pPr>
+          </a:lstStyle>
+          <a:p>
+            <a:pPr algn="just">
+              <a:spcBef>
+                <a:spcPts val="0"/>
+              </a:spcBef>
+              <a:spcAft>
+                <a:spcPts val="600"/>
+              </a:spcAft>
+            </a:pPr>
+            <a:r>
+              <a:rPr lang="en-US" b="1" u="sng" dirty="0">
+                <a:latin typeface="+mn-lt"/>
+              </a:rPr>
+              <a:t>Multinomial Logistic Regression</a:t>
+            </a:r>
+          </a:p>
+        </p:txBody>
+      </p:sp>
     </p:spTree>
     <p:extLst>
       <p:ext uri="{BB962C8B-B14F-4D97-AF65-F5344CB8AC3E}">
